--- a/powerpoint/報告PPT.pptx
+++ b/powerpoint/報告PPT.pptx
@@ -6,12 +6,12 @@
   </p:sldMasterIdLst>
   <p:sldIdLst>
     <p:sldId id="256" r:id="rId2"/>
-    <p:sldId id="257" r:id="rId3"/>
+    <p:sldId id="263" r:id="rId3"/>
     <p:sldId id="258" r:id="rId4"/>
-    <p:sldId id="259" r:id="rId5"/>
-    <p:sldId id="260" r:id="rId6"/>
-    <p:sldId id="261" r:id="rId7"/>
-    <p:sldId id="262" r:id="rId8"/>
+    <p:sldId id="257" r:id="rId5"/>
+    <p:sldId id="264" r:id="rId6"/>
+    <p:sldId id="259" r:id="rId7"/>
+    <p:sldId id="260" r:id="rId8"/>
   </p:sldIdLst>
   <p:sldSz cx="9144000" cy="6858000" type="screen4x3"/>
   <p:notesSz cx="6858000" cy="9144000"/>
@@ -111,6 +111,5164 @@
     </a:lvl9pPr>
   </p:defaultTextStyle>
 </p:presentation>
+</file>
+
+<file path=ppt/diagrams/colors1.xml><?xml version="1.0" encoding="utf-8"?>
+<dgm:colorsDef xmlns:dgm="http://schemas.openxmlformats.org/drawingml/2006/diagram" xmlns:a="http://schemas.openxmlformats.org/drawingml/2006/main" uniqueId="urn:microsoft.com/office/officeart/2005/8/colors/accent6_5">
+  <dgm:title val=""/>
+  <dgm:desc val=""/>
+  <dgm:catLst>
+    <dgm:cat type="accent6" pri="11500"/>
+  </dgm:catLst>
+  <dgm:styleLbl name="node0">
+    <dgm:fillClrLst meth="cycle">
+      <a:schemeClr val="accent6">
+        <a:alpha val="80000"/>
+      </a:schemeClr>
+    </dgm:fillClrLst>
+    <dgm:linClrLst meth="repeat">
+      <a:schemeClr val="lt1"/>
+    </dgm:linClrLst>
+    <dgm:effectClrLst/>
+    <dgm:txLinClrLst/>
+    <dgm:txFillClrLst/>
+    <dgm:txEffectClrLst/>
+  </dgm:styleLbl>
+  <dgm:styleLbl name="alignNode1">
+    <dgm:fillClrLst>
+      <a:schemeClr val="accent6">
+        <a:alpha val="90000"/>
+      </a:schemeClr>
+      <a:schemeClr val="accent6">
+        <a:alpha val="50000"/>
+      </a:schemeClr>
+    </dgm:fillClrLst>
+    <dgm:linClrLst>
+      <a:schemeClr val="accent6">
+        <a:alpha val="90000"/>
+      </a:schemeClr>
+      <a:schemeClr val="accent6">
+        <a:alpha val="50000"/>
+      </a:schemeClr>
+    </dgm:linClrLst>
+    <dgm:effectClrLst/>
+    <dgm:txLinClrLst/>
+    <dgm:txFillClrLst/>
+    <dgm:txEffectClrLst/>
+  </dgm:styleLbl>
+  <dgm:styleLbl name="node1">
+    <dgm:fillClrLst>
+      <a:schemeClr val="accent6">
+        <a:alpha val="90000"/>
+      </a:schemeClr>
+      <a:schemeClr val="accent6">
+        <a:alpha val="50000"/>
+      </a:schemeClr>
+    </dgm:fillClrLst>
+    <dgm:linClrLst meth="repeat">
+      <a:schemeClr val="lt1"/>
+    </dgm:linClrLst>
+    <dgm:effectClrLst/>
+    <dgm:txLinClrLst/>
+    <dgm:txFillClrLst/>
+    <dgm:txEffectClrLst/>
+  </dgm:styleLbl>
+  <dgm:styleLbl name="lnNode1">
+    <dgm:fillClrLst>
+      <a:schemeClr val="accent6">
+        <a:shade val="90000"/>
+      </a:schemeClr>
+      <a:schemeClr val="accent6">
+        <a:tint val="50000"/>
+        <a:alpha val="50000"/>
+      </a:schemeClr>
+    </dgm:fillClrLst>
+    <dgm:linClrLst meth="repeat">
+      <a:schemeClr val="lt1"/>
+    </dgm:linClrLst>
+    <dgm:effectClrLst/>
+    <dgm:txLinClrLst/>
+    <dgm:txFillClrLst/>
+    <dgm:txEffectClrLst/>
+  </dgm:styleLbl>
+  <dgm:styleLbl name="vennNode1">
+    <dgm:fillClrLst>
+      <a:schemeClr val="accent6">
+        <a:shade val="80000"/>
+        <a:alpha val="50000"/>
+      </a:schemeClr>
+      <a:schemeClr val="accent6">
+        <a:alpha val="80000"/>
+      </a:schemeClr>
+    </dgm:fillClrLst>
+    <dgm:linClrLst meth="repeat">
+      <a:schemeClr val="lt1"/>
+    </dgm:linClrLst>
+    <dgm:effectClrLst/>
+    <dgm:txLinClrLst/>
+    <dgm:txFillClrLst/>
+    <dgm:txEffectClrLst/>
+  </dgm:styleLbl>
+  <dgm:styleLbl name="node2">
+    <dgm:fillClrLst>
+      <a:schemeClr val="accent6">
+        <a:alpha val="70000"/>
+      </a:schemeClr>
+    </dgm:fillClrLst>
+    <dgm:linClrLst meth="repeat">
+      <a:schemeClr val="lt1"/>
+    </dgm:linClrLst>
+    <dgm:effectClrLst/>
+    <dgm:txLinClrLst/>
+    <dgm:txFillClrLst/>
+    <dgm:txEffectClrLst/>
+  </dgm:styleLbl>
+  <dgm:styleLbl name="node3">
+    <dgm:fillClrLst>
+      <a:schemeClr val="accent6">
+        <a:alpha val="50000"/>
+      </a:schemeClr>
+    </dgm:fillClrLst>
+    <dgm:linClrLst meth="repeat">
+      <a:schemeClr val="lt1"/>
+    </dgm:linClrLst>
+    <dgm:effectClrLst/>
+    <dgm:txLinClrLst/>
+    <dgm:txFillClrLst/>
+    <dgm:txEffectClrLst/>
+  </dgm:styleLbl>
+  <dgm:styleLbl name="node4">
+    <dgm:fillClrLst>
+      <a:schemeClr val="accent6">
+        <a:alpha val="30000"/>
+      </a:schemeClr>
+    </dgm:fillClrLst>
+    <dgm:linClrLst meth="repeat">
+      <a:schemeClr val="lt1"/>
+    </dgm:linClrLst>
+    <dgm:effectClrLst/>
+    <dgm:txLinClrLst/>
+    <dgm:txFillClrLst/>
+    <dgm:txEffectClrLst/>
+  </dgm:styleLbl>
+  <dgm:styleLbl name="fgImgPlace1">
+    <dgm:fillClrLst>
+      <a:schemeClr val="accent6">
+        <a:tint val="50000"/>
+        <a:alpha val="90000"/>
+      </a:schemeClr>
+      <a:schemeClr val="accent6">
+        <a:tint val="20000"/>
+        <a:alpha val="50000"/>
+      </a:schemeClr>
+    </dgm:fillClrLst>
+    <dgm:linClrLst meth="repeat">
+      <a:schemeClr val="lt1"/>
+    </dgm:linClrLst>
+    <dgm:effectClrLst/>
+    <dgm:txLinClrLst/>
+    <dgm:txFillClrLst meth="repeat">
+      <a:schemeClr val="lt1"/>
+    </dgm:txFillClrLst>
+    <dgm:txEffectClrLst/>
+  </dgm:styleLbl>
+  <dgm:styleLbl name="alignImgPlace1">
+    <dgm:fillClrLst>
+      <a:schemeClr val="accent6">
+        <a:tint val="50000"/>
+      </a:schemeClr>
+      <a:schemeClr val="accent6">
+        <a:tint val="20000"/>
+      </a:schemeClr>
+    </dgm:fillClrLst>
+    <dgm:linClrLst meth="repeat">
+      <a:schemeClr val="lt1"/>
+    </dgm:linClrLst>
+    <dgm:effectClrLst/>
+    <dgm:txLinClrLst/>
+    <dgm:txFillClrLst meth="repeat">
+      <a:schemeClr val="lt1"/>
+    </dgm:txFillClrLst>
+    <dgm:txEffectClrLst/>
+  </dgm:styleLbl>
+  <dgm:styleLbl name="bgImgPlace1">
+    <dgm:fillClrLst>
+      <a:schemeClr val="accent6">
+        <a:tint val="50000"/>
+      </a:schemeClr>
+      <a:schemeClr val="accent6">
+        <a:tint val="20000"/>
+      </a:schemeClr>
+    </dgm:fillClrLst>
+    <dgm:linClrLst meth="repeat">
+      <a:schemeClr val="lt1"/>
+    </dgm:linClrLst>
+    <dgm:effectClrLst/>
+    <dgm:txLinClrLst/>
+    <dgm:txFillClrLst meth="repeat">
+      <a:schemeClr val="lt1"/>
+    </dgm:txFillClrLst>
+    <dgm:txEffectClrLst/>
+  </dgm:styleLbl>
+  <dgm:styleLbl name="sibTrans2D1">
+    <dgm:fillClrLst>
+      <a:schemeClr val="accent6">
+        <a:shade val="90000"/>
+      </a:schemeClr>
+      <a:schemeClr val="accent6">
+        <a:tint val="50000"/>
+      </a:schemeClr>
+    </dgm:fillClrLst>
+    <dgm:linClrLst>
+      <a:schemeClr val="accent6">
+        <a:shade val="90000"/>
+      </a:schemeClr>
+      <a:schemeClr val="accent6">
+        <a:tint val="50000"/>
+      </a:schemeClr>
+    </dgm:linClrLst>
+    <dgm:effectClrLst/>
+    <dgm:txLinClrLst/>
+    <dgm:txFillClrLst/>
+    <dgm:txEffectClrLst/>
+  </dgm:styleLbl>
+  <dgm:styleLbl name="fgSibTrans2D1">
+    <dgm:fillClrLst>
+      <a:schemeClr val="accent6">
+        <a:shade val="90000"/>
+      </a:schemeClr>
+      <a:schemeClr val="accent6">
+        <a:tint val="50000"/>
+      </a:schemeClr>
+    </dgm:fillClrLst>
+    <dgm:linClrLst>
+      <a:schemeClr val="accent6">
+        <a:shade val="90000"/>
+      </a:schemeClr>
+      <a:schemeClr val="accent6">
+        <a:tint val="50000"/>
+      </a:schemeClr>
+    </dgm:linClrLst>
+    <dgm:effectClrLst/>
+    <dgm:txLinClrLst/>
+    <dgm:txFillClrLst/>
+    <dgm:txEffectClrLst/>
+  </dgm:styleLbl>
+  <dgm:styleLbl name="bgSibTrans2D1">
+    <dgm:fillClrLst>
+      <a:schemeClr val="accent6">
+        <a:shade val="90000"/>
+      </a:schemeClr>
+      <a:schemeClr val="accent6">
+        <a:tint val="50000"/>
+      </a:schemeClr>
+    </dgm:fillClrLst>
+    <dgm:linClrLst>
+      <a:schemeClr val="accent6">
+        <a:shade val="90000"/>
+      </a:schemeClr>
+      <a:schemeClr val="accent6">
+        <a:tint val="50000"/>
+      </a:schemeClr>
+    </dgm:linClrLst>
+    <dgm:effectClrLst/>
+    <dgm:txLinClrLst/>
+    <dgm:txFillClrLst/>
+    <dgm:txEffectClrLst/>
+  </dgm:styleLbl>
+  <dgm:styleLbl name="sibTrans1D1">
+    <dgm:fillClrLst>
+      <a:schemeClr val="accent6">
+        <a:shade val="90000"/>
+      </a:schemeClr>
+      <a:schemeClr val="accent6">
+        <a:tint val="50000"/>
+      </a:schemeClr>
+    </dgm:fillClrLst>
+    <dgm:linClrLst>
+      <a:schemeClr val="accent6">
+        <a:shade val="90000"/>
+      </a:schemeClr>
+      <a:schemeClr val="accent6">
+        <a:tint val="50000"/>
+      </a:schemeClr>
+    </dgm:linClrLst>
+    <dgm:effectClrLst/>
+    <dgm:txLinClrLst/>
+    <dgm:txFillClrLst meth="repeat">
+      <a:schemeClr val="tx1"/>
+    </dgm:txFillClrLst>
+    <dgm:txEffectClrLst/>
+  </dgm:styleLbl>
+  <dgm:styleLbl name="callout">
+    <dgm:fillClrLst meth="repeat">
+      <a:schemeClr val="accent6"/>
+    </dgm:fillClrLst>
+    <dgm:linClrLst meth="repeat">
+      <a:schemeClr val="accent6"/>
+    </dgm:linClrLst>
+    <dgm:effectClrLst/>
+    <dgm:txLinClrLst/>
+    <dgm:txFillClrLst meth="repeat">
+      <a:schemeClr val="tx1"/>
+    </dgm:txFillClrLst>
+    <dgm:txEffectClrLst/>
+  </dgm:styleLbl>
+  <dgm:styleLbl name="asst0">
+    <dgm:fillClrLst meth="repeat">
+      <a:schemeClr val="accent6">
+        <a:alpha val="90000"/>
+      </a:schemeClr>
+    </dgm:fillClrLst>
+    <dgm:linClrLst meth="repeat">
+      <a:schemeClr val="lt1"/>
+    </dgm:linClrLst>
+    <dgm:effectClrLst/>
+    <dgm:txLinClrLst/>
+    <dgm:txFillClrLst/>
+    <dgm:txEffectClrLst/>
+  </dgm:styleLbl>
+  <dgm:styleLbl name="asst1">
+    <dgm:fillClrLst meth="repeat">
+      <a:schemeClr val="accent6">
+        <a:alpha val="90000"/>
+      </a:schemeClr>
+    </dgm:fillClrLst>
+    <dgm:linClrLst meth="repeat">
+      <a:schemeClr val="lt1"/>
+    </dgm:linClrLst>
+    <dgm:effectClrLst/>
+    <dgm:txLinClrLst/>
+    <dgm:txFillClrLst/>
+    <dgm:txEffectClrLst/>
+  </dgm:styleLbl>
+  <dgm:styleLbl name="asst2">
+    <dgm:fillClrLst>
+      <a:schemeClr val="accent6">
+        <a:alpha val="90000"/>
+      </a:schemeClr>
+    </dgm:fillClrLst>
+    <dgm:linClrLst meth="repeat">
+      <a:schemeClr val="lt1"/>
+    </dgm:linClrLst>
+    <dgm:effectClrLst/>
+    <dgm:txLinClrLst/>
+    <dgm:txFillClrLst/>
+    <dgm:txEffectClrLst/>
+  </dgm:styleLbl>
+  <dgm:styleLbl name="asst3">
+    <dgm:fillClrLst>
+      <a:schemeClr val="accent6">
+        <a:alpha val="70000"/>
+      </a:schemeClr>
+    </dgm:fillClrLst>
+    <dgm:linClrLst meth="repeat">
+      <a:schemeClr val="lt1"/>
+    </dgm:linClrLst>
+    <dgm:effectClrLst/>
+    <dgm:txLinClrLst/>
+    <dgm:txFillClrLst/>
+    <dgm:txEffectClrLst/>
+  </dgm:styleLbl>
+  <dgm:styleLbl name="asst4">
+    <dgm:fillClrLst>
+      <a:schemeClr val="accent6">
+        <a:alpha val="50000"/>
+      </a:schemeClr>
+    </dgm:fillClrLst>
+    <dgm:linClrLst meth="repeat">
+      <a:schemeClr val="lt1"/>
+    </dgm:linClrLst>
+    <dgm:effectClrLst/>
+    <dgm:txLinClrLst/>
+    <dgm:txFillClrLst/>
+    <dgm:txEffectClrLst/>
+  </dgm:styleLbl>
+  <dgm:styleLbl name="parChTrans2D1">
+    <dgm:fillClrLst meth="repeat">
+      <a:schemeClr val="accent6">
+        <a:shade val="80000"/>
+      </a:schemeClr>
+    </dgm:fillClrLst>
+    <dgm:linClrLst meth="repeat">
+      <a:schemeClr val="accent6">
+        <a:shade val="80000"/>
+      </a:schemeClr>
+    </dgm:linClrLst>
+    <dgm:effectClrLst/>
+    <dgm:txLinClrLst/>
+    <dgm:txFillClrLst/>
+    <dgm:txEffectClrLst/>
+  </dgm:styleLbl>
+  <dgm:styleLbl name="parChTrans2D2">
+    <dgm:fillClrLst meth="repeat">
+      <a:schemeClr val="accent6">
+        <a:tint val="90000"/>
+      </a:schemeClr>
+    </dgm:fillClrLst>
+    <dgm:linClrLst meth="repeat">
+      <a:schemeClr val="accent6">
+        <a:tint val="90000"/>
+      </a:schemeClr>
+    </dgm:linClrLst>
+    <dgm:effectClrLst/>
+    <dgm:txLinClrLst/>
+    <dgm:txFillClrLst/>
+    <dgm:txEffectClrLst/>
+  </dgm:styleLbl>
+  <dgm:styleLbl name="parChTrans2D3">
+    <dgm:fillClrLst meth="repeat">
+      <a:schemeClr val="accent6">
+        <a:tint val="70000"/>
+      </a:schemeClr>
+    </dgm:fillClrLst>
+    <dgm:linClrLst meth="repeat">
+      <a:schemeClr val="accent6">
+        <a:tint val="70000"/>
+      </a:schemeClr>
+    </dgm:linClrLst>
+    <dgm:effectClrLst/>
+    <dgm:txLinClrLst/>
+    <dgm:txFillClrLst/>
+    <dgm:txEffectClrLst/>
+  </dgm:styleLbl>
+  <dgm:styleLbl name="parChTrans2D4">
+    <dgm:fillClrLst meth="repeat">
+      <a:schemeClr val="accent6">
+        <a:tint val="50000"/>
+      </a:schemeClr>
+    </dgm:fillClrLst>
+    <dgm:linClrLst meth="repeat">
+      <a:schemeClr val="accent6">
+        <a:tint val="50000"/>
+      </a:schemeClr>
+    </dgm:linClrLst>
+    <dgm:effectClrLst/>
+    <dgm:txLinClrLst/>
+    <dgm:txFillClrLst meth="repeat">
+      <a:schemeClr val="dk1"/>
+    </dgm:txFillClrLst>
+    <dgm:txEffectClrLst/>
+  </dgm:styleLbl>
+  <dgm:styleLbl name="parChTrans1D1">
+    <dgm:fillClrLst meth="repeat">
+      <a:schemeClr val="accent6">
+        <a:shade val="80000"/>
+      </a:schemeClr>
+    </dgm:fillClrLst>
+    <dgm:linClrLst meth="repeat">
+      <a:schemeClr val="accent6">
+        <a:shade val="80000"/>
+      </a:schemeClr>
+    </dgm:linClrLst>
+    <dgm:effectClrLst/>
+    <dgm:txLinClrLst/>
+    <dgm:txFillClrLst meth="repeat">
+      <a:schemeClr val="tx1"/>
+    </dgm:txFillClrLst>
+    <dgm:txEffectClrLst/>
+  </dgm:styleLbl>
+  <dgm:styleLbl name="parChTrans1D2">
+    <dgm:fillClrLst meth="repeat">
+      <a:schemeClr val="accent6">
+        <a:tint val="90000"/>
+      </a:schemeClr>
+    </dgm:fillClrLst>
+    <dgm:linClrLst meth="repeat">
+      <a:schemeClr val="accent6">
+        <a:tint val="90000"/>
+      </a:schemeClr>
+    </dgm:linClrLst>
+    <dgm:effectClrLst/>
+    <dgm:txLinClrLst/>
+    <dgm:txFillClrLst meth="repeat">
+      <a:schemeClr val="tx1"/>
+    </dgm:txFillClrLst>
+    <dgm:txEffectClrLst/>
+  </dgm:styleLbl>
+  <dgm:styleLbl name="parChTrans1D3">
+    <dgm:fillClrLst meth="repeat">
+      <a:schemeClr val="accent6">
+        <a:tint val="70000"/>
+      </a:schemeClr>
+    </dgm:fillClrLst>
+    <dgm:linClrLst meth="repeat">
+      <a:schemeClr val="accent6">
+        <a:tint val="70000"/>
+      </a:schemeClr>
+    </dgm:linClrLst>
+    <dgm:effectClrLst/>
+    <dgm:txLinClrLst/>
+    <dgm:txFillClrLst meth="repeat">
+      <a:schemeClr val="tx1"/>
+    </dgm:txFillClrLst>
+    <dgm:txEffectClrLst/>
+  </dgm:styleLbl>
+  <dgm:styleLbl name="parChTrans1D4">
+    <dgm:fillClrLst meth="repeat">
+      <a:schemeClr val="accent6">
+        <a:tint val="50000"/>
+      </a:schemeClr>
+    </dgm:fillClrLst>
+    <dgm:linClrLst meth="repeat">
+      <a:schemeClr val="accent6">
+        <a:tint val="50000"/>
+      </a:schemeClr>
+    </dgm:linClrLst>
+    <dgm:effectClrLst/>
+    <dgm:txLinClrLst/>
+    <dgm:txFillClrLst meth="repeat">
+      <a:schemeClr val="tx1"/>
+    </dgm:txFillClrLst>
+    <dgm:txEffectClrLst/>
+  </dgm:styleLbl>
+  <dgm:styleLbl name="fgAcc1">
+    <dgm:fillClrLst meth="repeat">
+      <a:schemeClr val="lt1">
+        <a:alpha val="90000"/>
+      </a:schemeClr>
+    </dgm:fillClrLst>
+    <dgm:linClrLst>
+      <a:schemeClr val="accent6">
+        <a:alpha val="90000"/>
+      </a:schemeClr>
+      <a:schemeClr val="accent6">
+        <a:alpha val="50000"/>
+      </a:schemeClr>
+    </dgm:linClrLst>
+    <dgm:effectClrLst/>
+    <dgm:txLinClrLst/>
+    <dgm:txFillClrLst meth="repeat">
+      <a:schemeClr val="dk1"/>
+    </dgm:txFillClrLst>
+    <dgm:txEffectClrLst/>
+  </dgm:styleLbl>
+  <dgm:styleLbl name="conFgAcc1">
+    <dgm:fillClrLst meth="repeat">
+      <a:schemeClr val="lt1">
+        <a:alpha val="90000"/>
+      </a:schemeClr>
+    </dgm:fillClrLst>
+    <dgm:linClrLst>
+      <a:schemeClr val="accent6">
+        <a:alpha val="90000"/>
+      </a:schemeClr>
+      <a:schemeClr val="accent6">
+        <a:alpha val="50000"/>
+      </a:schemeClr>
+    </dgm:linClrLst>
+    <dgm:effectClrLst/>
+    <dgm:txLinClrLst/>
+    <dgm:txFillClrLst meth="repeat">
+      <a:schemeClr val="dk1"/>
+    </dgm:txFillClrLst>
+    <dgm:txEffectClrLst/>
+  </dgm:styleLbl>
+  <dgm:styleLbl name="alignAcc1">
+    <dgm:fillClrLst meth="repeat">
+      <a:schemeClr val="lt1">
+        <a:alpha val="90000"/>
+      </a:schemeClr>
+    </dgm:fillClrLst>
+    <dgm:linClrLst>
+      <a:schemeClr val="accent6">
+        <a:alpha val="90000"/>
+      </a:schemeClr>
+      <a:schemeClr val="accent6">
+        <a:alpha val="50000"/>
+      </a:schemeClr>
+    </dgm:linClrLst>
+    <dgm:effectClrLst/>
+    <dgm:txLinClrLst/>
+    <dgm:txFillClrLst meth="repeat">
+      <a:schemeClr val="dk1"/>
+    </dgm:txFillClrLst>
+    <dgm:txEffectClrLst/>
+  </dgm:styleLbl>
+  <dgm:styleLbl name="trAlignAcc1">
+    <dgm:fillClrLst meth="repeat">
+      <a:schemeClr val="lt1">
+        <a:alpha val="40000"/>
+      </a:schemeClr>
+    </dgm:fillClrLst>
+    <dgm:linClrLst>
+      <a:schemeClr val="accent6">
+        <a:alpha val="90000"/>
+      </a:schemeClr>
+      <a:schemeClr val="accent6">
+        <a:alpha val="50000"/>
+      </a:schemeClr>
+    </dgm:linClrLst>
+    <dgm:effectClrLst/>
+    <dgm:txLinClrLst/>
+    <dgm:txFillClrLst meth="repeat">
+      <a:schemeClr val="dk1"/>
+    </dgm:txFillClrLst>
+    <dgm:txEffectClrLst/>
+  </dgm:styleLbl>
+  <dgm:styleLbl name="bgAcc1">
+    <dgm:fillClrLst meth="repeat">
+      <a:schemeClr val="lt1">
+        <a:alpha val="90000"/>
+      </a:schemeClr>
+    </dgm:fillClrLst>
+    <dgm:linClrLst>
+      <a:schemeClr val="accent6">
+        <a:alpha val="90000"/>
+      </a:schemeClr>
+      <a:schemeClr val="accent6">
+        <a:alpha val="50000"/>
+      </a:schemeClr>
+    </dgm:linClrLst>
+    <dgm:effectClrLst/>
+    <dgm:txLinClrLst/>
+    <dgm:txFillClrLst meth="repeat">
+      <a:schemeClr val="dk1"/>
+    </dgm:txFillClrLst>
+    <dgm:txEffectClrLst/>
+  </dgm:styleLbl>
+  <dgm:styleLbl name="solidFgAcc1">
+    <dgm:fillClrLst meth="repeat">
+      <a:schemeClr val="lt1"/>
+    </dgm:fillClrLst>
+    <dgm:linClrLst>
+      <a:schemeClr val="accent6">
+        <a:alpha val="90000"/>
+      </a:schemeClr>
+      <a:schemeClr val="accent6">
+        <a:alpha val="50000"/>
+      </a:schemeClr>
+    </dgm:linClrLst>
+    <dgm:effectClrLst/>
+    <dgm:txLinClrLst/>
+    <dgm:txFillClrLst meth="repeat">
+      <a:schemeClr val="dk1"/>
+    </dgm:txFillClrLst>
+    <dgm:txEffectClrLst/>
+  </dgm:styleLbl>
+  <dgm:styleLbl name="solidAlignAcc1">
+    <dgm:fillClrLst meth="repeat">
+      <a:schemeClr val="lt1"/>
+    </dgm:fillClrLst>
+    <dgm:linClrLst meth="repeat">
+      <a:schemeClr val="accent6"/>
+    </dgm:linClrLst>
+    <dgm:effectClrLst/>
+    <dgm:txLinClrLst/>
+    <dgm:txFillClrLst meth="repeat">
+      <a:schemeClr val="dk1"/>
+    </dgm:txFillClrLst>
+    <dgm:txEffectClrLst/>
+  </dgm:styleLbl>
+  <dgm:styleLbl name="solidBgAcc1">
+    <dgm:fillClrLst meth="repeat">
+      <a:schemeClr val="lt1"/>
+    </dgm:fillClrLst>
+    <dgm:linClrLst meth="repeat">
+      <a:schemeClr val="accent6"/>
+    </dgm:linClrLst>
+    <dgm:effectClrLst/>
+    <dgm:txLinClrLst/>
+    <dgm:txFillClrLst meth="repeat">
+      <a:schemeClr val="dk1"/>
+    </dgm:txFillClrLst>
+    <dgm:txEffectClrLst/>
+  </dgm:styleLbl>
+  <dgm:styleLbl name="fgAccFollowNode1">
+    <dgm:fillClrLst>
+      <a:schemeClr val="accent6">
+        <a:alpha val="90000"/>
+        <a:tint val="40000"/>
+      </a:schemeClr>
+      <a:schemeClr val="accent6">
+        <a:alpha val="50000"/>
+        <a:tint val="40000"/>
+      </a:schemeClr>
+    </dgm:fillClrLst>
+    <dgm:linClrLst meth="repeat">
+      <a:schemeClr val="accent6">
+        <a:alpha val="90000"/>
+        <a:tint val="40000"/>
+      </a:schemeClr>
+    </dgm:linClrLst>
+    <dgm:effectClrLst/>
+    <dgm:txLinClrLst/>
+    <dgm:txFillClrLst meth="repeat">
+      <a:schemeClr val="dk1"/>
+    </dgm:txFillClrLst>
+    <dgm:txEffectClrLst/>
+  </dgm:styleLbl>
+  <dgm:styleLbl name="alignAccFollowNode1">
+    <dgm:fillClrLst meth="repeat">
+      <a:schemeClr val="accent6">
+        <a:alpha val="90000"/>
+        <a:tint val="40000"/>
+      </a:schemeClr>
+    </dgm:fillClrLst>
+    <dgm:linClrLst meth="repeat">
+      <a:schemeClr val="accent6">
+        <a:alpha val="90000"/>
+        <a:tint val="40000"/>
+      </a:schemeClr>
+    </dgm:linClrLst>
+    <dgm:effectClrLst/>
+    <dgm:txLinClrLst/>
+    <dgm:txFillClrLst meth="repeat">
+      <a:schemeClr val="dk1"/>
+    </dgm:txFillClrLst>
+    <dgm:txEffectClrLst/>
+  </dgm:styleLbl>
+  <dgm:styleLbl name="bgAccFollowNode1">
+    <dgm:fillClrLst meth="repeat">
+      <a:schemeClr val="accent6">
+        <a:alpha val="90000"/>
+        <a:tint val="40000"/>
+      </a:schemeClr>
+    </dgm:fillClrLst>
+    <dgm:linClrLst meth="repeat">
+      <a:schemeClr val="lt1"/>
+    </dgm:linClrLst>
+    <dgm:effectClrLst/>
+    <dgm:txLinClrLst/>
+    <dgm:txFillClrLst meth="repeat">
+      <a:schemeClr val="dk1"/>
+    </dgm:txFillClrLst>
+    <dgm:txEffectClrLst/>
+  </dgm:styleLbl>
+  <dgm:styleLbl name="fgAcc0">
+    <dgm:fillClrLst meth="repeat">
+      <a:schemeClr val="lt1">
+        <a:alpha val="90000"/>
+      </a:schemeClr>
+    </dgm:fillClrLst>
+    <dgm:linClrLst meth="repeat">
+      <a:schemeClr val="accent6">
+        <a:shade val="80000"/>
+      </a:schemeClr>
+    </dgm:linClrLst>
+    <dgm:effectClrLst/>
+    <dgm:txLinClrLst/>
+    <dgm:txFillClrLst meth="repeat">
+      <a:schemeClr val="dk1"/>
+    </dgm:txFillClrLst>
+    <dgm:txEffectClrLst/>
+  </dgm:styleLbl>
+  <dgm:styleLbl name="fgAcc2">
+    <dgm:fillClrLst meth="repeat">
+      <a:schemeClr val="lt1">
+        <a:alpha val="90000"/>
+      </a:schemeClr>
+    </dgm:fillClrLst>
+    <dgm:linClrLst meth="repeat">
+      <a:schemeClr val="accent6">
+        <a:tint val="90000"/>
+      </a:schemeClr>
+    </dgm:linClrLst>
+    <dgm:effectClrLst/>
+    <dgm:txLinClrLst/>
+    <dgm:txFillClrLst meth="repeat">
+      <a:schemeClr val="dk1"/>
+    </dgm:txFillClrLst>
+    <dgm:txEffectClrLst/>
+  </dgm:styleLbl>
+  <dgm:styleLbl name="fgAcc3">
+    <dgm:fillClrLst meth="repeat">
+      <a:schemeClr val="lt1">
+        <a:alpha val="90000"/>
+      </a:schemeClr>
+    </dgm:fillClrLst>
+    <dgm:linClrLst meth="repeat">
+      <a:schemeClr val="accent6">
+        <a:tint val="70000"/>
+      </a:schemeClr>
+    </dgm:linClrLst>
+    <dgm:effectClrLst/>
+    <dgm:txLinClrLst/>
+    <dgm:txFillClrLst meth="repeat">
+      <a:schemeClr val="dk1"/>
+    </dgm:txFillClrLst>
+    <dgm:txEffectClrLst/>
+  </dgm:styleLbl>
+  <dgm:styleLbl name="fgAcc4">
+    <dgm:fillClrLst meth="repeat">
+      <a:schemeClr val="lt1">
+        <a:alpha val="90000"/>
+      </a:schemeClr>
+    </dgm:fillClrLst>
+    <dgm:linClrLst meth="repeat">
+      <a:schemeClr val="accent6">
+        <a:tint val="50000"/>
+      </a:schemeClr>
+    </dgm:linClrLst>
+    <dgm:effectClrLst/>
+    <dgm:txLinClrLst/>
+    <dgm:txFillClrLst meth="repeat">
+      <a:schemeClr val="dk1"/>
+    </dgm:txFillClrLst>
+    <dgm:txEffectClrLst/>
+  </dgm:styleLbl>
+  <dgm:styleLbl name="bgShp">
+    <dgm:fillClrLst meth="repeat">
+      <a:schemeClr val="accent6">
+        <a:tint val="40000"/>
+      </a:schemeClr>
+    </dgm:fillClrLst>
+    <dgm:linClrLst meth="repeat">
+      <a:schemeClr val="dk1"/>
+    </dgm:linClrLst>
+    <dgm:effectClrLst/>
+    <dgm:txLinClrLst/>
+    <dgm:txFillClrLst meth="repeat">
+      <a:schemeClr val="dk1"/>
+    </dgm:txFillClrLst>
+    <dgm:txEffectClrLst/>
+  </dgm:styleLbl>
+  <dgm:styleLbl name="dkBgShp">
+    <dgm:fillClrLst meth="repeat">
+      <a:schemeClr val="accent6">
+        <a:shade val="90000"/>
+      </a:schemeClr>
+    </dgm:fillClrLst>
+    <dgm:linClrLst meth="repeat">
+      <a:schemeClr val="dk1"/>
+    </dgm:linClrLst>
+    <dgm:effectClrLst/>
+    <dgm:txLinClrLst/>
+    <dgm:txFillClrLst meth="repeat">
+      <a:schemeClr val="lt1"/>
+    </dgm:txFillClrLst>
+    <dgm:txEffectClrLst/>
+  </dgm:styleLbl>
+  <dgm:styleLbl name="trBgShp">
+    <dgm:fillClrLst meth="repeat">
+      <a:schemeClr val="accent6">
+        <a:tint val="50000"/>
+        <a:alpha val="40000"/>
+      </a:schemeClr>
+    </dgm:fillClrLst>
+    <dgm:linClrLst meth="repeat">
+      <a:schemeClr val="accent6"/>
+    </dgm:linClrLst>
+    <dgm:effectClrLst/>
+    <dgm:txLinClrLst/>
+    <dgm:txFillClrLst meth="repeat">
+      <a:schemeClr val="lt1"/>
+    </dgm:txFillClrLst>
+    <dgm:txEffectClrLst/>
+  </dgm:styleLbl>
+  <dgm:styleLbl name="fgShp">
+    <dgm:fillClrLst meth="repeat">
+      <a:schemeClr val="accent6">
+        <a:tint val="40000"/>
+      </a:schemeClr>
+    </dgm:fillClrLst>
+    <dgm:linClrLst meth="repeat">
+      <a:schemeClr val="lt1"/>
+    </dgm:linClrLst>
+    <dgm:effectClrLst/>
+    <dgm:txLinClrLst/>
+    <dgm:txFillClrLst meth="repeat">
+      <a:schemeClr val="dk1"/>
+    </dgm:txFillClrLst>
+    <dgm:txEffectClrLst/>
+  </dgm:styleLbl>
+  <dgm:styleLbl name="revTx">
+    <dgm:fillClrLst meth="repeat">
+      <a:schemeClr val="lt1">
+        <a:alpha val="0"/>
+      </a:schemeClr>
+    </dgm:fillClrLst>
+    <dgm:linClrLst meth="repeat">
+      <a:schemeClr val="dk1">
+        <a:alpha val="0"/>
+      </a:schemeClr>
+    </dgm:linClrLst>
+    <dgm:effectClrLst/>
+    <dgm:txLinClrLst/>
+    <dgm:txFillClrLst meth="repeat">
+      <a:schemeClr val="tx1"/>
+    </dgm:txFillClrLst>
+    <dgm:txEffectClrLst/>
+  </dgm:styleLbl>
+</dgm:colorsDef>
+</file>
+
+<file path=ppt/diagrams/data1.xml><?xml version="1.0" encoding="utf-8"?>
+<dgm:dataModel xmlns:dgm="http://schemas.openxmlformats.org/drawingml/2006/diagram" xmlns:a="http://schemas.openxmlformats.org/drawingml/2006/main">
+  <dgm:ptLst>
+    <dgm:pt modelId="{24F323B9-285E-4045-AFF5-F1A47E14A6A0}" type="doc">
+      <dgm:prSet loTypeId="urn:microsoft.com/office/officeart/2005/8/layout/hierarchy1" loCatId="hierarchy" qsTypeId="urn:microsoft.com/office/officeart/2005/8/quickstyle/simple1" qsCatId="simple" csTypeId="urn:microsoft.com/office/officeart/2005/8/colors/accent6_5" csCatId="accent6" phldr="1"/>
+      <dgm:spPr/>
+      <dgm:t>
+        <a:bodyPr/>
+        <a:lstStyle/>
+        <a:p>
+          <a:endParaRPr lang="zh-TW" altLang="en-US"/>
+        </a:p>
+      </dgm:t>
+    </dgm:pt>
+    <dgm:pt modelId="{87CD64CC-CFB4-4094-BEFE-FD489397483E}">
+      <dgm:prSet phldrT="[文字]" custT="1"/>
+      <dgm:spPr>
+        <a:ln>
+          <a:solidFill>
+            <a:schemeClr val="tx2">
+              <a:lumMod val="40000"/>
+              <a:lumOff val="60000"/>
+            </a:schemeClr>
+          </a:solidFill>
+        </a:ln>
+      </dgm:spPr>
+      <dgm:t>
+        <a:bodyPr/>
+        <a:lstStyle/>
+        <a:p>
+          <a:r>
+            <a:rPr lang="zh-TW" altLang="en-US" sz="3000" dirty="0" smtClean="0">
+              <a:solidFill>
+                <a:srgbClr val="FD8182"/>
+              </a:solidFill>
+              <a:latin typeface="微軟正黑體" panose="020B0604030504040204" pitchFamily="34" charset="-120"/>
+              <a:ea typeface="微軟正黑體" panose="020B0604030504040204" pitchFamily="34" charset="-120"/>
+            </a:rPr>
+            <a:t>北科小角落</a:t>
+          </a:r>
+          <a:endParaRPr lang="zh-TW" altLang="en-US" sz="3000" dirty="0">
+            <a:solidFill>
+              <a:srgbClr val="FD8182"/>
+            </a:solidFill>
+            <a:latin typeface="微軟正黑體" panose="020B0604030504040204" pitchFamily="34" charset="-120"/>
+            <a:ea typeface="微軟正黑體" panose="020B0604030504040204" pitchFamily="34" charset="-120"/>
+          </a:endParaRPr>
+        </a:p>
+      </dgm:t>
+    </dgm:pt>
+    <dgm:pt modelId="{A346D6FF-56DE-450C-8C22-8BEC70BCA7E0}" type="parTrans" cxnId="{BBBC5460-172C-429F-B4E6-3DADB10BDD06}">
+      <dgm:prSet/>
+      <dgm:spPr/>
+      <dgm:t>
+        <a:bodyPr/>
+        <a:lstStyle/>
+        <a:p>
+          <a:endParaRPr lang="zh-TW" altLang="en-US"/>
+        </a:p>
+      </dgm:t>
+    </dgm:pt>
+    <dgm:pt modelId="{287640DF-92AD-48E7-ACB4-9343A01E7F78}" type="sibTrans" cxnId="{BBBC5460-172C-429F-B4E6-3DADB10BDD06}">
+      <dgm:prSet/>
+      <dgm:spPr/>
+      <dgm:t>
+        <a:bodyPr/>
+        <a:lstStyle/>
+        <a:p>
+          <a:endParaRPr lang="zh-TW" altLang="en-US"/>
+        </a:p>
+      </dgm:t>
+    </dgm:pt>
+    <dgm:pt modelId="{402EC703-F842-47A7-83E7-F0F4B58D93D7}">
+      <dgm:prSet phldrT="[文字]" custT="1"/>
+      <dgm:spPr>
+        <a:ln>
+          <a:solidFill>
+            <a:schemeClr val="tx2">
+              <a:lumMod val="40000"/>
+              <a:lumOff val="60000"/>
+            </a:schemeClr>
+          </a:solidFill>
+        </a:ln>
+      </dgm:spPr>
+      <dgm:t>
+        <a:bodyPr/>
+        <a:lstStyle/>
+        <a:p>
+          <a:r>
+            <a:rPr lang="zh-TW" altLang="en-US" sz="1500" b="0" i="0" u="sng" dirty="0" smtClean="0">
+              <a:solidFill>
+                <a:srgbClr val="FD8182"/>
+              </a:solidFill>
+              <a:latin typeface="微軟正黑體" panose="020B0604030504040204" pitchFamily="34" charset="-120"/>
+              <a:ea typeface="微軟正黑體" panose="020B0604030504040204" pitchFamily="34" charset="-120"/>
+            </a:rPr>
+            <a:t>首頁</a:t>
+          </a:r>
+          <a:endParaRPr lang="zh-TW" altLang="en-US" sz="1500" b="0" i="0" u="sng" dirty="0">
+            <a:solidFill>
+              <a:srgbClr val="FD8182"/>
+            </a:solidFill>
+            <a:latin typeface="微軟正黑體" panose="020B0604030504040204" pitchFamily="34" charset="-120"/>
+            <a:ea typeface="微軟正黑體" panose="020B0604030504040204" pitchFamily="34" charset="-120"/>
+          </a:endParaRPr>
+        </a:p>
+      </dgm:t>
+    </dgm:pt>
+    <dgm:pt modelId="{B27A9164-132A-432B-AD81-8DA6C7977D51}" type="parTrans" cxnId="{528245A4-4F32-4813-A16A-D4747EC4137D}">
+      <dgm:prSet/>
+      <dgm:spPr>
+        <a:ln>
+          <a:solidFill>
+            <a:schemeClr val="tx2">
+              <a:lumMod val="40000"/>
+              <a:lumOff val="60000"/>
+            </a:schemeClr>
+          </a:solidFill>
+        </a:ln>
+      </dgm:spPr>
+      <dgm:t>
+        <a:bodyPr/>
+        <a:lstStyle/>
+        <a:p>
+          <a:endParaRPr lang="zh-TW" altLang="en-US"/>
+        </a:p>
+      </dgm:t>
+    </dgm:pt>
+    <dgm:pt modelId="{B9788192-79BF-42C7-B1DF-E9B19E652952}" type="sibTrans" cxnId="{528245A4-4F32-4813-A16A-D4747EC4137D}">
+      <dgm:prSet/>
+      <dgm:spPr/>
+      <dgm:t>
+        <a:bodyPr/>
+        <a:lstStyle/>
+        <a:p>
+          <a:endParaRPr lang="zh-TW" altLang="en-US"/>
+        </a:p>
+      </dgm:t>
+    </dgm:pt>
+    <dgm:pt modelId="{86BE3AD7-E365-4296-B2FC-5937B076E992}">
+      <dgm:prSet phldrT="[文字]" custT="1"/>
+      <dgm:spPr>
+        <a:ln>
+          <a:solidFill>
+            <a:schemeClr val="tx2">
+              <a:lumMod val="40000"/>
+              <a:lumOff val="60000"/>
+            </a:schemeClr>
+          </a:solidFill>
+        </a:ln>
+      </dgm:spPr>
+      <dgm:t>
+        <a:bodyPr/>
+        <a:lstStyle/>
+        <a:p>
+          <a:r>
+            <a:rPr lang="zh-TW" altLang="en-US" sz="1500" b="0" i="0" u="sng" smtClean="0">
+              <a:solidFill>
+                <a:srgbClr val="FD8182"/>
+              </a:solidFill>
+              <a:latin typeface="微軟正黑體" panose="020B0604030504040204" pitchFamily="34" charset="-120"/>
+              <a:ea typeface="微軟正黑體" panose="020B0604030504040204" pitchFamily="34" charset="-120"/>
+            </a:rPr>
+            <a:t>小角落們</a:t>
+          </a:r>
+          <a:endParaRPr lang="zh-TW" altLang="en-US" sz="1500" b="0" i="0" u="sng" dirty="0">
+            <a:solidFill>
+              <a:srgbClr val="FD8182"/>
+            </a:solidFill>
+            <a:latin typeface="微軟正黑體" panose="020B0604030504040204" pitchFamily="34" charset="-120"/>
+            <a:ea typeface="微軟正黑體" panose="020B0604030504040204" pitchFamily="34" charset="-120"/>
+          </a:endParaRPr>
+        </a:p>
+      </dgm:t>
+    </dgm:pt>
+    <dgm:pt modelId="{18D32C8C-560E-4C0D-B74C-27FE1DCDC832}" type="parTrans" cxnId="{53B258DC-1856-463A-898F-2596E694484F}">
+      <dgm:prSet/>
+      <dgm:spPr>
+        <a:ln>
+          <a:solidFill>
+            <a:schemeClr val="tx2">
+              <a:lumMod val="40000"/>
+              <a:lumOff val="60000"/>
+            </a:schemeClr>
+          </a:solidFill>
+        </a:ln>
+      </dgm:spPr>
+      <dgm:t>
+        <a:bodyPr/>
+        <a:lstStyle/>
+        <a:p>
+          <a:endParaRPr lang="zh-TW" altLang="en-US"/>
+        </a:p>
+      </dgm:t>
+    </dgm:pt>
+    <dgm:pt modelId="{80127008-4D61-43D5-8BCF-188072DB8B96}" type="sibTrans" cxnId="{53B258DC-1856-463A-898F-2596E694484F}">
+      <dgm:prSet/>
+      <dgm:spPr/>
+      <dgm:t>
+        <a:bodyPr/>
+        <a:lstStyle/>
+        <a:p>
+          <a:endParaRPr lang="zh-TW" altLang="en-US"/>
+        </a:p>
+      </dgm:t>
+    </dgm:pt>
+    <dgm:pt modelId="{303CD3A1-EA75-41B1-8D28-99728457CE20}">
+      <dgm:prSet phldrT="[文字]" custT="1"/>
+      <dgm:spPr>
+        <a:ln>
+          <a:solidFill>
+            <a:schemeClr val="tx2">
+              <a:lumMod val="40000"/>
+              <a:lumOff val="60000"/>
+            </a:schemeClr>
+          </a:solidFill>
+        </a:ln>
+      </dgm:spPr>
+      <dgm:t>
+        <a:bodyPr/>
+        <a:lstStyle/>
+        <a:p>
+          <a:r>
+            <a:rPr lang="zh-TW" altLang="en-US" sz="1500" b="0" i="0" u="sng" smtClean="0">
+              <a:solidFill>
+                <a:srgbClr val="FD8182"/>
+              </a:solidFill>
+              <a:latin typeface="微軟正黑體" panose="020B0604030504040204" pitchFamily="34" charset="-120"/>
+              <a:ea typeface="微軟正黑體" panose="020B0604030504040204" pitchFamily="34" charset="-120"/>
+            </a:rPr>
+            <a:t>匿名發文</a:t>
+          </a:r>
+          <a:endParaRPr lang="zh-TW" altLang="en-US" sz="1500" b="0" i="0" u="sng" dirty="0">
+            <a:solidFill>
+              <a:srgbClr val="FD8182"/>
+            </a:solidFill>
+            <a:latin typeface="微軟正黑體" panose="020B0604030504040204" pitchFamily="34" charset="-120"/>
+            <a:ea typeface="微軟正黑體" panose="020B0604030504040204" pitchFamily="34" charset="-120"/>
+          </a:endParaRPr>
+        </a:p>
+      </dgm:t>
+    </dgm:pt>
+    <dgm:pt modelId="{55B1DEC0-7304-4F14-B7E4-6A57BD87526B}" type="parTrans" cxnId="{C14D465F-48FF-4B7A-A952-60DACD4DB4FB}">
+      <dgm:prSet/>
+      <dgm:spPr>
+        <a:ln>
+          <a:solidFill>
+            <a:schemeClr val="tx2">
+              <a:lumMod val="40000"/>
+              <a:lumOff val="60000"/>
+            </a:schemeClr>
+          </a:solidFill>
+        </a:ln>
+      </dgm:spPr>
+      <dgm:t>
+        <a:bodyPr/>
+        <a:lstStyle/>
+        <a:p>
+          <a:endParaRPr lang="zh-TW" altLang="en-US"/>
+        </a:p>
+      </dgm:t>
+    </dgm:pt>
+    <dgm:pt modelId="{2937625C-E194-47F8-83B3-D71A8B52F487}" type="sibTrans" cxnId="{C14D465F-48FF-4B7A-A952-60DACD4DB4FB}">
+      <dgm:prSet/>
+      <dgm:spPr/>
+      <dgm:t>
+        <a:bodyPr/>
+        <a:lstStyle/>
+        <a:p>
+          <a:endParaRPr lang="zh-TW" altLang="en-US"/>
+        </a:p>
+      </dgm:t>
+    </dgm:pt>
+    <dgm:pt modelId="{A4F4719F-E14E-497A-A189-DE19F070C234}">
+      <dgm:prSet phldrT="[文字]" custT="1"/>
+      <dgm:spPr>
+        <a:ln>
+          <a:solidFill>
+            <a:schemeClr val="tx2">
+              <a:lumMod val="40000"/>
+              <a:lumOff val="60000"/>
+            </a:schemeClr>
+          </a:solidFill>
+        </a:ln>
+      </dgm:spPr>
+      <dgm:t>
+        <a:bodyPr/>
+        <a:lstStyle/>
+        <a:p>
+          <a:r>
+            <a:rPr lang="zh-TW" altLang="en-US" sz="1500" b="0" i="0" u="sng" smtClean="0">
+              <a:solidFill>
+                <a:srgbClr val="FD8182"/>
+              </a:solidFill>
+              <a:latin typeface="微軟正黑體" panose="020B0604030504040204" pitchFamily="34" charset="-120"/>
+              <a:ea typeface="微軟正黑體" panose="020B0604030504040204" pitchFamily="34" charset="-120"/>
+            </a:rPr>
+            <a:t>發文成功</a:t>
+          </a:r>
+          <a:endParaRPr lang="zh-TW" altLang="en-US" sz="1500" b="0" i="0" u="sng" dirty="0">
+            <a:solidFill>
+              <a:srgbClr val="FD8182"/>
+            </a:solidFill>
+            <a:latin typeface="微軟正黑體" panose="020B0604030504040204" pitchFamily="34" charset="-120"/>
+            <a:ea typeface="微軟正黑體" panose="020B0604030504040204" pitchFamily="34" charset="-120"/>
+          </a:endParaRPr>
+        </a:p>
+      </dgm:t>
+    </dgm:pt>
+    <dgm:pt modelId="{8B68E4F6-CAAF-486A-A2F9-A7D3EBA464F0}" type="parTrans" cxnId="{348C41C9-AB02-49C5-A8F2-DBCEAC9A1B1E}">
+      <dgm:prSet/>
+      <dgm:spPr>
+        <a:ln>
+          <a:solidFill>
+            <a:schemeClr val="tx2">
+              <a:lumMod val="40000"/>
+              <a:lumOff val="60000"/>
+            </a:schemeClr>
+          </a:solidFill>
+        </a:ln>
+      </dgm:spPr>
+      <dgm:t>
+        <a:bodyPr/>
+        <a:lstStyle/>
+        <a:p>
+          <a:endParaRPr lang="zh-TW" altLang="en-US"/>
+        </a:p>
+      </dgm:t>
+    </dgm:pt>
+    <dgm:pt modelId="{DDFA06B9-B768-41BC-8520-BC156632FE7B}" type="sibTrans" cxnId="{348C41C9-AB02-49C5-A8F2-DBCEAC9A1B1E}">
+      <dgm:prSet/>
+      <dgm:spPr/>
+      <dgm:t>
+        <a:bodyPr/>
+        <a:lstStyle/>
+        <a:p>
+          <a:endParaRPr lang="zh-TW" altLang="en-US"/>
+        </a:p>
+      </dgm:t>
+    </dgm:pt>
+    <dgm:pt modelId="{52F2427B-733C-4A44-AA4E-66FCDFCD8E16}">
+      <dgm:prSet phldrT="[文字]" custT="1"/>
+      <dgm:spPr>
+        <a:ln>
+          <a:solidFill>
+            <a:schemeClr val="tx2">
+              <a:lumMod val="40000"/>
+              <a:lumOff val="60000"/>
+            </a:schemeClr>
+          </a:solidFill>
+        </a:ln>
+      </dgm:spPr>
+      <dgm:t>
+        <a:bodyPr/>
+        <a:lstStyle/>
+        <a:p>
+          <a:r>
+            <a:rPr lang="zh-TW" altLang="en-US" sz="1500" b="0" i="0" u="sng" smtClean="0">
+              <a:solidFill>
+                <a:srgbClr val="FD8182"/>
+              </a:solidFill>
+              <a:latin typeface="微軟正黑體" panose="020B0604030504040204" pitchFamily="34" charset="-120"/>
+              <a:ea typeface="微軟正黑體" panose="020B0604030504040204" pitchFamily="34" charset="-120"/>
+            </a:rPr>
+            <a:t>使用方法</a:t>
+          </a:r>
+          <a:endParaRPr lang="zh-TW" altLang="en-US" sz="1500" b="0" i="0" u="sng" dirty="0">
+            <a:solidFill>
+              <a:srgbClr val="FD8182"/>
+            </a:solidFill>
+            <a:latin typeface="微軟正黑體" panose="020B0604030504040204" pitchFamily="34" charset="-120"/>
+            <a:ea typeface="微軟正黑體" panose="020B0604030504040204" pitchFamily="34" charset="-120"/>
+          </a:endParaRPr>
+        </a:p>
+      </dgm:t>
+    </dgm:pt>
+    <dgm:pt modelId="{1ED4B0F4-6FB4-4AF7-A87F-471A494C6629}" type="parTrans" cxnId="{791211F9-FC23-4216-BA3C-1B1368044F1D}">
+      <dgm:prSet/>
+      <dgm:spPr>
+        <a:ln>
+          <a:solidFill>
+            <a:schemeClr val="tx2">
+              <a:lumMod val="40000"/>
+              <a:lumOff val="60000"/>
+            </a:schemeClr>
+          </a:solidFill>
+        </a:ln>
+      </dgm:spPr>
+      <dgm:t>
+        <a:bodyPr/>
+        <a:lstStyle/>
+        <a:p>
+          <a:endParaRPr lang="zh-TW" altLang="en-US"/>
+        </a:p>
+      </dgm:t>
+    </dgm:pt>
+    <dgm:pt modelId="{37CC0297-7CFC-4253-9D97-9D3DEEA0DDA3}" type="sibTrans" cxnId="{791211F9-FC23-4216-BA3C-1B1368044F1D}">
+      <dgm:prSet/>
+      <dgm:spPr/>
+      <dgm:t>
+        <a:bodyPr/>
+        <a:lstStyle/>
+        <a:p>
+          <a:endParaRPr lang="zh-TW" altLang="en-US"/>
+        </a:p>
+      </dgm:t>
+    </dgm:pt>
+    <dgm:pt modelId="{CD71FDB5-13B3-4E29-A0DF-644A9EC9AA0E}">
+      <dgm:prSet phldrT="[文字]" custT="1"/>
+      <dgm:spPr>
+        <a:ln>
+          <a:solidFill>
+            <a:schemeClr val="tx2">
+              <a:lumMod val="40000"/>
+              <a:lumOff val="60000"/>
+            </a:schemeClr>
+          </a:solidFill>
+        </a:ln>
+      </dgm:spPr>
+      <dgm:t>
+        <a:bodyPr/>
+        <a:lstStyle/>
+        <a:p>
+          <a:r>
+            <a:rPr lang="zh-TW" altLang="en-US" sz="1500" b="0" i="0" u="sng" smtClean="0">
+              <a:solidFill>
+                <a:srgbClr val="FD8182"/>
+              </a:solidFill>
+              <a:latin typeface="微軟正黑體" panose="020B0604030504040204" pitchFamily="34" charset="-120"/>
+              <a:ea typeface="微軟正黑體" panose="020B0604030504040204" pitchFamily="34" charset="-120"/>
+            </a:rPr>
+            <a:t>角落黑白面</a:t>
+          </a:r>
+          <a:endParaRPr lang="zh-TW" altLang="en-US" sz="1500" b="0" i="0" u="sng" dirty="0">
+            <a:solidFill>
+              <a:srgbClr val="FD8182"/>
+            </a:solidFill>
+            <a:latin typeface="微軟正黑體" panose="020B0604030504040204" pitchFamily="34" charset="-120"/>
+            <a:ea typeface="微軟正黑體" panose="020B0604030504040204" pitchFamily="34" charset="-120"/>
+          </a:endParaRPr>
+        </a:p>
+      </dgm:t>
+    </dgm:pt>
+    <dgm:pt modelId="{F22BEF40-C14B-4B39-A494-E6753812926A}" type="parTrans" cxnId="{D875D21D-315D-409D-A761-2E9627822C4D}">
+      <dgm:prSet/>
+      <dgm:spPr>
+        <a:ln>
+          <a:solidFill>
+            <a:schemeClr val="tx2">
+              <a:lumMod val="40000"/>
+              <a:lumOff val="60000"/>
+            </a:schemeClr>
+          </a:solidFill>
+        </a:ln>
+      </dgm:spPr>
+      <dgm:t>
+        <a:bodyPr/>
+        <a:lstStyle/>
+        <a:p>
+          <a:endParaRPr lang="zh-TW" altLang="en-US"/>
+        </a:p>
+      </dgm:t>
+    </dgm:pt>
+    <dgm:pt modelId="{7F6C49CE-4B3C-4106-8719-BDFCCED41701}" type="sibTrans" cxnId="{D875D21D-315D-409D-A761-2E9627822C4D}">
+      <dgm:prSet/>
+      <dgm:spPr/>
+      <dgm:t>
+        <a:bodyPr/>
+        <a:lstStyle/>
+        <a:p>
+          <a:endParaRPr lang="zh-TW" altLang="en-US"/>
+        </a:p>
+      </dgm:t>
+    </dgm:pt>
+    <dgm:pt modelId="{1C5ABE23-1F9C-4D24-91A6-4F2F6BB71FAA}">
+      <dgm:prSet phldrT="[文字]" custT="1"/>
+      <dgm:spPr>
+        <a:ln>
+          <a:solidFill>
+            <a:schemeClr val="tx2">
+              <a:lumMod val="40000"/>
+              <a:lumOff val="60000"/>
+            </a:schemeClr>
+          </a:solidFill>
+        </a:ln>
+      </dgm:spPr>
+      <dgm:t>
+        <a:bodyPr/>
+        <a:lstStyle/>
+        <a:p>
+          <a:r>
+            <a:rPr lang="zh-TW" altLang="en-US" sz="1500" b="0" i="0" u="sng" smtClean="0">
+              <a:solidFill>
+                <a:srgbClr val="FD8182"/>
+              </a:solidFill>
+              <a:latin typeface="微軟正黑體" panose="020B0604030504040204" pitchFamily="34" charset="-120"/>
+              <a:ea typeface="微軟正黑體" panose="020B0604030504040204" pitchFamily="34" charset="-120"/>
+            </a:rPr>
+            <a:t>關於我們</a:t>
+          </a:r>
+          <a:endParaRPr lang="zh-TW" altLang="en-US" sz="1500" b="0" i="0" u="sng" dirty="0">
+            <a:solidFill>
+              <a:srgbClr val="FD8182"/>
+            </a:solidFill>
+            <a:latin typeface="微軟正黑體" panose="020B0604030504040204" pitchFamily="34" charset="-120"/>
+            <a:ea typeface="微軟正黑體" panose="020B0604030504040204" pitchFamily="34" charset="-120"/>
+          </a:endParaRPr>
+        </a:p>
+      </dgm:t>
+    </dgm:pt>
+    <dgm:pt modelId="{BF67DEE5-23BB-40AD-807C-D0FE3520375C}" type="parTrans" cxnId="{FED76E29-37C0-4FF4-BC02-70DA862CD72D}">
+      <dgm:prSet/>
+      <dgm:spPr>
+        <a:ln>
+          <a:solidFill>
+            <a:schemeClr val="tx2">
+              <a:lumMod val="40000"/>
+              <a:lumOff val="60000"/>
+            </a:schemeClr>
+          </a:solidFill>
+        </a:ln>
+      </dgm:spPr>
+      <dgm:t>
+        <a:bodyPr/>
+        <a:lstStyle/>
+        <a:p>
+          <a:endParaRPr lang="zh-TW" altLang="en-US"/>
+        </a:p>
+      </dgm:t>
+    </dgm:pt>
+    <dgm:pt modelId="{590D390B-F0FE-4C02-8ED8-FABFACD2BDAE}" type="sibTrans" cxnId="{FED76E29-37C0-4FF4-BC02-70DA862CD72D}">
+      <dgm:prSet/>
+      <dgm:spPr/>
+      <dgm:t>
+        <a:bodyPr/>
+        <a:lstStyle/>
+        <a:p>
+          <a:endParaRPr lang="zh-TW" altLang="en-US"/>
+        </a:p>
+      </dgm:t>
+    </dgm:pt>
+    <dgm:pt modelId="{B05AEEF8-DD95-49E5-9D88-B8F81790602D}">
+      <dgm:prSet phldrT="[文字]" custT="1"/>
+      <dgm:spPr>
+        <a:ln>
+          <a:solidFill>
+            <a:schemeClr val="tx2">
+              <a:lumMod val="40000"/>
+              <a:lumOff val="60000"/>
+            </a:schemeClr>
+          </a:solidFill>
+        </a:ln>
+      </dgm:spPr>
+      <dgm:t>
+        <a:bodyPr/>
+        <a:lstStyle/>
+        <a:p>
+          <a:r>
+            <a:rPr lang="zh-TW" altLang="en-US" sz="1500" b="0" i="0" u="sng" smtClean="0">
+              <a:solidFill>
+                <a:srgbClr val="FD8182"/>
+              </a:solidFill>
+              <a:latin typeface="微軟正黑體" panose="020B0604030504040204" pitchFamily="34" charset="-120"/>
+              <a:ea typeface="微軟正黑體" panose="020B0604030504040204" pitchFamily="34" charset="-120"/>
+            </a:rPr>
+            <a:t>合作廠商</a:t>
+          </a:r>
+          <a:endParaRPr lang="zh-TW" altLang="en-US" sz="1500" b="0" i="0" u="sng" dirty="0">
+            <a:solidFill>
+              <a:srgbClr val="FD8182"/>
+            </a:solidFill>
+            <a:latin typeface="微軟正黑體" panose="020B0604030504040204" pitchFamily="34" charset="-120"/>
+            <a:ea typeface="微軟正黑體" panose="020B0604030504040204" pitchFamily="34" charset="-120"/>
+          </a:endParaRPr>
+        </a:p>
+      </dgm:t>
+    </dgm:pt>
+    <dgm:pt modelId="{90C711C4-8AFB-4EC7-BEE7-B6A747905DCE}" type="parTrans" cxnId="{6B0A316A-834B-4522-ABBE-2FF91F7890CC}">
+      <dgm:prSet/>
+      <dgm:spPr>
+        <a:ln>
+          <a:solidFill>
+            <a:schemeClr val="tx2">
+              <a:lumMod val="40000"/>
+              <a:lumOff val="60000"/>
+            </a:schemeClr>
+          </a:solidFill>
+        </a:ln>
+      </dgm:spPr>
+      <dgm:t>
+        <a:bodyPr/>
+        <a:lstStyle/>
+        <a:p>
+          <a:endParaRPr lang="zh-TW" altLang="en-US"/>
+        </a:p>
+      </dgm:t>
+    </dgm:pt>
+    <dgm:pt modelId="{AE3A792E-B6EA-4B63-80CC-13E37CBF6482}" type="sibTrans" cxnId="{6B0A316A-834B-4522-ABBE-2FF91F7890CC}">
+      <dgm:prSet/>
+      <dgm:spPr/>
+      <dgm:t>
+        <a:bodyPr/>
+        <a:lstStyle/>
+        <a:p>
+          <a:endParaRPr lang="zh-TW" altLang="en-US"/>
+        </a:p>
+      </dgm:t>
+    </dgm:pt>
+    <dgm:pt modelId="{55ABAD35-B63E-47AA-A2BC-9C6FDE912976}" type="pres">
+      <dgm:prSet presAssocID="{24F323B9-285E-4045-AFF5-F1A47E14A6A0}" presName="hierChild1" presStyleCnt="0">
+        <dgm:presLayoutVars>
+          <dgm:chPref val="1"/>
+          <dgm:dir/>
+          <dgm:animOne val="branch"/>
+          <dgm:animLvl val="lvl"/>
+          <dgm:resizeHandles/>
+        </dgm:presLayoutVars>
+      </dgm:prSet>
+      <dgm:spPr/>
+    </dgm:pt>
+    <dgm:pt modelId="{8363F9FA-D758-4EBA-ACA2-938380811131}" type="pres">
+      <dgm:prSet presAssocID="{87CD64CC-CFB4-4094-BEFE-FD489397483E}" presName="hierRoot1" presStyleCnt="0"/>
+      <dgm:spPr/>
+    </dgm:pt>
+    <dgm:pt modelId="{2493459E-DAF3-4EEB-81F9-7D921CA4846C}" type="pres">
+      <dgm:prSet presAssocID="{87CD64CC-CFB4-4094-BEFE-FD489397483E}" presName="composite" presStyleCnt="0"/>
+      <dgm:spPr/>
+    </dgm:pt>
+    <dgm:pt modelId="{3A722A95-E0D8-4A81-8BF4-FA814CC05CCE}" type="pres">
+      <dgm:prSet presAssocID="{87CD64CC-CFB4-4094-BEFE-FD489397483E}" presName="background" presStyleLbl="node0" presStyleIdx="0" presStyleCnt="1"/>
+      <dgm:spPr>
+        <a:solidFill>
+          <a:srgbClr val="FD8182">
+            <a:alpha val="80000"/>
+          </a:srgbClr>
+        </a:solidFill>
+      </dgm:spPr>
+    </dgm:pt>
+    <dgm:pt modelId="{F10460E8-DFF4-4A9B-B2A8-00CA6C2C3053}" type="pres">
+      <dgm:prSet presAssocID="{87CD64CC-CFB4-4094-BEFE-FD489397483E}" presName="text" presStyleLbl="fgAcc0" presStyleIdx="0" presStyleCnt="1" custScaleX="267107" custLinFactNeighborY="-64651">
+        <dgm:presLayoutVars>
+          <dgm:chPref val="3"/>
+        </dgm:presLayoutVars>
+      </dgm:prSet>
+      <dgm:spPr/>
+    </dgm:pt>
+    <dgm:pt modelId="{89673C03-0E17-418B-B31C-218E08B9E4C7}" type="pres">
+      <dgm:prSet presAssocID="{87CD64CC-CFB4-4094-BEFE-FD489397483E}" presName="hierChild2" presStyleCnt="0"/>
+      <dgm:spPr/>
+    </dgm:pt>
+    <dgm:pt modelId="{490BD4DE-735D-42BB-A5C6-47CE1221DEB7}" type="pres">
+      <dgm:prSet presAssocID="{B27A9164-132A-432B-AD81-8DA6C7977D51}" presName="Name10" presStyleLbl="parChTrans1D2" presStyleIdx="0" presStyleCnt="6"/>
+      <dgm:spPr/>
+    </dgm:pt>
+    <dgm:pt modelId="{DC38E145-77F8-4529-8F2A-257BCFA4F09D}" type="pres">
+      <dgm:prSet presAssocID="{402EC703-F842-47A7-83E7-F0F4B58D93D7}" presName="hierRoot2" presStyleCnt="0"/>
+      <dgm:spPr/>
+    </dgm:pt>
+    <dgm:pt modelId="{1A6405EE-F08E-47F1-BEB5-38F30C06A621}" type="pres">
+      <dgm:prSet presAssocID="{402EC703-F842-47A7-83E7-F0F4B58D93D7}" presName="composite2" presStyleCnt="0"/>
+      <dgm:spPr/>
+    </dgm:pt>
+    <dgm:pt modelId="{684084EA-26E1-45A9-A0C9-D5C21129DCD0}" type="pres">
+      <dgm:prSet presAssocID="{402EC703-F842-47A7-83E7-F0F4B58D93D7}" presName="background2" presStyleLbl="node2" presStyleIdx="0" presStyleCnt="6"/>
+      <dgm:spPr>
+        <a:solidFill>
+          <a:srgbClr val="FD8182"/>
+        </a:solidFill>
+      </dgm:spPr>
+    </dgm:pt>
+    <dgm:pt modelId="{974AFDAA-F6C6-47B1-91E9-477F2F08E7DF}" type="pres">
+      <dgm:prSet presAssocID="{402EC703-F842-47A7-83E7-F0F4B58D93D7}" presName="text2" presStyleLbl="fgAcc2" presStyleIdx="0" presStyleCnt="6">
+        <dgm:presLayoutVars>
+          <dgm:chPref val="3"/>
+        </dgm:presLayoutVars>
+      </dgm:prSet>
+      <dgm:spPr/>
+    </dgm:pt>
+    <dgm:pt modelId="{FCD13C5D-585C-4C99-8810-5A6C0F303774}" type="pres">
+      <dgm:prSet presAssocID="{402EC703-F842-47A7-83E7-F0F4B58D93D7}" presName="hierChild3" presStyleCnt="0"/>
+      <dgm:spPr/>
+    </dgm:pt>
+    <dgm:pt modelId="{29ED3FCD-4833-4C23-8B86-8EC0F7B1108A}" type="pres">
+      <dgm:prSet presAssocID="{18D32C8C-560E-4C0D-B74C-27FE1DCDC832}" presName="Name10" presStyleLbl="parChTrans1D2" presStyleIdx="1" presStyleCnt="6"/>
+      <dgm:spPr/>
+    </dgm:pt>
+    <dgm:pt modelId="{36F55E43-67E3-4932-81E3-492174471D21}" type="pres">
+      <dgm:prSet presAssocID="{86BE3AD7-E365-4296-B2FC-5937B076E992}" presName="hierRoot2" presStyleCnt="0"/>
+      <dgm:spPr/>
+    </dgm:pt>
+    <dgm:pt modelId="{D5544D49-1E19-4A00-8F45-5B551994A187}" type="pres">
+      <dgm:prSet presAssocID="{86BE3AD7-E365-4296-B2FC-5937B076E992}" presName="composite2" presStyleCnt="0"/>
+      <dgm:spPr/>
+    </dgm:pt>
+    <dgm:pt modelId="{444A940E-D77F-4260-80BF-AC7585A2D1B8}" type="pres">
+      <dgm:prSet presAssocID="{86BE3AD7-E365-4296-B2FC-5937B076E992}" presName="background2" presStyleLbl="node2" presStyleIdx="1" presStyleCnt="6"/>
+      <dgm:spPr>
+        <a:solidFill>
+          <a:srgbClr val="FD8182"/>
+        </a:solidFill>
+      </dgm:spPr>
+    </dgm:pt>
+    <dgm:pt modelId="{04BC7D1D-B834-4A16-8AA9-60E81CE26D89}" type="pres">
+      <dgm:prSet presAssocID="{86BE3AD7-E365-4296-B2FC-5937B076E992}" presName="text2" presStyleLbl="fgAcc2" presStyleIdx="1" presStyleCnt="6">
+        <dgm:presLayoutVars>
+          <dgm:chPref val="3"/>
+        </dgm:presLayoutVars>
+      </dgm:prSet>
+      <dgm:spPr/>
+    </dgm:pt>
+    <dgm:pt modelId="{91F960F5-E4D8-491D-B831-F318AFB43E87}" type="pres">
+      <dgm:prSet presAssocID="{86BE3AD7-E365-4296-B2FC-5937B076E992}" presName="hierChild3" presStyleCnt="0"/>
+      <dgm:spPr/>
+    </dgm:pt>
+    <dgm:pt modelId="{F02C13EF-1FA9-4C56-B916-1A1E2B905238}" type="pres">
+      <dgm:prSet presAssocID="{55B1DEC0-7304-4F14-B7E4-6A57BD87526B}" presName="Name10" presStyleLbl="parChTrans1D2" presStyleIdx="2" presStyleCnt="6"/>
+      <dgm:spPr/>
+    </dgm:pt>
+    <dgm:pt modelId="{797815C2-4A2F-49D4-BF9F-CEE3B29E27B7}" type="pres">
+      <dgm:prSet presAssocID="{303CD3A1-EA75-41B1-8D28-99728457CE20}" presName="hierRoot2" presStyleCnt="0"/>
+      <dgm:spPr/>
+    </dgm:pt>
+    <dgm:pt modelId="{054C1E3E-3947-4783-A6A9-17E131D19C63}" type="pres">
+      <dgm:prSet presAssocID="{303CD3A1-EA75-41B1-8D28-99728457CE20}" presName="composite2" presStyleCnt="0"/>
+      <dgm:spPr/>
+    </dgm:pt>
+    <dgm:pt modelId="{DFEA29C2-A6F1-455E-8CF0-DEADDBF4FC9B}" type="pres">
+      <dgm:prSet presAssocID="{303CD3A1-EA75-41B1-8D28-99728457CE20}" presName="background2" presStyleLbl="node2" presStyleIdx="2" presStyleCnt="6"/>
+      <dgm:spPr>
+        <a:solidFill>
+          <a:srgbClr val="FD8182"/>
+        </a:solidFill>
+      </dgm:spPr>
+    </dgm:pt>
+    <dgm:pt modelId="{3FB5DDFF-9F28-4813-BD23-6B70665B255D}" type="pres">
+      <dgm:prSet presAssocID="{303CD3A1-EA75-41B1-8D28-99728457CE20}" presName="text2" presStyleLbl="fgAcc2" presStyleIdx="2" presStyleCnt="6">
+        <dgm:presLayoutVars>
+          <dgm:chPref val="3"/>
+        </dgm:presLayoutVars>
+      </dgm:prSet>
+      <dgm:spPr/>
+    </dgm:pt>
+    <dgm:pt modelId="{58AA9551-B625-4612-8376-1D00B5963027}" type="pres">
+      <dgm:prSet presAssocID="{303CD3A1-EA75-41B1-8D28-99728457CE20}" presName="hierChild3" presStyleCnt="0"/>
+      <dgm:spPr/>
+    </dgm:pt>
+    <dgm:pt modelId="{5B292762-153E-43CF-BBD4-7863EAC9A30C}" type="pres">
+      <dgm:prSet presAssocID="{8B68E4F6-CAAF-486A-A2F9-A7D3EBA464F0}" presName="Name17" presStyleLbl="parChTrans1D3" presStyleIdx="0" presStyleCnt="2"/>
+      <dgm:spPr/>
+    </dgm:pt>
+    <dgm:pt modelId="{5084EA64-D80A-42ED-9738-21989FCD3316}" type="pres">
+      <dgm:prSet presAssocID="{A4F4719F-E14E-497A-A189-DE19F070C234}" presName="hierRoot3" presStyleCnt="0"/>
+      <dgm:spPr/>
+    </dgm:pt>
+    <dgm:pt modelId="{5042FAEA-2BED-4B2D-8DD5-8AC25EBF00BB}" type="pres">
+      <dgm:prSet presAssocID="{A4F4719F-E14E-497A-A189-DE19F070C234}" presName="composite3" presStyleCnt="0"/>
+      <dgm:spPr/>
+    </dgm:pt>
+    <dgm:pt modelId="{1F611E32-EF73-4E9F-9E98-C1D41AEB8A4A}" type="pres">
+      <dgm:prSet presAssocID="{A4F4719F-E14E-497A-A189-DE19F070C234}" presName="background3" presStyleLbl="node3" presStyleIdx="0" presStyleCnt="2"/>
+      <dgm:spPr>
+        <a:solidFill>
+          <a:srgbClr val="FD8182"/>
+        </a:solidFill>
+      </dgm:spPr>
+    </dgm:pt>
+    <dgm:pt modelId="{DBB2D106-C300-4B80-8006-A85970AA47E1}" type="pres">
+      <dgm:prSet presAssocID="{A4F4719F-E14E-497A-A189-DE19F070C234}" presName="text3" presStyleLbl="fgAcc3" presStyleIdx="0" presStyleCnt="2">
+        <dgm:presLayoutVars>
+          <dgm:chPref val="3"/>
+        </dgm:presLayoutVars>
+      </dgm:prSet>
+      <dgm:spPr/>
+      <dgm:t>
+        <a:bodyPr/>
+        <a:lstStyle/>
+        <a:p>
+          <a:endParaRPr lang="zh-TW" altLang="en-US"/>
+        </a:p>
+      </dgm:t>
+    </dgm:pt>
+    <dgm:pt modelId="{E353BA8F-0EC1-4C8C-AE94-880892A6DEE2}" type="pres">
+      <dgm:prSet presAssocID="{A4F4719F-E14E-497A-A189-DE19F070C234}" presName="hierChild4" presStyleCnt="0"/>
+      <dgm:spPr/>
+    </dgm:pt>
+    <dgm:pt modelId="{9806916E-B517-4E64-80BB-86F1CDEFA0F2}" type="pres">
+      <dgm:prSet presAssocID="{1ED4B0F4-6FB4-4AF7-A87F-471A494C6629}" presName="Name10" presStyleLbl="parChTrans1D2" presStyleIdx="3" presStyleCnt="6"/>
+      <dgm:spPr/>
+    </dgm:pt>
+    <dgm:pt modelId="{CE409EA4-1E3F-48B9-A1CF-984B81FB8755}" type="pres">
+      <dgm:prSet presAssocID="{52F2427B-733C-4A44-AA4E-66FCDFCD8E16}" presName="hierRoot2" presStyleCnt="0"/>
+      <dgm:spPr/>
+    </dgm:pt>
+    <dgm:pt modelId="{22CC0F86-ED88-4E6F-8C73-B2FC26F85995}" type="pres">
+      <dgm:prSet presAssocID="{52F2427B-733C-4A44-AA4E-66FCDFCD8E16}" presName="composite2" presStyleCnt="0"/>
+      <dgm:spPr/>
+    </dgm:pt>
+    <dgm:pt modelId="{775441A0-3FFC-4764-A2FA-7727B0043436}" type="pres">
+      <dgm:prSet presAssocID="{52F2427B-733C-4A44-AA4E-66FCDFCD8E16}" presName="background2" presStyleLbl="node2" presStyleIdx="3" presStyleCnt="6"/>
+      <dgm:spPr>
+        <a:solidFill>
+          <a:srgbClr val="FD8182"/>
+        </a:solidFill>
+      </dgm:spPr>
+    </dgm:pt>
+    <dgm:pt modelId="{B4756501-2AAF-4E0F-A235-B12B7869F415}" type="pres">
+      <dgm:prSet presAssocID="{52F2427B-733C-4A44-AA4E-66FCDFCD8E16}" presName="text2" presStyleLbl="fgAcc2" presStyleIdx="3" presStyleCnt="6">
+        <dgm:presLayoutVars>
+          <dgm:chPref val="3"/>
+        </dgm:presLayoutVars>
+      </dgm:prSet>
+      <dgm:spPr/>
+    </dgm:pt>
+    <dgm:pt modelId="{951ADC84-4F40-4A33-A204-CE3F6BE74B96}" type="pres">
+      <dgm:prSet presAssocID="{52F2427B-733C-4A44-AA4E-66FCDFCD8E16}" presName="hierChild3" presStyleCnt="0"/>
+      <dgm:spPr/>
+    </dgm:pt>
+    <dgm:pt modelId="{98DD6D97-935B-4823-932C-54C4FD1D8049}" type="pres">
+      <dgm:prSet presAssocID="{90C711C4-8AFB-4EC7-BEE7-B6A747905DCE}" presName="Name17" presStyleLbl="parChTrans1D3" presStyleIdx="1" presStyleCnt="2"/>
+      <dgm:spPr/>
+    </dgm:pt>
+    <dgm:pt modelId="{A4C42437-5894-4E68-AC08-4627CF7D076D}" type="pres">
+      <dgm:prSet presAssocID="{B05AEEF8-DD95-49E5-9D88-B8F81790602D}" presName="hierRoot3" presStyleCnt="0"/>
+      <dgm:spPr/>
+    </dgm:pt>
+    <dgm:pt modelId="{9EE7CD08-3F52-4E94-A9D4-FE41087C7EB7}" type="pres">
+      <dgm:prSet presAssocID="{B05AEEF8-DD95-49E5-9D88-B8F81790602D}" presName="composite3" presStyleCnt="0"/>
+      <dgm:spPr/>
+    </dgm:pt>
+    <dgm:pt modelId="{72849DB9-5588-4E7C-A4B6-D39B4D32853D}" type="pres">
+      <dgm:prSet presAssocID="{B05AEEF8-DD95-49E5-9D88-B8F81790602D}" presName="background3" presStyleLbl="node3" presStyleIdx="1" presStyleCnt="2"/>
+      <dgm:spPr>
+        <a:solidFill>
+          <a:srgbClr val="FD8182"/>
+        </a:solidFill>
+      </dgm:spPr>
+    </dgm:pt>
+    <dgm:pt modelId="{10CB2D47-82B1-4E76-B75A-7BC699599E64}" type="pres">
+      <dgm:prSet presAssocID="{B05AEEF8-DD95-49E5-9D88-B8F81790602D}" presName="text3" presStyleLbl="fgAcc3" presStyleIdx="1" presStyleCnt="2">
+        <dgm:presLayoutVars>
+          <dgm:chPref val="3"/>
+        </dgm:presLayoutVars>
+      </dgm:prSet>
+      <dgm:spPr/>
+    </dgm:pt>
+    <dgm:pt modelId="{6970107F-4A02-4A63-A363-886DC2DBA1CA}" type="pres">
+      <dgm:prSet presAssocID="{B05AEEF8-DD95-49E5-9D88-B8F81790602D}" presName="hierChild4" presStyleCnt="0"/>
+      <dgm:spPr/>
+    </dgm:pt>
+    <dgm:pt modelId="{E41178B2-24DD-41F2-9302-BF8DB138FD16}" type="pres">
+      <dgm:prSet presAssocID="{F22BEF40-C14B-4B39-A494-E6753812926A}" presName="Name10" presStyleLbl="parChTrans1D2" presStyleIdx="4" presStyleCnt="6"/>
+      <dgm:spPr/>
+    </dgm:pt>
+    <dgm:pt modelId="{04D9AA51-00A2-4B66-9DE6-42BBDEC358C0}" type="pres">
+      <dgm:prSet presAssocID="{CD71FDB5-13B3-4E29-A0DF-644A9EC9AA0E}" presName="hierRoot2" presStyleCnt="0"/>
+      <dgm:spPr/>
+    </dgm:pt>
+    <dgm:pt modelId="{14969168-BAC3-44AC-A617-A3AA23F83AD4}" type="pres">
+      <dgm:prSet presAssocID="{CD71FDB5-13B3-4E29-A0DF-644A9EC9AA0E}" presName="composite2" presStyleCnt="0"/>
+      <dgm:spPr/>
+    </dgm:pt>
+    <dgm:pt modelId="{C19B655C-6750-4937-A9B3-EDA72081C8BB}" type="pres">
+      <dgm:prSet presAssocID="{CD71FDB5-13B3-4E29-A0DF-644A9EC9AA0E}" presName="background2" presStyleLbl="node2" presStyleIdx="4" presStyleCnt="6"/>
+      <dgm:spPr>
+        <a:solidFill>
+          <a:srgbClr val="FD8182"/>
+        </a:solidFill>
+      </dgm:spPr>
+    </dgm:pt>
+    <dgm:pt modelId="{5BD45199-4E1F-48B4-B3F7-5F90D484C89E}" type="pres">
+      <dgm:prSet presAssocID="{CD71FDB5-13B3-4E29-A0DF-644A9EC9AA0E}" presName="text2" presStyleLbl="fgAcc2" presStyleIdx="4" presStyleCnt="6">
+        <dgm:presLayoutVars>
+          <dgm:chPref val="3"/>
+        </dgm:presLayoutVars>
+      </dgm:prSet>
+      <dgm:spPr/>
+    </dgm:pt>
+    <dgm:pt modelId="{8241E1D0-433A-47AB-9A1A-5535B1341ED7}" type="pres">
+      <dgm:prSet presAssocID="{CD71FDB5-13B3-4E29-A0DF-644A9EC9AA0E}" presName="hierChild3" presStyleCnt="0"/>
+      <dgm:spPr/>
+    </dgm:pt>
+    <dgm:pt modelId="{14F56D0B-1D76-41B9-92BC-326745D3F14E}" type="pres">
+      <dgm:prSet presAssocID="{BF67DEE5-23BB-40AD-807C-D0FE3520375C}" presName="Name10" presStyleLbl="parChTrans1D2" presStyleIdx="5" presStyleCnt="6"/>
+      <dgm:spPr/>
+    </dgm:pt>
+    <dgm:pt modelId="{EABED816-4D6B-4E40-BC1D-54444667CC68}" type="pres">
+      <dgm:prSet presAssocID="{1C5ABE23-1F9C-4D24-91A6-4F2F6BB71FAA}" presName="hierRoot2" presStyleCnt="0"/>
+      <dgm:spPr/>
+    </dgm:pt>
+    <dgm:pt modelId="{FB90FD39-7C45-41B5-8F44-DAFBCDCAE423}" type="pres">
+      <dgm:prSet presAssocID="{1C5ABE23-1F9C-4D24-91A6-4F2F6BB71FAA}" presName="composite2" presStyleCnt="0"/>
+      <dgm:spPr/>
+    </dgm:pt>
+    <dgm:pt modelId="{32163131-C5FC-488F-B715-57022353564B}" type="pres">
+      <dgm:prSet presAssocID="{1C5ABE23-1F9C-4D24-91A6-4F2F6BB71FAA}" presName="background2" presStyleLbl="node2" presStyleIdx="5" presStyleCnt="6"/>
+      <dgm:spPr>
+        <a:solidFill>
+          <a:srgbClr val="FD8182"/>
+        </a:solidFill>
+      </dgm:spPr>
+    </dgm:pt>
+    <dgm:pt modelId="{79ECABC2-8C07-4E08-BB02-C619FEB9CA5F}" type="pres">
+      <dgm:prSet presAssocID="{1C5ABE23-1F9C-4D24-91A6-4F2F6BB71FAA}" presName="text2" presStyleLbl="fgAcc2" presStyleIdx="5" presStyleCnt="6">
+        <dgm:presLayoutVars>
+          <dgm:chPref val="3"/>
+        </dgm:presLayoutVars>
+      </dgm:prSet>
+      <dgm:spPr/>
+    </dgm:pt>
+    <dgm:pt modelId="{74E35DD8-9338-4C59-A0B6-C1A37453872D}" type="pres">
+      <dgm:prSet presAssocID="{1C5ABE23-1F9C-4D24-91A6-4F2F6BB71FAA}" presName="hierChild3" presStyleCnt="0"/>
+      <dgm:spPr/>
+    </dgm:pt>
+  </dgm:ptLst>
+  <dgm:cxnLst>
+    <dgm:cxn modelId="{51457F93-EAB9-4320-80B6-ABFCF81294A1}" type="presOf" srcId="{55B1DEC0-7304-4F14-B7E4-6A57BD87526B}" destId="{F02C13EF-1FA9-4C56-B916-1A1E2B905238}" srcOrd="0" destOrd="0" presId="urn:microsoft.com/office/officeart/2005/8/layout/hierarchy1"/>
+    <dgm:cxn modelId="{6B0A316A-834B-4522-ABBE-2FF91F7890CC}" srcId="{52F2427B-733C-4A44-AA4E-66FCDFCD8E16}" destId="{B05AEEF8-DD95-49E5-9D88-B8F81790602D}" srcOrd="0" destOrd="0" parTransId="{90C711C4-8AFB-4EC7-BEE7-B6A747905DCE}" sibTransId="{AE3A792E-B6EA-4B63-80CC-13E37CBF6482}"/>
+    <dgm:cxn modelId="{5B80E7C4-527D-475A-A43B-EDDDD1F6E980}" type="presOf" srcId="{B27A9164-132A-432B-AD81-8DA6C7977D51}" destId="{490BD4DE-735D-42BB-A5C6-47CE1221DEB7}" srcOrd="0" destOrd="0" presId="urn:microsoft.com/office/officeart/2005/8/layout/hierarchy1"/>
+    <dgm:cxn modelId="{BBBC5460-172C-429F-B4E6-3DADB10BDD06}" srcId="{24F323B9-285E-4045-AFF5-F1A47E14A6A0}" destId="{87CD64CC-CFB4-4094-BEFE-FD489397483E}" srcOrd="0" destOrd="0" parTransId="{A346D6FF-56DE-450C-8C22-8BEC70BCA7E0}" sibTransId="{287640DF-92AD-48E7-ACB4-9343A01E7F78}"/>
+    <dgm:cxn modelId="{C14D465F-48FF-4B7A-A952-60DACD4DB4FB}" srcId="{87CD64CC-CFB4-4094-BEFE-FD489397483E}" destId="{303CD3A1-EA75-41B1-8D28-99728457CE20}" srcOrd="2" destOrd="0" parTransId="{55B1DEC0-7304-4F14-B7E4-6A57BD87526B}" sibTransId="{2937625C-E194-47F8-83B3-D71A8B52F487}"/>
+    <dgm:cxn modelId="{D59A160A-7C1E-45A9-8EA4-7D653FFFFA9B}" type="presOf" srcId="{8B68E4F6-CAAF-486A-A2F9-A7D3EBA464F0}" destId="{5B292762-153E-43CF-BBD4-7863EAC9A30C}" srcOrd="0" destOrd="0" presId="urn:microsoft.com/office/officeart/2005/8/layout/hierarchy1"/>
+    <dgm:cxn modelId="{D406028E-1CAE-47E2-8AA6-F30355A0246A}" type="presOf" srcId="{B05AEEF8-DD95-49E5-9D88-B8F81790602D}" destId="{10CB2D47-82B1-4E76-B75A-7BC699599E64}" srcOrd="0" destOrd="0" presId="urn:microsoft.com/office/officeart/2005/8/layout/hierarchy1"/>
+    <dgm:cxn modelId="{53B258DC-1856-463A-898F-2596E694484F}" srcId="{87CD64CC-CFB4-4094-BEFE-FD489397483E}" destId="{86BE3AD7-E365-4296-B2FC-5937B076E992}" srcOrd="1" destOrd="0" parTransId="{18D32C8C-560E-4C0D-B74C-27FE1DCDC832}" sibTransId="{80127008-4D61-43D5-8BCF-188072DB8B96}"/>
+    <dgm:cxn modelId="{301180D9-2B6B-4C5A-98D6-527C38C7DF42}" type="presOf" srcId="{86BE3AD7-E365-4296-B2FC-5937B076E992}" destId="{04BC7D1D-B834-4A16-8AA9-60E81CE26D89}" srcOrd="0" destOrd="0" presId="urn:microsoft.com/office/officeart/2005/8/layout/hierarchy1"/>
+    <dgm:cxn modelId="{01136496-4FF9-442E-83F2-2142D0C05046}" type="presOf" srcId="{1ED4B0F4-6FB4-4AF7-A87F-471A494C6629}" destId="{9806916E-B517-4E64-80BB-86F1CDEFA0F2}" srcOrd="0" destOrd="0" presId="urn:microsoft.com/office/officeart/2005/8/layout/hierarchy1"/>
+    <dgm:cxn modelId="{F7FCD0AE-1706-4017-A859-BC030A386A51}" type="presOf" srcId="{90C711C4-8AFB-4EC7-BEE7-B6A747905DCE}" destId="{98DD6D97-935B-4823-932C-54C4FD1D8049}" srcOrd="0" destOrd="0" presId="urn:microsoft.com/office/officeart/2005/8/layout/hierarchy1"/>
+    <dgm:cxn modelId="{D875D21D-315D-409D-A761-2E9627822C4D}" srcId="{87CD64CC-CFB4-4094-BEFE-FD489397483E}" destId="{CD71FDB5-13B3-4E29-A0DF-644A9EC9AA0E}" srcOrd="4" destOrd="0" parTransId="{F22BEF40-C14B-4B39-A494-E6753812926A}" sibTransId="{7F6C49CE-4B3C-4106-8719-BDFCCED41701}"/>
+    <dgm:cxn modelId="{FED76E29-37C0-4FF4-BC02-70DA862CD72D}" srcId="{87CD64CC-CFB4-4094-BEFE-FD489397483E}" destId="{1C5ABE23-1F9C-4D24-91A6-4F2F6BB71FAA}" srcOrd="5" destOrd="0" parTransId="{BF67DEE5-23BB-40AD-807C-D0FE3520375C}" sibTransId="{590D390B-F0FE-4C02-8ED8-FABFACD2BDAE}"/>
+    <dgm:cxn modelId="{791211F9-FC23-4216-BA3C-1B1368044F1D}" srcId="{87CD64CC-CFB4-4094-BEFE-FD489397483E}" destId="{52F2427B-733C-4A44-AA4E-66FCDFCD8E16}" srcOrd="3" destOrd="0" parTransId="{1ED4B0F4-6FB4-4AF7-A87F-471A494C6629}" sibTransId="{37CC0297-7CFC-4253-9D97-9D3DEEA0DDA3}"/>
+    <dgm:cxn modelId="{528245A4-4F32-4813-A16A-D4747EC4137D}" srcId="{87CD64CC-CFB4-4094-BEFE-FD489397483E}" destId="{402EC703-F842-47A7-83E7-F0F4B58D93D7}" srcOrd="0" destOrd="0" parTransId="{B27A9164-132A-432B-AD81-8DA6C7977D51}" sibTransId="{B9788192-79BF-42C7-B1DF-E9B19E652952}"/>
+    <dgm:cxn modelId="{7A89770B-1DFA-4746-8DD2-9D87D0962006}" type="presOf" srcId="{402EC703-F842-47A7-83E7-F0F4B58D93D7}" destId="{974AFDAA-F6C6-47B1-91E9-477F2F08E7DF}" srcOrd="0" destOrd="0" presId="urn:microsoft.com/office/officeart/2005/8/layout/hierarchy1"/>
+    <dgm:cxn modelId="{F3F17905-3681-42A9-9045-6C619D6CB805}" type="presOf" srcId="{CD71FDB5-13B3-4E29-A0DF-644A9EC9AA0E}" destId="{5BD45199-4E1F-48B4-B3F7-5F90D484C89E}" srcOrd="0" destOrd="0" presId="urn:microsoft.com/office/officeart/2005/8/layout/hierarchy1"/>
+    <dgm:cxn modelId="{19055039-55DF-4712-97F7-76C35E04446F}" type="presOf" srcId="{BF67DEE5-23BB-40AD-807C-D0FE3520375C}" destId="{14F56D0B-1D76-41B9-92BC-326745D3F14E}" srcOrd="0" destOrd="0" presId="urn:microsoft.com/office/officeart/2005/8/layout/hierarchy1"/>
+    <dgm:cxn modelId="{0EE5B1E7-68D2-4A18-9863-171DFFD9E3C8}" type="presOf" srcId="{A4F4719F-E14E-497A-A189-DE19F070C234}" destId="{DBB2D106-C300-4B80-8006-A85970AA47E1}" srcOrd="0" destOrd="0" presId="urn:microsoft.com/office/officeart/2005/8/layout/hierarchy1"/>
+    <dgm:cxn modelId="{AB665C4B-121D-4C5C-AB3A-547B6A5FAD94}" type="presOf" srcId="{87CD64CC-CFB4-4094-BEFE-FD489397483E}" destId="{F10460E8-DFF4-4A9B-B2A8-00CA6C2C3053}" srcOrd="0" destOrd="0" presId="urn:microsoft.com/office/officeart/2005/8/layout/hierarchy1"/>
+    <dgm:cxn modelId="{5AED8667-1A93-456B-80C7-F5998238F062}" type="presOf" srcId="{303CD3A1-EA75-41B1-8D28-99728457CE20}" destId="{3FB5DDFF-9F28-4813-BD23-6B70665B255D}" srcOrd="0" destOrd="0" presId="urn:microsoft.com/office/officeart/2005/8/layout/hierarchy1"/>
+    <dgm:cxn modelId="{DB984C6C-4B80-4827-9904-F38475122177}" type="presOf" srcId="{F22BEF40-C14B-4B39-A494-E6753812926A}" destId="{E41178B2-24DD-41F2-9302-BF8DB138FD16}" srcOrd="0" destOrd="0" presId="urn:microsoft.com/office/officeart/2005/8/layout/hierarchy1"/>
+    <dgm:cxn modelId="{C2783CE4-1C8B-4605-AB9D-D365853365D9}" type="presOf" srcId="{18D32C8C-560E-4C0D-B74C-27FE1DCDC832}" destId="{29ED3FCD-4833-4C23-8B86-8EC0F7B1108A}" srcOrd="0" destOrd="0" presId="urn:microsoft.com/office/officeart/2005/8/layout/hierarchy1"/>
+    <dgm:cxn modelId="{348C41C9-AB02-49C5-A8F2-DBCEAC9A1B1E}" srcId="{303CD3A1-EA75-41B1-8D28-99728457CE20}" destId="{A4F4719F-E14E-497A-A189-DE19F070C234}" srcOrd="0" destOrd="0" parTransId="{8B68E4F6-CAAF-486A-A2F9-A7D3EBA464F0}" sibTransId="{DDFA06B9-B768-41BC-8520-BC156632FE7B}"/>
+    <dgm:cxn modelId="{8E016F94-E09D-4DBA-B6BA-5BD0DAD545D7}" type="presOf" srcId="{24F323B9-285E-4045-AFF5-F1A47E14A6A0}" destId="{55ABAD35-B63E-47AA-A2BC-9C6FDE912976}" srcOrd="0" destOrd="0" presId="urn:microsoft.com/office/officeart/2005/8/layout/hierarchy1"/>
+    <dgm:cxn modelId="{CAB47E68-556B-49E5-A684-9C4C8B796D97}" type="presOf" srcId="{1C5ABE23-1F9C-4D24-91A6-4F2F6BB71FAA}" destId="{79ECABC2-8C07-4E08-BB02-C619FEB9CA5F}" srcOrd="0" destOrd="0" presId="urn:microsoft.com/office/officeart/2005/8/layout/hierarchy1"/>
+    <dgm:cxn modelId="{874C732A-3252-448F-9B05-F0DD29240CFE}" type="presOf" srcId="{52F2427B-733C-4A44-AA4E-66FCDFCD8E16}" destId="{B4756501-2AAF-4E0F-A235-B12B7869F415}" srcOrd="0" destOrd="0" presId="urn:microsoft.com/office/officeart/2005/8/layout/hierarchy1"/>
+    <dgm:cxn modelId="{8E068001-4956-4651-8DB2-3FAD65F1F857}" type="presParOf" srcId="{55ABAD35-B63E-47AA-A2BC-9C6FDE912976}" destId="{8363F9FA-D758-4EBA-ACA2-938380811131}" srcOrd="0" destOrd="0" presId="urn:microsoft.com/office/officeart/2005/8/layout/hierarchy1"/>
+    <dgm:cxn modelId="{3CC4F8EF-A192-4AB6-886C-75EFE691D2EC}" type="presParOf" srcId="{8363F9FA-D758-4EBA-ACA2-938380811131}" destId="{2493459E-DAF3-4EEB-81F9-7D921CA4846C}" srcOrd="0" destOrd="0" presId="urn:microsoft.com/office/officeart/2005/8/layout/hierarchy1"/>
+    <dgm:cxn modelId="{A3671951-C7DA-4FB5-ABE2-C336A7D6910B}" type="presParOf" srcId="{2493459E-DAF3-4EEB-81F9-7D921CA4846C}" destId="{3A722A95-E0D8-4A81-8BF4-FA814CC05CCE}" srcOrd="0" destOrd="0" presId="urn:microsoft.com/office/officeart/2005/8/layout/hierarchy1"/>
+    <dgm:cxn modelId="{1F362D55-4B1F-483D-9EAE-A20528445E3D}" type="presParOf" srcId="{2493459E-DAF3-4EEB-81F9-7D921CA4846C}" destId="{F10460E8-DFF4-4A9B-B2A8-00CA6C2C3053}" srcOrd="1" destOrd="0" presId="urn:microsoft.com/office/officeart/2005/8/layout/hierarchy1"/>
+    <dgm:cxn modelId="{A31F7B8E-D60D-4E92-9653-C6A9F550A8D4}" type="presParOf" srcId="{8363F9FA-D758-4EBA-ACA2-938380811131}" destId="{89673C03-0E17-418B-B31C-218E08B9E4C7}" srcOrd="1" destOrd="0" presId="urn:microsoft.com/office/officeart/2005/8/layout/hierarchy1"/>
+    <dgm:cxn modelId="{FAB211D6-E3E5-432D-A1B5-E5D7A3B9D0C0}" type="presParOf" srcId="{89673C03-0E17-418B-B31C-218E08B9E4C7}" destId="{490BD4DE-735D-42BB-A5C6-47CE1221DEB7}" srcOrd="0" destOrd="0" presId="urn:microsoft.com/office/officeart/2005/8/layout/hierarchy1"/>
+    <dgm:cxn modelId="{011662C7-3C1E-4360-8D9A-86697FF53E16}" type="presParOf" srcId="{89673C03-0E17-418B-B31C-218E08B9E4C7}" destId="{DC38E145-77F8-4529-8F2A-257BCFA4F09D}" srcOrd="1" destOrd="0" presId="urn:microsoft.com/office/officeart/2005/8/layout/hierarchy1"/>
+    <dgm:cxn modelId="{F1B326EC-AD03-4358-8591-11107752085A}" type="presParOf" srcId="{DC38E145-77F8-4529-8F2A-257BCFA4F09D}" destId="{1A6405EE-F08E-47F1-BEB5-38F30C06A621}" srcOrd="0" destOrd="0" presId="urn:microsoft.com/office/officeart/2005/8/layout/hierarchy1"/>
+    <dgm:cxn modelId="{C00E5640-E487-4C7D-9D98-D02EC6665839}" type="presParOf" srcId="{1A6405EE-F08E-47F1-BEB5-38F30C06A621}" destId="{684084EA-26E1-45A9-A0C9-D5C21129DCD0}" srcOrd="0" destOrd="0" presId="urn:microsoft.com/office/officeart/2005/8/layout/hierarchy1"/>
+    <dgm:cxn modelId="{1C12D319-B443-4E51-8CCA-C74C69BC3D69}" type="presParOf" srcId="{1A6405EE-F08E-47F1-BEB5-38F30C06A621}" destId="{974AFDAA-F6C6-47B1-91E9-477F2F08E7DF}" srcOrd="1" destOrd="0" presId="urn:microsoft.com/office/officeart/2005/8/layout/hierarchy1"/>
+    <dgm:cxn modelId="{6BD4870B-E9CD-44C2-B341-8D13BF737561}" type="presParOf" srcId="{DC38E145-77F8-4529-8F2A-257BCFA4F09D}" destId="{FCD13C5D-585C-4C99-8810-5A6C0F303774}" srcOrd="1" destOrd="0" presId="urn:microsoft.com/office/officeart/2005/8/layout/hierarchy1"/>
+    <dgm:cxn modelId="{714E7405-3AD1-4113-9309-FE1B7B8BE17E}" type="presParOf" srcId="{89673C03-0E17-418B-B31C-218E08B9E4C7}" destId="{29ED3FCD-4833-4C23-8B86-8EC0F7B1108A}" srcOrd="2" destOrd="0" presId="urn:microsoft.com/office/officeart/2005/8/layout/hierarchy1"/>
+    <dgm:cxn modelId="{2ACD95F4-D6D9-4E31-ADEE-B0746F962A80}" type="presParOf" srcId="{89673C03-0E17-418B-B31C-218E08B9E4C7}" destId="{36F55E43-67E3-4932-81E3-492174471D21}" srcOrd="3" destOrd="0" presId="urn:microsoft.com/office/officeart/2005/8/layout/hierarchy1"/>
+    <dgm:cxn modelId="{7D93EFFA-90F6-43DA-B89F-3E3F9972ADF5}" type="presParOf" srcId="{36F55E43-67E3-4932-81E3-492174471D21}" destId="{D5544D49-1E19-4A00-8F45-5B551994A187}" srcOrd="0" destOrd="0" presId="urn:microsoft.com/office/officeart/2005/8/layout/hierarchy1"/>
+    <dgm:cxn modelId="{7A3C6ED1-6D72-4955-B4AE-8C07F1205E06}" type="presParOf" srcId="{D5544D49-1E19-4A00-8F45-5B551994A187}" destId="{444A940E-D77F-4260-80BF-AC7585A2D1B8}" srcOrd="0" destOrd="0" presId="urn:microsoft.com/office/officeart/2005/8/layout/hierarchy1"/>
+    <dgm:cxn modelId="{8F417CC2-2D7E-4115-8199-902E21DC397A}" type="presParOf" srcId="{D5544D49-1E19-4A00-8F45-5B551994A187}" destId="{04BC7D1D-B834-4A16-8AA9-60E81CE26D89}" srcOrd="1" destOrd="0" presId="urn:microsoft.com/office/officeart/2005/8/layout/hierarchy1"/>
+    <dgm:cxn modelId="{4216743E-75B6-43B8-BDB0-C29CBF43BCAE}" type="presParOf" srcId="{36F55E43-67E3-4932-81E3-492174471D21}" destId="{91F960F5-E4D8-491D-B831-F318AFB43E87}" srcOrd="1" destOrd="0" presId="urn:microsoft.com/office/officeart/2005/8/layout/hierarchy1"/>
+    <dgm:cxn modelId="{3327A282-7FF8-4620-81EA-D33B777375D4}" type="presParOf" srcId="{89673C03-0E17-418B-B31C-218E08B9E4C7}" destId="{F02C13EF-1FA9-4C56-B916-1A1E2B905238}" srcOrd="4" destOrd="0" presId="urn:microsoft.com/office/officeart/2005/8/layout/hierarchy1"/>
+    <dgm:cxn modelId="{BECBB90A-0539-4BBA-9D8D-34846F5C7AD3}" type="presParOf" srcId="{89673C03-0E17-418B-B31C-218E08B9E4C7}" destId="{797815C2-4A2F-49D4-BF9F-CEE3B29E27B7}" srcOrd="5" destOrd="0" presId="urn:microsoft.com/office/officeart/2005/8/layout/hierarchy1"/>
+    <dgm:cxn modelId="{DEF9981A-8451-4F9F-8E3E-2D1B19549FEF}" type="presParOf" srcId="{797815C2-4A2F-49D4-BF9F-CEE3B29E27B7}" destId="{054C1E3E-3947-4783-A6A9-17E131D19C63}" srcOrd="0" destOrd="0" presId="urn:microsoft.com/office/officeart/2005/8/layout/hierarchy1"/>
+    <dgm:cxn modelId="{4D24787D-0691-4013-9897-C51D70900709}" type="presParOf" srcId="{054C1E3E-3947-4783-A6A9-17E131D19C63}" destId="{DFEA29C2-A6F1-455E-8CF0-DEADDBF4FC9B}" srcOrd="0" destOrd="0" presId="urn:microsoft.com/office/officeart/2005/8/layout/hierarchy1"/>
+    <dgm:cxn modelId="{B19A7573-CA61-41B0-B318-EFD121749DC9}" type="presParOf" srcId="{054C1E3E-3947-4783-A6A9-17E131D19C63}" destId="{3FB5DDFF-9F28-4813-BD23-6B70665B255D}" srcOrd="1" destOrd="0" presId="urn:microsoft.com/office/officeart/2005/8/layout/hierarchy1"/>
+    <dgm:cxn modelId="{5AFCD3C4-290E-4290-A050-5BD50D72F107}" type="presParOf" srcId="{797815C2-4A2F-49D4-BF9F-CEE3B29E27B7}" destId="{58AA9551-B625-4612-8376-1D00B5963027}" srcOrd="1" destOrd="0" presId="urn:microsoft.com/office/officeart/2005/8/layout/hierarchy1"/>
+    <dgm:cxn modelId="{183DC04E-5E1C-4012-9774-34DFE19EFF55}" type="presParOf" srcId="{58AA9551-B625-4612-8376-1D00B5963027}" destId="{5B292762-153E-43CF-BBD4-7863EAC9A30C}" srcOrd="0" destOrd="0" presId="urn:microsoft.com/office/officeart/2005/8/layout/hierarchy1"/>
+    <dgm:cxn modelId="{2B0525C3-4F55-49EE-A063-3B88BEA5CCD9}" type="presParOf" srcId="{58AA9551-B625-4612-8376-1D00B5963027}" destId="{5084EA64-D80A-42ED-9738-21989FCD3316}" srcOrd="1" destOrd="0" presId="urn:microsoft.com/office/officeart/2005/8/layout/hierarchy1"/>
+    <dgm:cxn modelId="{D4F77684-F8EC-4001-98E9-E5FB830A5982}" type="presParOf" srcId="{5084EA64-D80A-42ED-9738-21989FCD3316}" destId="{5042FAEA-2BED-4B2D-8DD5-8AC25EBF00BB}" srcOrd="0" destOrd="0" presId="urn:microsoft.com/office/officeart/2005/8/layout/hierarchy1"/>
+    <dgm:cxn modelId="{000EF7E9-BD35-4B24-B65A-B661D414A07E}" type="presParOf" srcId="{5042FAEA-2BED-4B2D-8DD5-8AC25EBF00BB}" destId="{1F611E32-EF73-4E9F-9E98-C1D41AEB8A4A}" srcOrd="0" destOrd="0" presId="urn:microsoft.com/office/officeart/2005/8/layout/hierarchy1"/>
+    <dgm:cxn modelId="{19D365D5-BA8F-4302-B976-20062E56B655}" type="presParOf" srcId="{5042FAEA-2BED-4B2D-8DD5-8AC25EBF00BB}" destId="{DBB2D106-C300-4B80-8006-A85970AA47E1}" srcOrd="1" destOrd="0" presId="urn:microsoft.com/office/officeart/2005/8/layout/hierarchy1"/>
+    <dgm:cxn modelId="{628740D2-3634-41A4-8E8F-CD41AAF63103}" type="presParOf" srcId="{5084EA64-D80A-42ED-9738-21989FCD3316}" destId="{E353BA8F-0EC1-4C8C-AE94-880892A6DEE2}" srcOrd="1" destOrd="0" presId="urn:microsoft.com/office/officeart/2005/8/layout/hierarchy1"/>
+    <dgm:cxn modelId="{823094B1-C9FD-45B4-9FF3-391E2401BB1C}" type="presParOf" srcId="{89673C03-0E17-418B-B31C-218E08B9E4C7}" destId="{9806916E-B517-4E64-80BB-86F1CDEFA0F2}" srcOrd="6" destOrd="0" presId="urn:microsoft.com/office/officeart/2005/8/layout/hierarchy1"/>
+    <dgm:cxn modelId="{1CADE63D-B10C-44F5-87D6-199BFD297840}" type="presParOf" srcId="{89673C03-0E17-418B-B31C-218E08B9E4C7}" destId="{CE409EA4-1E3F-48B9-A1CF-984B81FB8755}" srcOrd="7" destOrd="0" presId="urn:microsoft.com/office/officeart/2005/8/layout/hierarchy1"/>
+    <dgm:cxn modelId="{7907F3B1-8F29-4BF6-BEAE-DDD8753DB168}" type="presParOf" srcId="{CE409EA4-1E3F-48B9-A1CF-984B81FB8755}" destId="{22CC0F86-ED88-4E6F-8C73-B2FC26F85995}" srcOrd="0" destOrd="0" presId="urn:microsoft.com/office/officeart/2005/8/layout/hierarchy1"/>
+    <dgm:cxn modelId="{04A36D46-CBC1-45BC-B8C1-4608CE9742E1}" type="presParOf" srcId="{22CC0F86-ED88-4E6F-8C73-B2FC26F85995}" destId="{775441A0-3FFC-4764-A2FA-7727B0043436}" srcOrd="0" destOrd="0" presId="urn:microsoft.com/office/officeart/2005/8/layout/hierarchy1"/>
+    <dgm:cxn modelId="{119457C4-7191-4639-938E-FF2458AD4D67}" type="presParOf" srcId="{22CC0F86-ED88-4E6F-8C73-B2FC26F85995}" destId="{B4756501-2AAF-4E0F-A235-B12B7869F415}" srcOrd="1" destOrd="0" presId="urn:microsoft.com/office/officeart/2005/8/layout/hierarchy1"/>
+    <dgm:cxn modelId="{9044A4CF-352B-49A3-A185-BAA78D045DB3}" type="presParOf" srcId="{CE409EA4-1E3F-48B9-A1CF-984B81FB8755}" destId="{951ADC84-4F40-4A33-A204-CE3F6BE74B96}" srcOrd="1" destOrd="0" presId="urn:microsoft.com/office/officeart/2005/8/layout/hierarchy1"/>
+    <dgm:cxn modelId="{BF8A4CC0-CFB7-4E6C-97E0-FD471571DB8B}" type="presParOf" srcId="{951ADC84-4F40-4A33-A204-CE3F6BE74B96}" destId="{98DD6D97-935B-4823-932C-54C4FD1D8049}" srcOrd="0" destOrd="0" presId="urn:microsoft.com/office/officeart/2005/8/layout/hierarchy1"/>
+    <dgm:cxn modelId="{DCFFD95A-2544-42EB-B7B8-75D2C46AA0BE}" type="presParOf" srcId="{951ADC84-4F40-4A33-A204-CE3F6BE74B96}" destId="{A4C42437-5894-4E68-AC08-4627CF7D076D}" srcOrd="1" destOrd="0" presId="urn:microsoft.com/office/officeart/2005/8/layout/hierarchy1"/>
+    <dgm:cxn modelId="{B54C851A-E6FC-456D-B085-B3BCBCEF63FA}" type="presParOf" srcId="{A4C42437-5894-4E68-AC08-4627CF7D076D}" destId="{9EE7CD08-3F52-4E94-A9D4-FE41087C7EB7}" srcOrd="0" destOrd="0" presId="urn:microsoft.com/office/officeart/2005/8/layout/hierarchy1"/>
+    <dgm:cxn modelId="{F4D1B64C-CE3E-431F-8E9E-CB925B217537}" type="presParOf" srcId="{9EE7CD08-3F52-4E94-A9D4-FE41087C7EB7}" destId="{72849DB9-5588-4E7C-A4B6-D39B4D32853D}" srcOrd="0" destOrd="0" presId="urn:microsoft.com/office/officeart/2005/8/layout/hierarchy1"/>
+    <dgm:cxn modelId="{2670DB8D-D484-40F2-A9EB-523228100AC5}" type="presParOf" srcId="{9EE7CD08-3F52-4E94-A9D4-FE41087C7EB7}" destId="{10CB2D47-82B1-4E76-B75A-7BC699599E64}" srcOrd="1" destOrd="0" presId="urn:microsoft.com/office/officeart/2005/8/layout/hierarchy1"/>
+    <dgm:cxn modelId="{149F1580-4AAD-4F3B-A80F-551FA010790A}" type="presParOf" srcId="{A4C42437-5894-4E68-AC08-4627CF7D076D}" destId="{6970107F-4A02-4A63-A363-886DC2DBA1CA}" srcOrd="1" destOrd="0" presId="urn:microsoft.com/office/officeart/2005/8/layout/hierarchy1"/>
+    <dgm:cxn modelId="{3BD32E7B-0DB6-4EA9-901F-D3EBB2F6B407}" type="presParOf" srcId="{89673C03-0E17-418B-B31C-218E08B9E4C7}" destId="{E41178B2-24DD-41F2-9302-BF8DB138FD16}" srcOrd="8" destOrd="0" presId="urn:microsoft.com/office/officeart/2005/8/layout/hierarchy1"/>
+    <dgm:cxn modelId="{8276D5A1-8B36-441F-8902-E4F1398A35E6}" type="presParOf" srcId="{89673C03-0E17-418B-B31C-218E08B9E4C7}" destId="{04D9AA51-00A2-4B66-9DE6-42BBDEC358C0}" srcOrd="9" destOrd="0" presId="urn:microsoft.com/office/officeart/2005/8/layout/hierarchy1"/>
+    <dgm:cxn modelId="{FBDFBE46-4A61-4340-B249-69D8DB68E3BE}" type="presParOf" srcId="{04D9AA51-00A2-4B66-9DE6-42BBDEC358C0}" destId="{14969168-BAC3-44AC-A617-A3AA23F83AD4}" srcOrd="0" destOrd="0" presId="urn:microsoft.com/office/officeart/2005/8/layout/hierarchy1"/>
+    <dgm:cxn modelId="{77975980-1444-44AC-BAF9-EFFB854E0AEA}" type="presParOf" srcId="{14969168-BAC3-44AC-A617-A3AA23F83AD4}" destId="{C19B655C-6750-4937-A9B3-EDA72081C8BB}" srcOrd="0" destOrd="0" presId="urn:microsoft.com/office/officeart/2005/8/layout/hierarchy1"/>
+    <dgm:cxn modelId="{4B1DE4AF-5F7F-461D-8997-6BF6188D9EA0}" type="presParOf" srcId="{14969168-BAC3-44AC-A617-A3AA23F83AD4}" destId="{5BD45199-4E1F-48B4-B3F7-5F90D484C89E}" srcOrd="1" destOrd="0" presId="urn:microsoft.com/office/officeart/2005/8/layout/hierarchy1"/>
+    <dgm:cxn modelId="{FAB8847F-7A5E-4BFE-B7C1-52D875B2AE8F}" type="presParOf" srcId="{04D9AA51-00A2-4B66-9DE6-42BBDEC358C0}" destId="{8241E1D0-433A-47AB-9A1A-5535B1341ED7}" srcOrd="1" destOrd="0" presId="urn:microsoft.com/office/officeart/2005/8/layout/hierarchy1"/>
+    <dgm:cxn modelId="{F891E1C8-819C-430E-953E-82E4E4DAF415}" type="presParOf" srcId="{89673C03-0E17-418B-B31C-218E08B9E4C7}" destId="{14F56D0B-1D76-41B9-92BC-326745D3F14E}" srcOrd="10" destOrd="0" presId="urn:microsoft.com/office/officeart/2005/8/layout/hierarchy1"/>
+    <dgm:cxn modelId="{20E96C44-6395-4A67-8B00-EA627B081D29}" type="presParOf" srcId="{89673C03-0E17-418B-B31C-218E08B9E4C7}" destId="{EABED816-4D6B-4E40-BC1D-54444667CC68}" srcOrd="11" destOrd="0" presId="urn:microsoft.com/office/officeart/2005/8/layout/hierarchy1"/>
+    <dgm:cxn modelId="{EC81F293-1117-4183-9CAA-8D2240F1BB06}" type="presParOf" srcId="{EABED816-4D6B-4E40-BC1D-54444667CC68}" destId="{FB90FD39-7C45-41B5-8F44-DAFBCDCAE423}" srcOrd="0" destOrd="0" presId="urn:microsoft.com/office/officeart/2005/8/layout/hierarchy1"/>
+    <dgm:cxn modelId="{4F11D0FD-FD22-4772-90CF-685DAA56001C}" type="presParOf" srcId="{FB90FD39-7C45-41B5-8F44-DAFBCDCAE423}" destId="{32163131-C5FC-488F-B715-57022353564B}" srcOrd="0" destOrd="0" presId="urn:microsoft.com/office/officeart/2005/8/layout/hierarchy1"/>
+    <dgm:cxn modelId="{DD3EF1D8-5E78-4590-8EDB-D24C559CDA5A}" type="presParOf" srcId="{FB90FD39-7C45-41B5-8F44-DAFBCDCAE423}" destId="{79ECABC2-8C07-4E08-BB02-C619FEB9CA5F}" srcOrd="1" destOrd="0" presId="urn:microsoft.com/office/officeart/2005/8/layout/hierarchy1"/>
+    <dgm:cxn modelId="{D5482CBD-C454-4A0B-92DE-5F64B162B96D}" type="presParOf" srcId="{EABED816-4D6B-4E40-BC1D-54444667CC68}" destId="{74E35DD8-9338-4C59-A0B6-C1A37453872D}" srcOrd="1" destOrd="0" presId="urn:microsoft.com/office/officeart/2005/8/layout/hierarchy1"/>
+  </dgm:cxnLst>
+  <dgm:bg/>
+  <dgm:whole/>
+  <dgm:extLst>
+    <a:ext uri="http://schemas.microsoft.com/office/drawing/2008/diagram">
+      <dsp:dataModelExt xmlns:dsp="http://schemas.microsoft.com/office/drawing/2008/diagram" relId="rId7" minVer="http://schemas.openxmlformats.org/drawingml/2006/diagram"/>
+    </a:ext>
+    <a:ext uri="{C62137D5-CB1D-491B-B009-E17868A290BF}">
+      <dgm14:recolorImg xmlns:dgm14="http://schemas.microsoft.com/office/drawing/2010/diagram" val="1"/>
+    </a:ext>
+  </dgm:extLst>
+</dgm:dataModel>
+</file>
+
+<file path=ppt/diagrams/drawing1.xml><?xml version="1.0" encoding="utf-8"?>
+<dsp:drawing xmlns:dgm="http://schemas.openxmlformats.org/drawingml/2006/diagram" xmlns:dsp="http://schemas.microsoft.com/office/drawing/2008/diagram" xmlns:a="http://schemas.openxmlformats.org/drawingml/2006/main">
+  <dsp:spTree>
+    <dsp:nvGrpSpPr>
+      <dsp:cNvPr id="0" name=""/>
+      <dsp:cNvGrpSpPr/>
+    </dsp:nvGrpSpPr>
+    <dsp:grpSpPr/>
+    <dsp:sp modelId="{14F56D0B-1D76-41B9-92BC-326745D3F14E}">
+      <dsp:nvSpPr>
+        <dsp:cNvPr id="0" name=""/>
+        <dsp:cNvSpPr/>
+      </dsp:nvSpPr>
+      <dsp:spPr>
+        <a:xfrm>
+          <a:off x="3993975" y="828513"/>
+          <a:ext cx="3431471" cy="787654"/>
+        </a:xfrm>
+        <a:custGeom>
+          <a:avLst/>
+          <a:gdLst/>
+          <a:ahLst/>
+          <a:cxnLst/>
+          <a:rect l="0" t="0" r="0" b="0"/>
+          <a:pathLst>
+            <a:path>
+              <a:moveTo>
+                <a:pt x="0" y="0"/>
+              </a:moveTo>
+              <a:lnTo>
+                <a:pt x="0" y="683618"/>
+              </a:lnTo>
+              <a:lnTo>
+                <a:pt x="3431471" y="683618"/>
+              </a:lnTo>
+              <a:lnTo>
+                <a:pt x="3431471" y="787654"/>
+              </a:lnTo>
+            </a:path>
+          </a:pathLst>
+        </a:custGeom>
+        <a:noFill/>
+        <a:ln w="25400" cap="flat" cmpd="sng" algn="ctr">
+          <a:solidFill>
+            <a:schemeClr val="tx2">
+              <a:lumMod val="40000"/>
+              <a:lumOff val="60000"/>
+            </a:schemeClr>
+          </a:solidFill>
+          <a:prstDash val="solid"/>
+        </a:ln>
+        <a:effectLst/>
+      </dsp:spPr>
+      <dsp:style>
+        <a:lnRef idx="2">
+          <a:scrgbClr r="0" g="0" b="0"/>
+        </a:lnRef>
+        <a:fillRef idx="0">
+          <a:scrgbClr r="0" g="0" b="0"/>
+        </a:fillRef>
+        <a:effectRef idx="0">
+          <a:scrgbClr r="0" g="0" b="0"/>
+        </a:effectRef>
+        <a:fontRef idx="minor"/>
+      </dsp:style>
+    </dsp:sp>
+    <dsp:sp modelId="{E41178B2-24DD-41F2-9302-BF8DB138FD16}">
+      <dsp:nvSpPr>
+        <dsp:cNvPr id="0" name=""/>
+        <dsp:cNvSpPr/>
+      </dsp:nvSpPr>
+      <dsp:spPr>
+        <a:xfrm>
+          <a:off x="3993975" y="828513"/>
+          <a:ext cx="2058883" cy="787654"/>
+        </a:xfrm>
+        <a:custGeom>
+          <a:avLst/>
+          <a:gdLst/>
+          <a:ahLst/>
+          <a:cxnLst/>
+          <a:rect l="0" t="0" r="0" b="0"/>
+          <a:pathLst>
+            <a:path>
+              <a:moveTo>
+                <a:pt x="0" y="0"/>
+              </a:moveTo>
+              <a:lnTo>
+                <a:pt x="0" y="683618"/>
+              </a:lnTo>
+              <a:lnTo>
+                <a:pt x="2058883" y="683618"/>
+              </a:lnTo>
+              <a:lnTo>
+                <a:pt x="2058883" y="787654"/>
+              </a:lnTo>
+            </a:path>
+          </a:pathLst>
+        </a:custGeom>
+        <a:noFill/>
+        <a:ln w="25400" cap="flat" cmpd="sng" algn="ctr">
+          <a:solidFill>
+            <a:schemeClr val="tx2">
+              <a:lumMod val="40000"/>
+              <a:lumOff val="60000"/>
+            </a:schemeClr>
+          </a:solidFill>
+          <a:prstDash val="solid"/>
+        </a:ln>
+        <a:effectLst/>
+      </dsp:spPr>
+      <dsp:style>
+        <a:lnRef idx="2">
+          <a:scrgbClr r="0" g="0" b="0"/>
+        </a:lnRef>
+        <a:fillRef idx="0">
+          <a:scrgbClr r="0" g="0" b="0"/>
+        </a:fillRef>
+        <a:effectRef idx="0">
+          <a:scrgbClr r="0" g="0" b="0"/>
+        </a:effectRef>
+        <a:fontRef idx="minor"/>
+      </dsp:style>
+    </dsp:sp>
+    <dsp:sp modelId="{98DD6D97-935B-4823-932C-54C4FD1D8049}">
+      <dsp:nvSpPr>
+        <dsp:cNvPr id="0" name=""/>
+        <dsp:cNvSpPr/>
+      </dsp:nvSpPr>
+      <dsp:spPr>
+        <a:xfrm>
+          <a:off x="4634549" y="2329290"/>
+          <a:ext cx="91440" cy="326613"/>
+        </a:xfrm>
+        <a:custGeom>
+          <a:avLst/>
+          <a:gdLst/>
+          <a:ahLst/>
+          <a:cxnLst/>
+          <a:rect l="0" t="0" r="0" b="0"/>
+          <a:pathLst>
+            <a:path>
+              <a:moveTo>
+                <a:pt x="45720" y="0"/>
+              </a:moveTo>
+              <a:lnTo>
+                <a:pt x="45720" y="326613"/>
+              </a:lnTo>
+            </a:path>
+          </a:pathLst>
+        </a:custGeom>
+        <a:noFill/>
+        <a:ln w="25400" cap="flat" cmpd="sng" algn="ctr">
+          <a:solidFill>
+            <a:schemeClr val="tx2">
+              <a:lumMod val="40000"/>
+              <a:lumOff val="60000"/>
+            </a:schemeClr>
+          </a:solidFill>
+          <a:prstDash val="solid"/>
+        </a:ln>
+        <a:effectLst/>
+      </dsp:spPr>
+      <dsp:style>
+        <a:lnRef idx="2">
+          <a:scrgbClr r="0" g="0" b="0"/>
+        </a:lnRef>
+        <a:fillRef idx="0">
+          <a:scrgbClr r="0" g="0" b="0"/>
+        </a:fillRef>
+        <a:effectRef idx="0">
+          <a:scrgbClr r="0" g="0" b="0"/>
+        </a:effectRef>
+        <a:fontRef idx="minor"/>
+      </dsp:style>
+    </dsp:sp>
+    <dsp:sp modelId="{9806916E-B517-4E64-80BB-86F1CDEFA0F2}">
+      <dsp:nvSpPr>
+        <dsp:cNvPr id="0" name=""/>
+        <dsp:cNvSpPr/>
+      </dsp:nvSpPr>
+      <dsp:spPr>
+        <a:xfrm>
+          <a:off x="3993975" y="828513"/>
+          <a:ext cx="686294" cy="787654"/>
+        </a:xfrm>
+        <a:custGeom>
+          <a:avLst/>
+          <a:gdLst/>
+          <a:ahLst/>
+          <a:cxnLst/>
+          <a:rect l="0" t="0" r="0" b="0"/>
+          <a:pathLst>
+            <a:path>
+              <a:moveTo>
+                <a:pt x="0" y="0"/>
+              </a:moveTo>
+              <a:lnTo>
+                <a:pt x="0" y="683618"/>
+              </a:lnTo>
+              <a:lnTo>
+                <a:pt x="686294" y="683618"/>
+              </a:lnTo>
+              <a:lnTo>
+                <a:pt x="686294" y="787654"/>
+              </a:lnTo>
+            </a:path>
+          </a:pathLst>
+        </a:custGeom>
+        <a:noFill/>
+        <a:ln w="25400" cap="flat" cmpd="sng" algn="ctr">
+          <a:solidFill>
+            <a:schemeClr val="tx2">
+              <a:lumMod val="40000"/>
+              <a:lumOff val="60000"/>
+            </a:schemeClr>
+          </a:solidFill>
+          <a:prstDash val="solid"/>
+        </a:ln>
+        <a:effectLst/>
+      </dsp:spPr>
+      <dsp:style>
+        <a:lnRef idx="2">
+          <a:scrgbClr r="0" g="0" b="0"/>
+        </a:lnRef>
+        <a:fillRef idx="0">
+          <a:scrgbClr r="0" g="0" b="0"/>
+        </a:fillRef>
+        <a:effectRef idx="0">
+          <a:scrgbClr r="0" g="0" b="0"/>
+        </a:effectRef>
+        <a:fontRef idx="minor"/>
+      </dsp:style>
+    </dsp:sp>
+    <dsp:sp modelId="{5B292762-153E-43CF-BBD4-7863EAC9A30C}">
+      <dsp:nvSpPr>
+        <dsp:cNvPr id="0" name=""/>
+        <dsp:cNvSpPr/>
+      </dsp:nvSpPr>
+      <dsp:spPr>
+        <a:xfrm>
+          <a:off x="3261961" y="2329290"/>
+          <a:ext cx="91440" cy="326613"/>
+        </a:xfrm>
+        <a:custGeom>
+          <a:avLst/>
+          <a:gdLst/>
+          <a:ahLst/>
+          <a:cxnLst/>
+          <a:rect l="0" t="0" r="0" b="0"/>
+          <a:pathLst>
+            <a:path>
+              <a:moveTo>
+                <a:pt x="45720" y="0"/>
+              </a:moveTo>
+              <a:lnTo>
+                <a:pt x="45720" y="326613"/>
+              </a:lnTo>
+            </a:path>
+          </a:pathLst>
+        </a:custGeom>
+        <a:noFill/>
+        <a:ln w="25400" cap="flat" cmpd="sng" algn="ctr">
+          <a:solidFill>
+            <a:schemeClr val="tx2">
+              <a:lumMod val="40000"/>
+              <a:lumOff val="60000"/>
+            </a:schemeClr>
+          </a:solidFill>
+          <a:prstDash val="solid"/>
+        </a:ln>
+        <a:effectLst/>
+      </dsp:spPr>
+      <dsp:style>
+        <a:lnRef idx="2">
+          <a:scrgbClr r="0" g="0" b="0"/>
+        </a:lnRef>
+        <a:fillRef idx="0">
+          <a:scrgbClr r="0" g="0" b="0"/>
+        </a:fillRef>
+        <a:effectRef idx="0">
+          <a:scrgbClr r="0" g="0" b="0"/>
+        </a:effectRef>
+        <a:fontRef idx="minor"/>
+      </dsp:style>
+    </dsp:sp>
+    <dsp:sp modelId="{F02C13EF-1FA9-4C56-B916-1A1E2B905238}">
+      <dsp:nvSpPr>
+        <dsp:cNvPr id="0" name=""/>
+        <dsp:cNvSpPr/>
+      </dsp:nvSpPr>
+      <dsp:spPr>
+        <a:xfrm>
+          <a:off x="3307681" y="828513"/>
+          <a:ext cx="686294" cy="787654"/>
+        </a:xfrm>
+        <a:custGeom>
+          <a:avLst/>
+          <a:gdLst/>
+          <a:ahLst/>
+          <a:cxnLst/>
+          <a:rect l="0" t="0" r="0" b="0"/>
+          <a:pathLst>
+            <a:path>
+              <a:moveTo>
+                <a:pt x="686294" y="0"/>
+              </a:moveTo>
+              <a:lnTo>
+                <a:pt x="686294" y="683618"/>
+              </a:lnTo>
+              <a:lnTo>
+                <a:pt x="0" y="683618"/>
+              </a:lnTo>
+              <a:lnTo>
+                <a:pt x="0" y="787654"/>
+              </a:lnTo>
+            </a:path>
+          </a:pathLst>
+        </a:custGeom>
+        <a:noFill/>
+        <a:ln w="25400" cap="flat" cmpd="sng" algn="ctr">
+          <a:solidFill>
+            <a:schemeClr val="tx2">
+              <a:lumMod val="40000"/>
+              <a:lumOff val="60000"/>
+            </a:schemeClr>
+          </a:solidFill>
+          <a:prstDash val="solid"/>
+        </a:ln>
+        <a:effectLst/>
+      </dsp:spPr>
+      <dsp:style>
+        <a:lnRef idx="2">
+          <a:scrgbClr r="0" g="0" b="0"/>
+        </a:lnRef>
+        <a:fillRef idx="0">
+          <a:scrgbClr r="0" g="0" b="0"/>
+        </a:fillRef>
+        <a:effectRef idx="0">
+          <a:scrgbClr r="0" g="0" b="0"/>
+        </a:effectRef>
+        <a:fontRef idx="minor"/>
+      </dsp:style>
+    </dsp:sp>
+    <dsp:sp modelId="{29ED3FCD-4833-4C23-8B86-8EC0F7B1108A}">
+      <dsp:nvSpPr>
+        <dsp:cNvPr id="0" name=""/>
+        <dsp:cNvSpPr/>
+      </dsp:nvSpPr>
+      <dsp:spPr>
+        <a:xfrm>
+          <a:off x="1935092" y="828513"/>
+          <a:ext cx="2058883" cy="787654"/>
+        </a:xfrm>
+        <a:custGeom>
+          <a:avLst/>
+          <a:gdLst/>
+          <a:ahLst/>
+          <a:cxnLst/>
+          <a:rect l="0" t="0" r="0" b="0"/>
+          <a:pathLst>
+            <a:path>
+              <a:moveTo>
+                <a:pt x="2058883" y="0"/>
+              </a:moveTo>
+              <a:lnTo>
+                <a:pt x="2058883" y="683618"/>
+              </a:lnTo>
+              <a:lnTo>
+                <a:pt x="0" y="683618"/>
+              </a:lnTo>
+              <a:lnTo>
+                <a:pt x="0" y="787654"/>
+              </a:lnTo>
+            </a:path>
+          </a:pathLst>
+        </a:custGeom>
+        <a:noFill/>
+        <a:ln w="25400" cap="flat" cmpd="sng" algn="ctr">
+          <a:solidFill>
+            <a:schemeClr val="tx2">
+              <a:lumMod val="40000"/>
+              <a:lumOff val="60000"/>
+            </a:schemeClr>
+          </a:solidFill>
+          <a:prstDash val="solid"/>
+        </a:ln>
+        <a:effectLst/>
+      </dsp:spPr>
+      <dsp:style>
+        <a:lnRef idx="2">
+          <a:scrgbClr r="0" g="0" b="0"/>
+        </a:lnRef>
+        <a:fillRef idx="0">
+          <a:scrgbClr r="0" g="0" b="0"/>
+        </a:fillRef>
+        <a:effectRef idx="0">
+          <a:scrgbClr r="0" g="0" b="0"/>
+        </a:effectRef>
+        <a:fontRef idx="minor"/>
+      </dsp:style>
+    </dsp:sp>
+    <dsp:sp modelId="{490BD4DE-735D-42BB-A5C6-47CE1221DEB7}">
+      <dsp:nvSpPr>
+        <dsp:cNvPr id="0" name=""/>
+        <dsp:cNvSpPr/>
+      </dsp:nvSpPr>
+      <dsp:spPr>
+        <a:xfrm>
+          <a:off x="562503" y="828513"/>
+          <a:ext cx="3431471" cy="787654"/>
+        </a:xfrm>
+        <a:custGeom>
+          <a:avLst/>
+          <a:gdLst/>
+          <a:ahLst/>
+          <a:cxnLst/>
+          <a:rect l="0" t="0" r="0" b="0"/>
+          <a:pathLst>
+            <a:path>
+              <a:moveTo>
+                <a:pt x="3431471" y="0"/>
+              </a:moveTo>
+              <a:lnTo>
+                <a:pt x="3431471" y="683618"/>
+              </a:lnTo>
+              <a:lnTo>
+                <a:pt x="0" y="683618"/>
+              </a:lnTo>
+              <a:lnTo>
+                <a:pt x="0" y="787654"/>
+              </a:lnTo>
+            </a:path>
+          </a:pathLst>
+        </a:custGeom>
+        <a:noFill/>
+        <a:ln w="25400" cap="flat" cmpd="sng" algn="ctr">
+          <a:solidFill>
+            <a:schemeClr val="tx2">
+              <a:lumMod val="40000"/>
+              <a:lumOff val="60000"/>
+            </a:schemeClr>
+          </a:solidFill>
+          <a:prstDash val="solid"/>
+        </a:ln>
+        <a:effectLst/>
+      </dsp:spPr>
+      <dsp:style>
+        <a:lnRef idx="2">
+          <a:scrgbClr r="0" g="0" b="0"/>
+        </a:lnRef>
+        <a:fillRef idx="0">
+          <a:scrgbClr r="0" g="0" b="0"/>
+        </a:fillRef>
+        <a:effectRef idx="0">
+          <a:scrgbClr r="0" g="0" b="0"/>
+        </a:effectRef>
+        <a:fontRef idx="minor"/>
+      </dsp:style>
+    </dsp:sp>
+    <dsp:sp modelId="{3A722A95-E0D8-4A81-8BF4-FA814CC05CCE}">
+      <dsp:nvSpPr>
+        <dsp:cNvPr id="0" name=""/>
+        <dsp:cNvSpPr/>
+      </dsp:nvSpPr>
+      <dsp:spPr>
+        <a:xfrm>
+          <a:off x="2494133" y="115391"/>
+          <a:ext cx="2999684" cy="713122"/>
+        </a:xfrm>
+        <a:prstGeom prst="roundRect">
+          <a:avLst>
+            <a:gd name="adj" fmla="val 10000"/>
+          </a:avLst>
+        </a:prstGeom>
+        <a:solidFill>
+          <a:srgbClr val="FD8182">
+            <a:alpha val="80000"/>
+          </a:srgbClr>
+        </a:solidFill>
+        <a:ln w="25400" cap="flat" cmpd="sng" algn="ctr">
+          <a:solidFill>
+            <a:schemeClr val="lt1">
+              <a:hueOff val="0"/>
+              <a:satOff val="0"/>
+              <a:lumOff val="0"/>
+              <a:alphaOff val="0"/>
+            </a:schemeClr>
+          </a:solidFill>
+          <a:prstDash val="solid"/>
+        </a:ln>
+        <a:effectLst/>
+      </dsp:spPr>
+      <dsp:style>
+        <a:lnRef idx="2">
+          <a:scrgbClr r="0" g="0" b="0"/>
+        </a:lnRef>
+        <a:fillRef idx="1">
+          <a:scrgbClr r="0" g="0" b="0"/>
+        </a:fillRef>
+        <a:effectRef idx="0">
+          <a:scrgbClr r="0" g="0" b="0"/>
+        </a:effectRef>
+        <a:fontRef idx="minor">
+          <a:schemeClr val="lt1"/>
+        </a:fontRef>
+      </dsp:style>
+    </dsp:sp>
+    <dsp:sp modelId="{F10460E8-DFF4-4A9B-B2A8-00CA6C2C3053}">
+      <dsp:nvSpPr>
+        <dsp:cNvPr id="0" name=""/>
+        <dsp:cNvSpPr/>
+      </dsp:nvSpPr>
+      <dsp:spPr>
+        <a:xfrm>
+          <a:off x="2618914" y="233933"/>
+          <a:ext cx="2999684" cy="713122"/>
+        </a:xfrm>
+        <a:prstGeom prst="roundRect">
+          <a:avLst>
+            <a:gd name="adj" fmla="val 10000"/>
+          </a:avLst>
+        </a:prstGeom>
+        <a:solidFill>
+          <a:schemeClr val="lt1">
+            <a:alpha val="90000"/>
+            <a:hueOff val="0"/>
+            <a:satOff val="0"/>
+            <a:lumOff val="0"/>
+            <a:alphaOff val="0"/>
+          </a:schemeClr>
+        </a:solidFill>
+        <a:ln w="25400" cap="flat" cmpd="sng" algn="ctr">
+          <a:solidFill>
+            <a:schemeClr val="tx2">
+              <a:lumMod val="40000"/>
+              <a:lumOff val="60000"/>
+            </a:schemeClr>
+          </a:solidFill>
+          <a:prstDash val="solid"/>
+        </a:ln>
+        <a:effectLst/>
+      </dsp:spPr>
+      <dsp:style>
+        <a:lnRef idx="2">
+          <a:scrgbClr r="0" g="0" b="0"/>
+        </a:lnRef>
+        <a:fillRef idx="1">
+          <a:scrgbClr r="0" g="0" b="0"/>
+        </a:fillRef>
+        <a:effectRef idx="0">
+          <a:scrgbClr r="0" g="0" b="0"/>
+        </a:effectRef>
+        <a:fontRef idx="minor"/>
+      </dsp:style>
+      <dsp:txBody>
+        <a:bodyPr spcFirstLastPara="0" vert="horz" wrap="square" lIns="114300" tIns="114300" rIns="114300" bIns="114300" numCol="1" spcCol="1270" anchor="ctr" anchorCtr="0">
+          <a:noAutofit/>
+        </a:bodyPr>
+        <a:lstStyle/>
+        <a:p>
+          <a:pPr lvl="0" algn="ctr" defTabSz="1333500">
+            <a:lnSpc>
+              <a:spcPct val="90000"/>
+            </a:lnSpc>
+            <a:spcBef>
+              <a:spcPct val="0"/>
+            </a:spcBef>
+            <a:spcAft>
+              <a:spcPct val="35000"/>
+            </a:spcAft>
+          </a:pPr>
+          <a:r>
+            <a:rPr lang="zh-TW" altLang="en-US" sz="3000" kern="1200" dirty="0" smtClean="0">
+              <a:solidFill>
+                <a:srgbClr val="FD8182"/>
+              </a:solidFill>
+              <a:latin typeface="微軟正黑體" panose="020B0604030504040204" pitchFamily="34" charset="-120"/>
+              <a:ea typeface="微軟正黑體" panose="020B0604030504040204" pitchFamily="34" charset="-120"/>
+            </a:rPr>
+            <a:t>北科小角落</a:t>
+          </a:r>
+          <a:endParaRPr lang="zh-TW" altLang="en-US" sz="3000" kern="1200" dirty="0">
+            <a:solidFill>
+              <a:srgbClr val="FD8182"/>
+            </a:solidFill>
+            <a:latin typeface="微軟正黑體" panose="020B0604030504040204" pitchFamily="34" charset="-120"/>
+            <a:ea typeface="微軟正黑體" panose="020B0604030504040204" pitchFamily="34" charset="-120"/>
+          </a:endParaRPr>
+        </a:p>
+      </dsp:txBody>
+      <dsp:txXfrm>
+        <a:off x="2639801" y="254820"/>
+        <a:ext cx="2957910" cy="671348"/>
+      </dsp:txXfrm>
+    </dsp:sp>
+    <dsp:sp modelId="{684084EA-26E1-45A9-A0C9-D5C21129DCD0}">
+      <dsp:nvSpPr>
+        <dsp:cNvPr id="0" name=""/>
+        <dsp:cNvSpPr/>
+      </dsp:nvSpPr>
+      <dsp:spPr>
+        <a:xfrm>
+          <a:off x="990" y="1616168"/>
+          <a:ext cx="1123027" cy="713122"/>
+        </a:xfrm>
+        <a:prstGeom prst="roundRect">
+          <a:avLst>
+            <a:gd name="adj" fmla="val 10000"/>
+          </a:avLst>
+        </a:prstGeom>
+        <a:solidFill>
+          <a:srgbClr val="FD8182"/>
+        </a:solidFill>
+        <a:ln w="25400" cap="flat" cmpd="sng" algn="ctr">
+          <a:solidFill>
+            <a:schemeClr val="lt1">
+              <a:hueOff val="0"/>
+              <a:satOff val="0"/>
+              <a:lumOff val="0"/>
+              <a:alphaOff val="0"/>
+            </a:schemeClr>
+          </a:solidFill>
+          <a:prstDash val="solid"/>
+        </a:ln>
+        <a:effectLst/>
+      </dsp:spPr>
+      <dsp:style>
+        <a:lnRef idx="2">
+          <a:scrgbClr r="0" g="0" b="0"/>
+        </a:lnRef>
+        <a:fillRef idx="1">
+          <a:scrgbClr r="0" g="0" b="0"/>
+        </a:fillRef>
+        <a:effectRef idx="0">
+          <a:scrgbClr r="0" g="0" b="0"/>
+        </a:effectRef>
+        <a:fontRef idx="minor">
+          <a:schemeClr val="lt1"/>
+        </a:fontRef>
+      </dsp:style>
+    </dsp:sp>
+    <dsp:sp modelId="{974AFDAA-F6C6-47B1-91E9-477F2F08E7DF}">
+      <dsp:nvSpPr>
+        <dsp:cNvPr id="0" name=""/>
+        <dsp:cNvSpPr/>
+      </dsp:nvSpPr>
+      <dsp:spPr>
+        <a:xfrm>
+          <a:off x="125771" y="1734709"/>
+          <a:ext cx="1123027" cy="713122"/>
+        </a:xfrm>
+        <a:prstGeom prst="roundRect">
+          <a:avLst>
+            <a:gd name="adj" fmla="val 10000"/>
+          </a:avLst>
+        </a:prstGeom>
+        <a:solidFill>
+          <a:schemeClr val="lt1">
+            <a:alpha val="90000"/>
+            <a:hueOff val="0"/>
+            <a:satOff val="0"/>
+            <a:lumOff val="0"/>
+            <a:alphaOff val="0"/>
+          </a:schemeClr>
+        </a:solidFill>
+        <a:ln w="25400" cap="flat" cmpd="sng" algn="ctr">
+          <a:solidFill>
+            <a:schemeClr val="tx2">
+              <a:lumMod val="40000"/>
+              <a:lumOff val="60000"/>
+            </a:schemeClr>
+          </a:solidFill>
+          <a:prstDash val="solid"/>
+        </a:ln>
+        <a:effectLst/>
+      </dsp:spPr>
+      <dsp:style>
+        <a:lnRef idx="2">
+          <a:scrgbClr r="0" g="0" b="0"/>
+        </a:lnRef>
+        <a:fillRef idx="1">
+          <a:scrgbClr r="0" g="0" b="0"/>
+        </a:fillRef>
+        <a:effectRef idx="0">
+          <a:scrgbClr r="0" g="0" b="0"/>
+        </a:effectRef>
+        <a:fontRef idx="minor"/>
+      </dsp:style>
+      <dsp:txBody>
+        <a:bodyPr spcFirstLastPara="0" vert="horz" wrap="square" lIns="57150" tIns="57150" rIns="57150" bIns="57150" numCol="1" spcCol="1270" anchor="ctr" anchorCtr="0">
+          <a:noAutofit/>
+        </a:bodyPr>
+        <a:lstStyle/>
+        <a:p>
+          <a:pPr lvl="0" algn="ctr" defTabSz="666750">
+            <a:lnSpc>
+              <a:spcPct val="90000"/>
+            </a:lnSpc>
+            <a:spcBef>
+              <a:spcPct val="0"/>
+            </a:spcBef>
+            <a:spcAft>
+              <a:spcPct val="35000"/>
+            </a:spcAft>
+          </a:pPr>
+          <a:r>
+            <a:rPr lang="zh-TW" altLang="en-US" sz="1500" b="0" i="0" u="sng" kern="1200" dirty="0" smtClean="0">
+              <a:solidFill>
+                <a:srgbClr val="FD8182"/>
+              </a:solidFill>
+              <a:latin typeface="微軟正黑體" panose="020B0604030504040204" pitchFamily="34" charset="-120"/>
+              <a:ea typeface="微軟正黑體" panose="020B0604030504040204" pitchFamily="34" charset="-120"/>
+            </a:rPr>
+            <a:t>首頁</a:t>
+          </a:r>
+          <a:endParaRPr lang="zh-TW" altLang="en-US" sz="1500" b="0" i="0" u="sng" kern="1200" dirty="0">
+            <a:solidFill>
+              <a:srgbClr val="FD8182"/>
+            </a:solidFill>
+            <a:latin typeface="微軟正黑體" panose="020B0604030504040204" pitchFamily="34" charset="-120"/>
+            <a:ea typeface="微軟正黑體" panose="020B0604030504040204" pitchFamily="34" charset="-120"/>
+          </a:endParaRPr>
+        </a:p>
+      </dsp:txBody>
+      <dsp:txXfrm>
+        <a:off x="146658" y="1755596"/>
+        <a:ext cx="1081253" cy="671348"/>
+      </dsp:txXfrm>
+    </dsp:sp>
+    <dsp:sp modelId="{444A940E-D77F-4260-80BF-AC7585A2D1B8}">
+      <dsp:nvSpPr>
+        <dsp:cNvPr id="0" name=""/>
+        <dsp:cNvSpPr/>
+      </dsp:nvSpPr>
+      <dsp:spPr>
+        <a:xfrm>
+          <a:off x="1373579" y="1616168"/>
+          <a:ext cx="1123027" cy="713122"/>
+        </a:xfrm>
+        <a:prstGeom prst="roundRect">
+          <a:avLst>
+            <a:gd name="adj" fmla="val 10000"/>
+          </a:avLst>
+        </a:prstGeom>
+        <a:solidFill>
+          <a:srgbClr val="FD8182"/>
+        </a:solidFill>
+        <a:ln w="25400" cap="flat" cmpd="sng" algn="ctr">
+          <a:solidFill>
+            <a:schemeClr val="lt1">
+              <a:hueOff val="0"/>
+              <a:satOff val="0"/>
+              <a:lumOff val="0"/>
+              <a:alphaOff val="0"/>
+            </a:schemeClr>
+          </a:solidFill>
+          <a:prstDash val="solid"/>
+        </a:ln>
+        <a:effectLst/>
+      </dsp:spPr>
+      <dsp:style>
+        <a:lnRef idx="2">
+          <a:scrgbClr r="0" g="0" b="0"/>
+        </a:lnRef>
+        <a:fillRef idx="1">
+          <a:scrgbClr r="0" g="0" b="0"/>
+        </a:fillRef>
+        <a:effectRef idx="0">
+          <a:scrgbClr r="0" g="0" b="0"/>
+        </a:effectRef>
+        <a:fontRef idx="minor">
+          <a:schemeClr val="lt1"/>
+        </a:fontRef>
+      </dsp:style>
+    </dsp:sp>
+    <dsp:sp modelId="{04BC7D1D-B834-4A16-8AA9-60E81CE26D89}">
+      <dsp:nvSpPr>
+        <dsp:cNvPr id="0" name=""/>
+        <dsp:cNvSpPr/>
+      </dsp:nvSpPr>
+      <dsp:spPr>
+        <a:xfrm>
+          <a:off x="1498359" y="1734709"/>
+          <a:ext cx="1123027" cy="713122"/>
+        </a:xfrm>
+        <a:prstGeom prst="roundRect">
+          <a:avLst>
+            <a:gd name="adj" fmla="val 10000"/>
+          </a:avLst>
+        </a:prstGeom>
+        <a:solidFill>
+          <a:schemeClr val="lt1">
+            <a:alpha val="90000"/>
+            <a:hueOff val="0"/>
+            <a:satOff val="0"/>
+            <a:lumOff val="0"/>
+            <a:alphaOff val="0"/>
+          </a:schemeClr>
+        </a:solidFill>
+        <a:ln w="25400" cap="flat" cmpd="sng" algn="ctr">
+          <a:solidFill>
+            <a:schemeClr val="tx2">
+              <a:lumMod val="40000"/>
+              <a:lumOff val="60000"/>
+            </a:schemeClr>
+          </a:solidFill>
+          <a:prstDash val="solid"/>
+        </a:ln>
+        <a:effectLst/>
+      </dsp:spPr>
+      <dsp:style>
+        <a:lnRef idx="2">
+          <a:scrgbClr r="0" g="0" b="0"/>
+        </a:lnRef>
+        <a:fillRef idx="1">
+          <a:scrgbClr r="0" g="0" b="0"/>
+        </a:fillRef>
+        <a:effectRef idx="0">
+          <a:scrgbClr r="0" g="0" b="0"/>
+        </a:effectRef>
+        <a:fontRef idx="minor"/>
+      </dsp:style>
+      <dsp:txBody>
+        <a:bodyPr spcFirstLastPara="0" vert="horz" wrap="square" lIns="57150" tIns="57150" rIns="57150" bIns="57150" numCol="1" spcCol="1270" anchor="ctr" anchorCtr="0">
+          <a:noAutofit/>
+        </a:bodyPr>
+        <a:lstStyle/>
+        <a:p>
+          <a:pPr lvl="0" algn="ctr" defTabSz="666750">
+            <a:lnSpc>
+              <a:spcPct val="90000"/>
+            </a:lnSpc>
+            <a:spcBef>
+              <a:spcPct val="0"/>
+            </a:spcBef>
+            <a:spcAft>
+              <a:spcPct val="35000"/>
+            </a:spcAft>
+          </a:pPr>
+          <a:r>
+            <a:rPr lang="zh-TW" altLang="en-US" sz="1500" b="0" i="0" u="sng" kern="1200" smtClean="0">
+              <a:solidFill>
+                <a:srgbClr val="FD8182"/>
+              </a:solidFill>
+              <a:latin typeface="微軟正黑體" panose="020B0604030504040204" pitchFamily="34" charset="-120"/>
+              <a:ea typeface="微軟正黑體" panose="020B0604030504040204" pitchFamily="34" charset="-120"/>
+            </a:rPr>
+            <a:t>小角落們</a:t>
+          </a:r>
+          <a:endParaRPr lang="zh-TW" altLang="en-US" sz="1500" b="0" i="0" u="sng" kern="1200" dirty="0">
+            <a:solidFill>
+              <a:srgbClr val="FD8182"/>
+            </a:solidFill>
+            <a:latin typeface="微軟正黑體" panose="020B0604030504040204" pitchFamily="34" charset="-120"/>
+            <a:ea typeface="微軟正黑體" panose="020B0604030504040204" pitchFamily="34" charset="-120"/>
+          </a:endParaRPr>
+        </a:p>
+      </dsp:txBody>
+      <dsp:txXfrm>
+        <a:off x="1519246" y="1755596"/>
+        <a:ext cx="1081253" cy="671348"/>
+      </dsp:txXfrm>
+    </dsp:sp>
+    <dsp:sp modelId="{DFEA29C2-A6F1-455E-8CF0-DEADDBF4FC9B}">
+      <dsp:nvSpPr>
+        <dsp:cNvPr id="0" name=""/>
+        <dsp:cNvSpPr/>
+      </dsp:nvSpPr>
+      <dsp:spPr>
+        <a:xfrm>
+          <a:off x="2746167" y="1616168"/>
+          <a:ext cx="1123027" cy="713122"/>
+        </a:xfrm>
+        <a:prstGeom prst="roundRect">
+          <a:avLst>
+            <a:gd name="adj" fmla="val 10000"/>
+          </a:avLst>
+        </a:prstGeom>
+        <a:solidFill>
+          <a:srgbClr val="FD8182"/>
+        </a:solidFill>
+        <a:ln w="25400" cap="flat" cmpd="sng" algn="ctr">
+          <a:solidFill>
+            <a:schemeClr val="lt1">
+              <a:hueOff val="0"/>
+              <a:satOff val="0"/>
+              <a:lumOff val="0"/>
+              <a:alphaOff val="0"/>
+            </a:schemeClr>
+          </a:solidFill>
+          <a:prstDash val="solid"/>
+        </a:ln>
+        <a:effectLst/>
+      </dsp:spPr>
+      <dsp:style>
+        <a:lnRef idx="2">
+          <a:scrgbClr r="0" g="0" b="0"/>
+        </a:lnRef>
+        <a:fillRef idx="1">
+          <a:scrgbClr r="0" g="0" b="0"/>
+        </a:fillRef>
+        <a:effectRef idx="0">
+          <a:scrgbClr r="0" g="0" b="0"/>
+        </a:effectRef>
+        <a:fontRef idx="minor">
+          <a:schemeClr val="lt1"/>
+        </a:fontRef>
+      </dsp:style>
+    </dsp:sp>
+    <dsp:sp modelId="{3FB5DDFF-9F28-4813-BD23-6B70665B255D}">
+      <dsp:nvSpPr>
+        <dsp:cNvPr id="0" name=""/>
+        <dsp:cNvSpPr/>
+      </dsp:nvSpPr>
+      <dsp:spPr>
+        <a:xfrm>
+          <a:off x="2870948" y="1734709"/>
+          <a:ext cx="1123027" cy="713122"/>
+        </a:xfrm>
+        <a:prstGeom prst="roundRect">
+          <a:avLst>
+            <a:gd name="adj" fmla="val 10000"/>
+          </a:avLst>
+        </a:prstGeom>
+        <a:solidFill>
+          <a:schemeClr val="lt1">
+            <a:alpha val="90000"/>
+            <a:hueOff val="0"/>
+            <a:satOff val="0"/>
+            <a:lumOff val="0"/>
+            <a:alphaOff val="0"/>
+          </a:schemeClr>
+        </a:solidFill>
+        <a:ln w="25400" cap="flat" cmpd="sng" algn="ctr">
+          <a:solidFill>
+            <a:schemeClr val="tx2">
+              <a:lumMod val="40000"/>
+              <a:lumOff val="60000"/>
+            </a:schemeClr>
+          </a:solidFill>
+          <a:prstDash val="solid"/>
+        </a:ln>
+        <a:effectLst/>
+      </dsp:spPr>
+      <dsp:style>
+        <a:lnRef idx="2">
+          <a:scrgbClr r="0" g="0" b="0"/>
+        </a:lnRef>
+        <a:fillRef idx="1">
+          <a:scrgbClr r="0" g="0" b="0"/>
+        </a:fillRef>
+        <a:effectRef idx="0">
+          <a:scrgbClr r="0" g="0" b="0"/>
+        </a:effectRef>
+        <a:fontRef idx="minor"/>
+      </dsp:style>
+      <dsp:txBody>
+        <a:bodyPr spcFirstLastPara="0" vert="horz" wrap="square" lIns="57150" tIns="57150" rIns="57150" bIns="57150" numCol="1" spcCol="1270" anchor="ctr" anchorCtr="0">
+          <a:noAutofit/>
+        </a:bodyPr>
+        <a:lstStyle/>
+        <a:p>
+          <a:pPr lvl="0" algn="ctr" defTabSz="666750">
+            <a:lnSpc>
+              <a:spcPct val="90000"/>
+            </a:lnSpc>
+            <a:spcBef>
+              <a:spcPct val="0"/>
+            </a:spcBef>
+            <a:spcAft>
+              <a:spcPct val="35000"/>
+            </a:spcAft>
+          </a:pPr>
+          <a:r>
+            <a:rPr lang="zh-TW" altLang="en-US" sz="1500" b="0" i="0" u="sng" kern="1200" smtClean="0">
+              <a:solidFill>
+                <a:srgbClr val="FD8182"/>
+              </a:solidFill>
+              <a:latin typeface="微軟正黑體" panose="020B0604030504040204" pitchFamily="34" charset="-120"/>
+              <a:ea typeface="微軟正黑體" panose="020B0604030504040204" pitchFamily="34" charset="-120"/>
+            </a:rPr>
+            <a:t>匿名發文</a:t>
+          </a:r>
+          <a:endParaRPr lang="zh-TW" altLang="en-US" sz="1500" b="0" i="0" u="sng" kern="1200" dirty="0">
+            <a:solidFill>
+              <a:srgbClr val="FD8182"/>
+            </a:solidFill>
+            <a:latin typeface="微軟正黑體" panose="020B0604030504040204" pitchFamily="34" charset="-120"/>
+            <a:ea typeface="微軟正黑體" panose="020B0604030504040204" pitchFamily="34" charset="-120"/>
+          </a:endParaRPr>
+        </a:p>
+      </dsp:txBody>
+      <dsp:txXfrm>
+        <a:off x="2891835" y="1755596"/>
+        <a:ext cx="1081253" cy="671348"/>
+      </dsp:txXfrm>
+    </dsp:sp>
+    <dsp:sp modelId="{1F611E32-EF73-4E9F-9E98-C1D41AEB8A4A}">
+      <dsp:nvSpPr>
+        <dsp:cNvPr id="0" name=""/>
+        <dsp:cNvSpPr/>
+      </dsp:nvSpPr>
+      <dsp:spPr>
+        <a:xfrm>
+          <a:off x="2746167" y="2655903"/>
+          <a:ext cx="1123027" cy="713122"/>
+        </a:xfrm>
+        <a:prstGeom prst="roundRect">
+          <a:avLst>
+            <a:gd name="adj" fmla="val 10000"/>
+          </a:avLst>
+        </a:prstGeom>
+        <a:solidFill>
+          <a:srgbClr val="FD8182"/>
+        </a:solidFill>
+        <a:ln w="25400" cap="flat" cmpd="sng" algn="ctr">
+          <a:solidFill>
+            <a:schemeClr val="lt1">
+              <a:hueOff val="0"/>
+              <a:satOff val="0"/>
+              <a:lumOff val="0"/>
+              <a:alphaOff val="0"/>
+            </a:schemeClr>
+          </a:solidFill>
+          <a:prstDash val="solid"/>
+        </a:ln>
+        <a:effectLst/>
+      </dsp:spPr>
+      <dsp:style>
+        <a:lnRef idx="2">
+          <a:scrgbClr r="0" g="0" b="0"/>
+        </a:lnRef>
+        <a:fillRef idx="1">
+          <a:scrgbClr r="0" g="0" b="0"/>
+        </a:fillRef>
+        <a:effectRef idx="0">
+          <a:scrgbClr r="0" g="0" b="0"/>
+        </a:effectRef>
+        <a:fontRef idx="minor">
+          <a:schemeClr val="lt1"/>
+        </a:fontRef>
+      </dsp:style>
+    </dsp:sp>
+    <dsp:sp modelId="{DBB2D106-C300-4B80-8006-A85970AA47E1}">
+      <dsp:nvSpPr>
+        <dsp:cNvPr id="0" name=""/>
+        <dsp:cNvSpPr/>
+      </dsp:nvSpPr>
+      <dsp:spPr>
+        <a:xfrm>
+          <a:off x="2870948" y="2774445"/>
+          <a:ext cx="1123027" cy="713122"/>
+        </a:xfrm>
+        <a:prstGeom prst="roundRect">
+          <a:avLst>
+            <a:gd name="adj" fmla="val 10000"/>
+          </a:avLst>
+        </a:prstGeom>
+        <a:solidFill>
+          <a:schemeClr val="lt1">
+            <a:alpha val="90000"/>
+            <a:hueOff val="0"/>
+            <a:satOff val="0"/>
+            <a:lumOff val="0"/>
+            <a:alphaOff val="0"/>
+          </a:schemeClr>
+        </a:solidFill>
+        <a:ln w="25400" cap="flat" cmpd="sng" algn="ctr">
+          <a:solidFill>
+            <a:schemeClr val="tx2">
+              <a:lumMod val="40000"/>
+              <a:lumOff val="60000"/>
+            </a:schemeClr>
+          </a:solidFill>
+          <a:prstDash val="solid"/>
+        </a:ln>
+        <a:effectLst/>
+      </dsp:spPr>
+      <dsp:style>
+        <a:lnRef idx="2">
+          <a:scrgbClr r="0" g="0" b="0"/>
+        </a:lnRef>
+        <a:fillRef idx="1">
+          <a:scrgbClr r="0" g="0" b="0"/>
+        </a:fillRef>
+        <a:effectRef idx="0">
+          <a:scrgbClr r="0" g="0" b="0"/>
+        </a:effectRef>
+        <a:fontRef idx="minor"/>
+      </dsp:style>
+      <dsp:txBody>
+        <a:bodyPr spcFirstLastPara="0" vert="horz" wrap="square" lIns="57150" tIns="57150" rIns="57150" bIns="57150" numCol="1" spcCol="1270" anchor="ctr" anchorCtr="0">
+          <a:noAutofit/>
+        </a:bodyPr>
+        <a:lstStyle/>
+        <a:p>
+          <a:pPr lvl="0" algn="ctr" defTabSz="666750">
+            <a:lnSpc>
+              <a:spcPct val="90000"/>
+            </a:lnSpc>
+            <a:spcBef>
+              <a:spcPct val="0"/>
+            </a:spcBef>
+            <a:spcAft>
+              <a:spcPct val="35000"/>
+            </a:spcAft>
+          </a:pPr>
+          <a:r>
+            <a:rPr lang="zh-TW" altLang="en-US" sz="1500" b="0" i="0" u="sng" kern="1200" smtClean="0">
+              <a:solidFill>
+                <a:srgbClr val="FD8182"/>
+              </a:solidFill>
+              <a:latin typeface="微軟正黑體" panose="020B0604030504040204" pitchFamily="34" charset="-120"/>
+              <a:ea typeface="微軟正黑體" panose="020B0604030504040204" pitchFamily="34" charset="-120"/>
+            </a:rPr>
+            <a:t>發文成功</a:t>
+          </a:r>
+          <a:endParaRPr lang="zh-TW" altLang="en-US" sz="1500" b="0" i="0" u="sng" kern="1200" dirty="0">
+            <a:solidFill>
+              <a:srgbClr val="FD8182"/>
+            </a:solidFill>
+            <a:latin typeface="微軟正黑體" panose="020B0604030504040204" pitchFamily="34" charset="-120"/>
+            <a:ea typeface="微軟正黑體" panose="020B0604030504040204" pitchFamily="34" charset="-120"/>
+          </a:endParaRPr>
+        </a:p>
+      </dsp:txBody>
+      <dsp:txXfrm>
+        <a:off x="2891835" y="2795332"/>
+        <a:ext cx="1081253" cy="671348"/>
+      </dsp:txXfrm>
+    </dsp:sp>
+    <dsp:sp modelId="{775441A0-3FFC-4764-A2FA-7727B0043436}">
+      <dsp:nvSpPr>
+        <dsp:cNvPr id="0" name=""/>
+        <dsp:cNvSpPr/>
+      </dsp:nvSpPr>
+      <dsp:spPr>
+        <a:xfrm>
+          <a:off x="4118756" y="1616168"/>
+          <a:ext cx="1123027" cy="713122"/>
+        </a:xfrm>
+        <a:prstGeom prst="roundRect">
+          <a:avLst>
+            <a:gd name="adj" fmla="val 10000"/>
+          </a:avLst>
+        </a:prstGeom>
+        <a:solidFill>
+          <a:srgbClr val="FD8182"/>
+        </a:solidFill>
+        <a:ln w="25400" cap="flat" cmpd="sng" algn="ctr">
+          <a:solidFill>
+            <a:schemeClr val="lt1">
+              <a:hueOff val="0"/>
+              <a:satOff val="0"/>
+              <a:lumOff val="0"/>
+              <a:alphaOff val="0"/>
+            </a:schemeClr>
+          </a:solidFill>
+          <a:prstDash val="solid"/>
+        </a:ln>
+        <a:effectLst/>
+      </dsp:spPr>
+      <dsp:style>
+        <a:lnRef idx="2">
+          <a:scrgbClr r="0" g="0" b="0"/>
+        </a:lnRef>
+        <a:fillRef idx="1">
+          <a:scrgbClr r="0" g="0" b="0"/>
+        </a:fillRef>
+        <a:effectRef idx="0">
+          <a:scrgbClr r="0" g="0" b="0"/>
+        </a:effectRef>
+        <a:fontRef idx="minor">
+          <a:schemeClr val="lt1"/>
+        </a:fontRef>
+      </dsp:style>
+    </dsp:sp>
+    <dsp:sp modelId="{B4756501-2AAF-4E0F-A235-B12B7869F415}">
+      <dsp:nvSpPr>
+        <dsp:cNvPr id="0" name=""/>
+        <dsp:cNvSpPr/>
+      </dsp:nvSpPr>
+      <dsp:spPr>
+        <a:xfrm>
+          <a:off x="4243537" y="1734709"/>
+          <a:ext cx="1123027" cy="713122"/>
+        </a:xfrm>
+        <a:prstGeom prst="roundRect">
+          <a:avLst>
+            <a:gd name="adj" fmla="val 10000"/>
+          </a:avLst>
+        </a:prstGeom>
+        <a:solidFill>
+          <a:schemeClr val="lt1">
+            <a:alpha val="90000"/>
+            <a:hueOff val="0"/>
+            <a:satOff val="0"/>
+            <a:lumOff val="0"/>
+            <a:alphaOff val="0"/>
+          </a:schemeClr>
+        </a:solidFill>
+        <a:ln w="25400" cap="flat" cmpd="sng" algn="ctr">
+          <a:solidFill>
+            <a:schemeClr val="tx2">
+              <a:lumMod val="40000"/>
+              <a:lumOff val="60000"/>
+            </a:schemeClr>
+          </a:solidFill>
+          <a:prstDash val="solid"/>
+        </a:ln>
+        <a:effectLst/>
+      </dsp:spPr>
+      <dsp:style>
+        <a:lnRef idx="2">
+          <a:scrgbClr r="0" g="0" b="0"/>
+        </a:lnRef>
+        <a:fillRef idx="1">
+          <a:scrgbClr r="0" g="0" b="0"/>
+        </a:fillRef>
+        <a:effectRef idx="0">
+          <a:scrgbClr r="0" g="0" b="0"/>
+        </a:effectRef>
+        <a:fontRef idx="minor"/>
+      </dsp:style>
+      <dsp:txBody>
+        <a:bodyPr spcFirstLastPara="0" vert="horz" wrap="square" lIns="57150" tIns="57150" rIns="57150" bIns="57150" numCol="1" spcCol="1270" anchor="ctr" anchorCtr="0">
+          <a:noAutofit/>
+        </a:bodyPr>
+        <a:lstStyle/>
+        <a:p>
+          <a:pPr lvl="0" algn="ctr" defTabSz="666750">
+            <a:lnSpc>
+              <a:spcPct val="90000"/>
+            </a:lnSpc>
+            <a:spcBef>
+              <a:spcPct val="0"/>
+            </a:spcBef>
+            <a:spcAft>
+              <a:spcPct val="35000"/>
+            </a:spcAft>
+          </a:pPr>
+          <a:r>
+            <a:rPr lang="zh-TW" altLang="en-US" sz="1500" b="0" i="0" u="sng" kern="1200" smtClean="0">
+              <a:solidFill>
+                <a:srgbClr val="FD8182"/>
+              </a:solidFill>
+              <a:latin typeface="微軟正黑體" panose="020B0604030504040204" pitchFamily="34" charset="-120"/>
+              <a:ea typeface="微軟正黑體" panose="020B0604030504040204" pitchFamily="34" charset="-120"/>
+            </a:rPr>
+            <a:t>使用方法</a:t>
+          </a:r>
+          <a:endParaRPr lang="zh-TW" altLang="en-US" sz="1500" b="0" i="0" u="sng" kern="1200" dirty="0">
+            <a:solidFill>
+              <a:srgbClr val="FD8182"/>
+            </a:solidFill>
+            <a:latin typeface="微軟正黑體" panose="020B0604030504040204" pitchFamily="34" charset="-120"/>
+            <a:ea typeface="微軟正黑體" panose="020B0604030504040204" pitchFamily="34" charset="-120"/>
+          </a:endParaRPr>
+        </a:p>
+      </dsp:txBody>
+      <dsp:txXfrm>
+        <a:off x="4264424" y="1755596"/>
+        <a:ext cx="1081253" cy="671348"/>
+      </dsp:txXfrm>
+    </dsp:sp>
+    <dsp:sp modelId="{72849DB9-5588-4E7C-A4B6-D39B4D32853D}">
+      <dsp:nvSpPr>
+        <dsp:cNvPr id="0" name=""/>
+        <dsp:cNvSpPr/>
+      </dsp:nvSpPr>
+      <dsp:spPr>
+        <a:xfrm>
+          <a:off x="4118756" y="2655903"/>
+          <a:ext cx="1123027" cy="713122"/>
+        </a:xfrm>
+        <a:prstGeom prst="roundRect">
+          <a:avLst>
+            <a:gd name="adj" fmla="val 10000"/>
+          </a:avLst>
+        </a:prstGeom>
+        <a:solidFill>
+          <a:srgbClr val="FD8182"/>
+        </a:solidFill>
+        <a:ln w="25400" cap="flat" cmpd="sng" algn="ctr">
+          <a:solidFill>
+            <a:schemeClr val="lt1">
+              <a:hueOff val="0"/>
+              <a:satOff val="0"/>
+              <a:lumOff val="0"/>
+              <a:alphaOff val="0"/>
+            </a:schemeClr>
+          </a:solidFill>
+          <a:prstDash val="solid"/>
+        </a:ln>
+        <a:effectLst/>
+      </dsp:spPr>
+      <dsp:style>
+        <a:lnRef idx="2">
+          <a:scrgbClr r="0" g="0" b="0"/>
+        </a:lnRef>
+        <a:fillRef idx="1">
+          <a:scrgbClr r="0" g="0" b="0"/>
+        </a:fillRef>
+        <a:effectRef idx="0">
+          <a:scrgbClr r="0" g="0" b="0"/>
+        </a:effectRef>
+        <a:fontRef idx="minor">
+          <a:schemeClr val="lt1"/>
+        </a:fontRef>
+      </dsp:style>
+    </dsp:sp>
+    <dsp:sp modelId="{10CB2D47-82B1-4E76-B75A-7BC699599E64}">
+      <dsp:nvSpPr>
+        <dsp:cNvPr id="0" name=""/>
+        <dsp:cNvSpPr/>
+      </dsp:nvSpPr>
+      <dsp:spPr>
+        <a:xfrm>
+          <a:off x="4243537" y="2774445"/>
+          <a:ext cx="1123027" cy="713122"/>
+        </a:xfrm>
+        <a:prstGeom prst="roundRect">
+          <a:avLst>
+            <a:gd name="adj" fmla="val 10000"/>
+          </a:avLst>
+        </a:prstGeom>
+        <a:solidFill>
+          <a:schemeClr val="lt1">
+            <a:alpha val="90000"/>
+            <a:hueOff val="0"/>
+            <a:satOff val="0"/>
+            <a:lumOff val="0"/>
+            <a:alphaOff val="0"/>
+          </a:schemeClr>
+        </a:solidFill>
+        <a:ln w="25400" cap="flat" cmpd="sng" algn="ctr">
+          <a:solidFill>
+            <a:schemeClr val="tx2">
+              <a:lumMod val="40000"/>
+              <a:lumOff val="60000"/>
+            </a:schemeClr>
+          </a:solidFill>
+          <a:prstDash val="solid"/>
+        </a:ln>
+        <a:effectLst/>
+      </dsp:spPr>
+      <dsp:style>
+        <a:lnRef idx="2">
+          <a:scrgbClr r="0" g="0" b="0"/>
+        </a:lnRef>
+        <a:fillRef idx="1">
+          <a:scrgbClr r="0" g="0" b="0"/>
+        </a:fillRef>
+        <a:effectRef idx="0">
+          <a:scrgbClr r="0" g="0" b="0"/>
+        </a:effectRef>
+        <a:fontRef idx="minor"/>
+      </dsp:style>
+      <dsp:txBody>
+        <a:bodyPr spcFirstLastPara="0" vert="horz" wrap="square" lIns="57150" tIns="57150" rIns="57150" bIns="57150" numCol="1" spcCol="1270" anchor="ctr" anchorCtr="0">
+          <a:noAutofit/>
+        </a:bodyPr>
+        <a:lstStyle/>
+        <a:p>
+          <a:pPr lvl="0" algn="ctr" defTabSz="666750">
+            <a:lnSpc>
+              <a:spcPct val="90000"/>
+            </a:lnSpc>
+            <a:spcBef>
+              <a:spcPct val="0"/>
+            </a:spcBef>
+            <a:spcAft>
+              <a:spcPct val="35000"/>
+            </a:spcAft>
+          </a:pPr>
+          <a:r>
+            <a:rPr lang="zh-TW" altLang="en-US" sz="1500" b="0" i="0" u="sng" kern="1200" smtClean="0">
+              <a:solidFill>
+                <a:srgbClr val="FD8182"/>
+              </a:solidFill>
+              <a:latin typeface="微軟正黑體" panose="020B0604030504040204" pitchFamily="34" charset="-120"/>
+              <a:ea typeface="微軟正黑體" panose="020B0604030504040204" pitchFamily="34" charset="-120"/>
+            </a:rPr>
+            <a:t>合作廠商</a:t>
+          </a:r>
+          <a:endParaRPr lang="zh-TW" altLang="en-US" sz="1500" b="0" i="0" u="sng" kern="1200" dirty="0">
+            <a:solidFill>
+              <a:srgbClr val="FD8182"/>
+            </a:solidFill>
+            <a:latin typeface="微軟正黑體" panose="020B0604030504040204" pitchFamily="34" charset="-120"/>
+            <a:ea typeface="微軟正黑體" panose="020B0604030504040204" pitchFamily="34" charset="-120"/>
+          </a:endParaRPr>
+        </a:p>
+      </dsp:txBody>
+      <dsp:txXfrm>
+        <a:off x="4264424" y="2795332"/>
+        <a:ext cx="1081253" cy="671348"/>
+      </dsp:txXfrm>
+    </dsp:sp>
+    <dsp:sp modelId="{C19B655C-6750-4937-A9B3-EDA72081C8BB}">
+      <dsp:nvSpPr>
+        <dsp:cNvPr id="0" name=""/>
+        <dsp:cNvSpPr/>
+      </dsp:nvSpPr>
+      <dsp:spPr>
+        <a:xfrm>
+          <a:off x="5491345" y="1616168"/>
+          <a:ext cx="1123027" cy="713122"/>
+        </a:xfrm>
+        <a:prstGeom prst="roundRect">
+          <a:avLst>
+            <a:gd name="adj" fmla="val 10000"/>
+          </a:avLst>
+        </a:prstGeom>
+        <a:solidFill>
+          <a:srgbClr val="FD8182"/>
+        </a:solidFill>
+        <a:ln w="25400" cap="flat" cmpd="sng" algn="ctr">
+          <a:solidFill>
+            <a:schemeClr val="lt1">
+              <a:hueOff val="0"/>
+              <a:satOff val="0"/>
+              <a:lumOff val="0"/>
+              <a:alphaOff val="0"/>
+            </a:schemeClr>
+          </a:solidFill>
+          <a:prstDash val="solid"/>
+        </a:ln>
+        <a:effectLst/>
+      </dsp:spPr>
+      <dsp:style>
+        <a:lnRef idx="2">
+          <a:scrgbClr r="0" g="0" b="0"/>
+        </a:lnRef>
+        <a:fillRef idx="1">
+          <a:scrgbClr r="0" g="0" b="0"/>
+        </a:fillRef>
+        <a:effectRef idx="0">
+          <a:scrgbClr r="0" g="0" b="0"/>
+        </a:effectRef>
+        <a:fontRef idx="minor">
+          <a:schemeClr val="lt1"/>
+        </a:fontRef>
+      </dsp:style>
+    </dsp:sp>
+    <dsp:sp modelId="{5BD45199-4E1F-48B4-B3F7-5F90D484C89E}">
+      <dsp:nvSpPr>
+        <dsp:cNvPr id="0" name=""/>
+        <dsp:cNvSpPr/>
+      </dsp:nvSpPr>
+      <dsp:spPr>
+        <a:xfrm>
+          <a:off x="5616125" y="1734709"/>
+          <a:ext cx="1123027" cy="713122"/>
+        </a:xfrm>
+        <a:prstGeom prst="roundRect">
+          <a:avLst>
+            <a:gd name="adj" fmla="val 10000"/>
+          </a:avLst>
+        </a:prstGeom>
+        <a:solidFill>
+          <a:schemeClr val="lt1">
+            <a:alpha val="90000"/>
+            <a:hueOff val="0"/>
+            <a:satOff val="0"/>
+            <a:lumOff val="0"/>
+            <a:alphaOff val="0"/>
+          </a:schemeClr>
+        </a:solidFill>
+        <a:ln w="25400" cap="flat" cmpd="sng" algn="ctr">
+          <a:solidFill>
+            <a:schemeClr val="tx2">
+              <a:lumMod val="40000"/>
+              <a:lumOff val="60000"/>
+            </a:schemeClr>
+          </a:solidFill>
+          <a:prstDash val="solid"/>
+        </a:ln>
+        <a:effectLst/>
+      </dsp:spPr>
+      <dsp:style>
+        <a:lnRef idx="2">
+          <a:scrgbClr r="0" g="0" b="0"/>
+        </a:lnRef>
+        <a:fillRef idx="1">
+          <a:scrgbClr r="0" g="0" b="0"/>
+        </a:fillRef>
+        <a:effectRef idx="0">
+          <a:scrgbClr r="0" g="0" b="0"/>
+        </a:effectRef>
+        <a:fontRef idx="minor"/>
+      </dsp:style>
+      <dsp:txBody>
+        <a:bodyPr spcFirstLastPara="0" vert="horz" wrap="square" lIns="57150" tIns="57150" rIns="57150" bIns="57150" numCol="1" spcCol="1270" anchor="ctr" anchorCtr="0">
+          <a:noAutofit/>
+        </a:bodyPr>
+        <a:lstStyle/>
+        <a:p>
+          <a:pPr lvl="0" algn="ctr" defTabSz="666750">
+            <a:lnSpc>
+              <a:spcPct val="90000"/>
+            </a:lnSpc>
+            <a:spcBef>
+              <a:spcPct val="0"/>
+            </a:spcBef>
+            <a:spcAft>
+              <a:spcPct val="35000"/>
+            </a:spcAft>
+          </a:pPr>
+          <a:r>
+            <a:rPr lang="zh-TW" altLang="en-US" sz="1500" b="0" i="0" u="sng" kern="1200" smtClean="0">
+              <a:solidFill>
+                <a:srgbClr val="FD8182"/>
+              </a:solidFill>
+              <a:latin typeface="微軟正黑體" panose="020B0604030504040204" pitchFamily="34" charset="-120"/>
+              <a:ea typeface="微軟正黑體" panose="020B0604030504040204" pitchFamily="34" charset="-120"/>
+            </a:rPr>
+            <a:t>角落黑白面</a:t>
+          </a:r>
+          <a:endParaRPr lang="zh-TW" altLang="en-US" sz="1500" b="0" i="0" u="sng" kern="1200" dirty="0">
+            <a:solidFill>
+              <a:srgbClr val="FD8182"/>
+            </a:solidFill>
+            <a:latin typeface="微軟正黑體" panose="020B0604030504040204" pitchFamily="34" charset="-120"/>
+            <a:ea typeface="微軟正黑體" panose="020B0604030504040204" pitchFamily="34" charset="-120"/>
+          </a:endParaRPr>
+        </a:p>
+      </dsp:txBody>
+      <dsp:txXfrm>
+        <a:off x="5637012" y="1755596"/>
+        <a:ext cx="1081253" cy="671348"/>
+      </dsp:txXfrm>
+    </dsp:sp>
+    <dsp:sp modelId="{32163131-C5FC-488F-B715-57022353564B}">
+      <dsp:nvSpPr>
+        <dsp:cNvPr id="0" name=""/>
+        <dsp:cNvSpPr/>
+      </dsp:nvSpPr>
+      <dsp:spPr>
+        <a:xfrm>
+          <a:off x="6863933" y="1616168"/>
+          <a:ext cx="1123027" cy="713122"/>
+        </a:xfrm>
+        <a:prstGeom prst="roundRect">
+          <a:avLst>
+            <a:gd name="adj" fmla="val 10000"/>
+          </a:avLst>
+        </a:prstGeom>
+        <a:solidFill>
+          <a:srgbClr val="FD8182"/>
+        </a:solidFill>
+        <a:ln w="25400" cap="flat" cmpd="sng" algn="ctr">
+          <a:solidFill>
+            <a:schemeClr val="lt1">
+              <a:hueOff val="0"/>
+              <a:satOff val="0"/>
+              <a:lumOff val="0"/>
+              <a:alphaOff val="0"/>
+            </a:schemeClr>
+          </a:solidFill>
+          <a:prstDash val="solid"/>
+        </a:ln>
+        <a:effectLst/>
+      </dsp:spPr>
+      <dsp:style>
+        <a:lnRef idx="2">
+          <a:scrgbClr r="0" g="0" b="0"/>
+        </a:lnRef>
+        <a:fillRef idx="1">
+          <a:scrgbClr r="0" g="0" b="0"/>
+        </a:fillRef>
+        <a:effectRef idx="0">
+          <a:scrgbClr r="0" g="0" b="0"/>
+        </a:effectRef>
+        <a:fontRef idx="minor">
+          <a:schemeClr val="lt1"/>
+        </a:fontRef>
+      </dsp:style>
+    </dsp:sp>
+    <dsp:sp modelId="{79ECABC2-8C07-4E08-BB02-C619FEB9CA5F}">
+      <dsp:nvSpPr>
+        <dsp:cNvPr id="0" name=""/>
+        <dsp:cNvSpPr/>
+      </dsp:nvSpPr>
+      <dsp:spPr>
+        <a:xfrm>
+          <a:off x="6988714" y="1734709"/>
+          <a:ext cx="1123027" cy="713122"/>
+        </a:xfrm>
+        <a:prstGeom prst="roundRect">
+          <a:avLst>
+            <a:gd name="adj" fmla="val 10000"/>
+          </a:avLst>
+        </a:prstGeom>
+        <a:solidFill>
+          <a:schemeClr val="lt1">
+            <a:alpha val="90000"/>
+            <a:hueOff val="0"/>
+            <a:satOff val="0"/>
+            <a:lumOff val="0"/>
+            <a:alphaOff val="0"/>
+          </a:schemeClr>
+        </a:solidFill>
+        <a:ln w="25400" cap="flat" cmpd="sng" algn="ctr">
+          <a:solidFill>
+            <a:schemeClr val="tx2">
+              <a:lumMod val="40000"/>
+              <a:lumOff val="60000"/>
+            </a:schemeClr>
+          </a:solidFill>
+          <a:prstDash val="solid"/>
+        </a:ln>
+        <a:effectLst/>
+      </dsp:spPr>
+      <dsp:style>
+        <a:lnRef idx="2">
+          <a:scrgbClr r="0" g="0" b="0"/>
+        </a:lnRef>
+        <a:fillRef idx="1">
+          <a:scrgbClr r="0" g="0" b="0"/>
+        </a:fillRef>
+        <a:effectRef idx="0">
+          <a:scrgbClr r="0" g="0" b="0"/>
+        </a:effectRef>
+        <a:fontRef idx="minor"/>
+      </dsp:style>
+      <dsp:txBody>
+        <a:bodyPr spcFirstLastPara="0" vert="horz" wrap="square" lIns="57150" tIns="57150" rIns="57150" bIns="57150" numCol="1" spcCol="1270" anchor="ctr" anchorCtr="0">
+          <a:noAutofit/>
+        </a:bodyPr>
+        <a:lstStyle/>
+        <a:p>
+          <a:pPr lvl="0" algn="ctr" defTabSz="666750">
+            <a:lnSpc>
+              <a:spcPct val="90000"/>
+            </a:lnSpc>
+            <a:spcBef>
+              <a:spcPct val="0"/>
+            </a:spcBef>
+            <a:spcAft>
+              <a:spcPct val="35000"/>
+            </a:spcAft>
+          </a:pPr>
+          <a:r>
+            <a:rPr lang="zh-TW" altLang="en-US" sz="1500" b="0" i="0" u="sng" kern="1200" smtClean="0">
+              <a:solidFill>
+                <a:srgbClr val="FD8182"/>
+              </a:solidFill>
+              <a:latin typeface="微軟正黑體" panose="020B0604030504040204" pitchFamily="34" charset="-120"/>
+              <a:ea typeface="微軟正黑體" panose="020B0604030504040204" pitchFamily="34" charset="-120"/>
+            </a:rPr>
+            <a:t>關於我們</a:t>
+          </a:r>
+          <a:endParaRPr lang="zh-TW" altLang="en-US" sz="1500" b="0" i="0" u="sng" kern="1200" dirty="0">
+            <a:solidFill>
+              <a:srgbClr val="FD8182"/>
+            </a:solidFill>
+            <a:latin typeface="微軟正黑體" panose="020B0604030504040204" pitchFamily="34" charset="-120"/>
+            <a:ea typeface="微軟正黑體" panose="020B0604030504040204" pitchFamily="34" charset="-120"/>
+          </a:endParaRPr>
+        </a:p>
+      </dsp:txBody>
+      <dsp:txXfrm>
+        <a:off x="7009601" y="1755596"/>
+        <a:ext cx="1081253" cy="671348"/>
+      </dsp:txXfrm>
+    </dsp:sp>
+  </dsp:spTree>
+</dsp:drawing>
+</file>
+
+<file path=ppt/diagrams/layout1.xml><?xml version="1.0" encoding="utf-8"?>
+<dgm:layoutDef xmlns:dgm="http://schemas.openxmlformats.org/drawingml/2006/diagram" xmlns:a="http://schemas.openxmlformats.org/drawingml/2006/main" uniqueId="urn:microsoft.com/office/officeart/2005/8/layout/hierarchy1">
+  <dgm:title val=""/>
+  <dgm:desc val=""/>
+  <dgm:catLst>
+    <dgm:cat type="hierarchy" pri="2000"/>
+  </dgm:catLst>
+  <dgm:sampData>
+    <dgm:dataModel>
+      <dgm:ptLst>
+        <dgm:pt modelId="0" type="doc"/>
+        <dgm:pt modelId="1">
+          <dgm:prSet phldr="1"/>
+        </dgm:pt>
+        <dgm:pt modelId="2">
+          <dgm:prSet phldr="1"/>
+        </dgm:pt>
+        <dgm:pt modelId="21">
+          <dgm:prSet phldr="1"/>
+        </dgm:pt>
+        <dgm:pt modelId="22">
+          <dgm:prSet phldr="1"/>
+        </dgm:pt>
+        <dgm:pt modelId="3">
+          <dgm:prSet phldr="1"/>
+        </dgm:pt>
+        <dgm:pt modelId="31">
+          <dgm:prSet phldr="1"/>
+        </dgm:pt>
+      </dgm:ptLst>
+      <dgm:cxnLst>
+        <dgm:cxn modelId="4" srcId="0" destId="1" srcOrd="0" destOrd="0"/>
+        <dgm:cxn modelId="5" srcId="1" destId="2" srcOrd="0" destOrd="0"/>
+        <dgm:cxn modelId="6" srcId="1" destId="3" srcOrd="1" destOrd="0"/>
+        <dgm:cxn modelId="23" srcId="2" destId="21" srcOrd="0" destOrd="0"/>
+        <dgm:cxn modelId="24" srcId="2" destId="22" srcOrd="1" destOrd="0"/>
+        <dgm:cxn modelId="33" srcId="3" destId="31" srcOrd="0" destOrd="0"/>
+      </dgm:cxnLst>
+      <dgm:bg/>
+      <dgm:whole/>
+    </dgm:dataModel>
+  </dgm:sampData>
+  <dgm:styleData>
+    <dgm:dataModel>
+      <dgm:ptLst>
+        <dgm:pt modelId="0" type="doc"/>
+        <dgm:pt modelId="1"/>
+        <dgm:pt modelId="11"/>
+        <dgm:pt modelId="12"/>
+      </dgm:ptLst>
+      <dgm:cxnLst>
+        <dgm:cxn modelId="2" srcId="0" destId="1" srcOrd="0" destOrd="0"/>
+        <dgm:cxn modelId="13" srcId="1" destId="11" srcOrd="0" destOrd="0"/>
+        <dgm:cxn modelId="14" srcId="1" destId="12" srcOrd="1" destOrd="0"/>
+      </dgm:cxnLst>
+      <dgm:bg/>
+      <dgm:whole/>
+    </dgm:dataModel>
+  </dgm:styleData>
+  <dgm:clrData>
+    <dgm:dataModel>
+      <dgm:ptLst>
+        <dgm:pt modelId="0" type="doc"/>
+        <dgm:pt modelId="1"/>
+        <dgm:pt modelId="2"/>
+        <dgm:pt modelId="21"/>
+        <dgm:pt modelId="211"/>
+        <dgm:pt modelId="3"/>
+        <dgm:pt modelId="31"/>
+        <dgm:pt modelId="311"/>
+      </dgm:ptLst>
+      <dgm:cxnLst>
+        <dgm:cxn modelId="4" srcId="0" destId="1" srcOrd="0" destOrd="0"/>
+        <dgm:cxn modelId="5" srcId="1" destId="2" srcOrd="0" destOrd="0"/>
+        <dgm:cxn modelId="6" srcId="1" destId="3" srcOrd="1" destOrd="0"/>
+        <dgm:cxn modelId="23" srcId="2" destId="21" srcOrd="0" destOrd="0"/>
+        <dgm:cxn modelId="24" srcId="21" destId="211" srcOrd="0" destOrd="0"/>
+        <dgm:cxn modelId="33" srcId="3" destId="31" srcOrd="0" destOrd="0"/>
+        <dgm:cxn modelId="34" srcId="31" destId="311" srcOrd="0" destOrd="0"/>
+      </dgm:cxnLst>
+      <dgm:bg/>
+      <dgm:whole/>
+    </dgm:dataModel>
+  </dgm:clrData>
+  <dgm:layoutNode name="hierChild1">
+    <dgm:varLst>
+      <dgm:chPref val="1"/>
+      <dgm:dir/>
+      <dgm:animOne val="branch"/>
+      <dgm:animLvl val="lvl"/>
+      <dgm:resizeHandles/>
+    </dgm:varLst>
+    <dgm:choose name="Name0">
+      <dgm:if name="Name1" func="var" arg="dir" op="equ" val="norm">
+        <dgm:alg type="hierChild">
+          <dgm:param type="linDir" val="fromL"/>
+        </dgm:alg>
+      </dgm:if>
+      <dgm:else name="Name2">
+        <dgm:alg type="hierChild">
+          <dgm:param type="linDir" val="fromR"/>
+        </dgm:alg>
+      </dgm:else>
+    </dgm:choose>
+    <dgm:shape xmlns:r="http://schemas.openxmlformats.org/officeDocument/2006/relationships" r:blip="">
+      <dgm:adjLst/>
+    </dgm:shape>
+    <dgm:presOf/>
+    <dgm:constrLst>
+      <dgm:constr type="primFontSz" for="des" ptType="node" op="equ" val="65"/>
+      <dgm:constr type="w" for="des" forName="composite" refType="w"/>
+      <dgm:constr type="h" for="des" forName="composite" refType="w" refFor="des" refForName="composite" fact="0.667"/>
+      <dgm:constr type="w" for="des" forName="composite2" refType="w" refFor="des" refForName="composite"/>
+      <dgm:constr type="h" for="des" forName="composite2" refType="h" refFor="des" refForName="composite"/>
+      <dgm:constr type="w" for="des" forName="composite3" refType="w" refFor="des" refForName="composite"/>
+      <dgm:constr type="h" for="des" forName="composite3" refType="h" refFor="des" refForName="composite"/>
+      <dgm:constr type="w" for="des" forName="composite4" refType="w" refFor="des" refForName="composite"/>
+      <dgm:constr type="h" for="des" forName="composite4" refType="h" refFor="des" refForName="composite"/>
+      <dgm:constr type="w" for="des" forName="composite5" refType="w" refFor="des" refForName="composite"/>
+      <dgm:constr type="h" for="des" forName="composite5" refType="h" refFor="des" refForName="composite"/>
+      <dgm:constr type="sibSp" refType="w" refFor="des" refForName="composite" fact="0.1"/>
+      <dgm:constr type="sibSp" for="des" forName="hierChild2" refType="sibSp"/>
+      <dgm:constr type="sibSp" for="des" forName="hierChild3" refType="sibSp"/>
+      <dgm:constr type="sibSp" for="des" forName="hierChild4" refType="sibSp"/>
+      <dgm:constr type="sibSp" for="des" forName="hierChild5" refType="sibSp"/>
+      <dgm:constr type="sibSp" for="des" forName="hierChild6" refType="sibSp"/>
+      <dgm:constr type="sp" for="des" forName="hierRoot1" refType="h" refFor="des" refForName="composite" fact="0.25"/>
+      <dgm:constr type="sp" for="des" forName="hierRoot2" refType="sp" refFor="des" refForName="hierRoot1"/>
+      <dgm:constr type="sp" for="des" forName="hierRoot3" refType="sp" refFor="des" refForName="hierRoot1"/>
+      <dgm:constr type="sp" for="des" forName="hierRoot4" refType="sp" refFor="des" refForName="hierRoot1"/>
+      <dgm:constr type="sp" for="des" forName="hierRoot5" refType="sp" refFor="des" refForName="hierRoot1"/>
+    </dgm:constrLst>
+    <dgm:ruleLst/>
+    <dgm:forEach name="Name3" axis="ch">
+      <dgm:forEach name="Name4" axis="self" ptType="node">
+        <dgm:layoutNode name="hierRoot1">
+          <dgm:alg type="hierRoot"/>
+          <dgm:shape xmlns:r="http://schemas.openxmlformats.org/officeDocument/2006/relationships" r:blip="">
+            <dgm:adjLst/>
+          </dgm:shape>
+          <dgm:presOf/>
+          <dgm:constrLst>
+            <dgm:constr type="bendDist" for="des" ptType="parTrans" refType="sp" fact="0.5"/>
+          </dgm:constrLst>
+          <dgm:ruleLst/>
+          <dgm:layoutNode name="composite">
+            <dgm:alg type="composite"/>
+            <dgm:shape xmlns:r="http://schemas.openxmlformats.org/officeDocument/2006/relationships" r:blip="">
+              <dgm:adjLst/>
+            </dgm:shape>
+            <dgm:presOf/>
+            <dgm:constrLst>
+              <dgm:constr type="w" for="ch" forName="background" refType="w" fact="0.9"/>
+              <dgm:constr type="h" for="ch" forName="background" refType="w" refFor="ch" refForName="background" fact="0.635"/>
+              <dgm:constr type="t" for="ch" forName="background"/>
+              <dgm:constr type="l" for="ch" forName="background"/>
+              <dgm:constr type="w" for="ch" forName="text" refType="w" fact="0.9"/>
+              <dgm:constr type="h" for="ch" forName="text" refType="w" refFor="ch" refForName="text" fact="0.635"/>
+              <dgm:constr type="t" for="ch" forName="text" refType="w" fact="0.095"/>
+              <dgm:constr type="l" for="ch" forName="text" refType="w" fact="0.1"/>
+            </dgm:constrLst>
+            <dgm:ruleLst/>
+            <dgm:layoutNode name="background" styleLbl="node0" moveWith="text">
+              <dgm:alg type="sp"/>
+              <dgm:shape xmlns:r="http://schemas.openxmlformats.org/officeDocument/2006/relationships" type="roundRect" r:blip="">
+                <dgm:adjLst>
+                  <dgm:adj idx="1" val="0.1"/>
+                </dgm:adjLst>
+              </dgm:shape>
+              <dgm:presOf/>
+              <dgm:constrLst/>
+              <dgm:ruleLst/>
+            </dgm:layoutNode>
+            <dgm:layoutNode name="text" styleLbl="fgAcc0">
+              <dgm:varLst>
+                <dgm:chPref val="3"/>
+              </dgm:varLst>
+              <dgm:alg type="tx"/>
+              <dgm:shape xmlns:r="http://schemas.openxmlformats.org/officeDocument/2006/relationships" type="roundRect" r:blip="">
+                <dgm:adjLst>
+                  <dgm:adj idx="1" val="0.1"/>
+                </dgm:adjLst>
+              </dgm:shape>
+              <dgm:presOf axis="self"/>
+              <dgm:constrLst>
+                <dgm:constr type="tMarg" refType="primFontSz" fact="0.3"/>
+                <dgm:constr type="bMarg" refType="primFontSz" fact="0.3"/>
+                <dgm:constr type="lMarg" refType="primFontSz" fact="0.3"/>
+                <dgm:constr type="rMarg" refType="primFontSz" fact="0.3"/>
+              </dgm:constrLst>
+              <dgm:ruleLst>
+                <dgm:rule type="primFontSz" val="5" fact="NaN" max="NaN"/>
+              </dgm:ruleLst>
+            </dgm:layoutNode>
+          </dgm:layoutNode>
+          <dgm:layoutNode name="hierChild2">
+            <dgm:choose name="Name5">
+              <dgm:if name="Name6" func="var" arg="dir" op="equ" val="norm">
+                <dgm:alg type="hierChild">
+                  <dgm:param type="linDir" val="fromL"/>
+                </dgm:alg>
+              </dgm:if>
+              <dgm:else name="Name7">
+                <dgm:alg type="hierChild">
+                  <dgm:param type="linDir" val="fromR"/>
+                </dgm:alg>
+              </dgm:else>
+            </dgm:choose>
+            <dgm:shape xmlns:r="http://schemas.openxmlformats.org/officeDocument/2006/relationships" r:blip="">
+              <dgm:adjLst/>
+            </dgm:shape>
+            <dgm:presOf/>
+            <dgm:constrLst/>
+            <dgm:ruleLst/>
+            <dgm:forEach name="Name8" axis="ch">
+              <dgm:forEach name="Name9" axis="self" ptType="parTrans" cnt="1">
+                <dgm:layoutNode name="Name10">
+                  <dgm:alg type="conn">
+                    <dgm:param type="dim" val="1D"/>
+                    <dgm:param type="endSty" val="noArr"/>
+                    <dgm:param type="connRout" val="bend"/>
+                    <dgm:param type="bendPt" val="end"/>
+                    <dgm:param type="begPts" val="bCtr"/>
+                    <dgm:param type="endPts" val="tCtr"/>
+                    <dgm:param type="srcNode" val="background"/>
+                    <dgm:param type="dstNode" val="background2"/>
+                  </dgm:alg>
+                  <dgm:shape xmlns:r="http://schemas.openxmlformats.org/officeDocument/2006/relationships" type="conn" r:blip="" zOrderOff="-999">
+                    <dgm:adjLst/>
+                  </dgm:shape>
+                  <dgm:presOf axis="self"/>
+                  <dgm:constrLst>
+                    <dgm:constr type="begPad"/>
+                    <dgm:constr type="endPad"/>
+                  </dgm:constrLst>
+                  <dgm:ruleLst/>
+                </dgm:layoutNode>
+              </dgm:forEach>
+              <dgm:forEach name="Name11" axis="self" ptType="node">
+                <dgm:layoutNode name="hierRoot2">
+                  <dgm:alg type="hierRoot"/>
+                  <dgm:shape xmlns:r="http://schemas.openxmlformats.org/officeDocument/2006/relationships" r:blip="">
+                    <dgm:adjLst/>
+                  </dgm:shape>
+                  <dgm:presOf/>
+                  <dgm:constrLst>
+                    <dgm:constr type="bendDist" for="des" ptType="parTrans" refType="sp" fact="0.5"/>
+                  </dgm:constrLst>
+                  <dgm:ruleLst/>
+                  <dgm:layoutNode name="composite2">
+                    <dgm:alg type="composite"/>
+                    <dgm:shape xmlns:r="http://schemas.openxmlformats.org/officeDocument/2006/relationships" r:blip="">
+                      <dgm:adjLst/>
+                    </dgm:shape>
+                    <dgm:presOf/>
+                    <dgm:constrLst>
+                      <dgm:constr type="w" for="ch" forName="background2" refType="w" fact="0.9"/>
+                      <dgm:constr type="h" for="ch" forName="background2" refType="w" refFor="ch" refForName="background2" fact="0.635"/>
+                      <dgm:constr type="t" for="ch" forName="background2"/>
+                      <dgm:constr type="l" for="ch" forName="background2"/>
+                      <dgm:constr type="w" for="ch" forName="text2" refType="w" fact="0.9"/>
+                      <dgm:constr type="h" for="ch" forName="text2" refType="w" refFor="ch" refForName="text2" fact="0.635"/>
+                      <dgm:constr type="t" for="ch" forName="text2" refType="w" fact="0.095"/>
+                      <dgm:constr type="l" for="ch" forName="text2" refType="w" fact="0.1"/>
+                    </dgm:constrLst>
+                    <dgm:ruleLst/>
+                    <dgm:layoutNode name="background2" moveWith="text2">
+                      <dgm:alg type="sp"/>
+                      <dgm:shape xmlns:r="http://schemas.openxmlformats.org/officeDocument/2006/relationships" type="roundRect" r:blip="">
+                        <dgm:adjLst>
+                          <dgm:adj idx="1" val="0.1"/>
+                        </dgm:adjLst>
+                      </dgm:shape>
+                      <dgm:presOf/>
+                      <dgm:constrLst/>
+                      <dgm:ruleLst/>
+                    </dgm:layoutNode>
+                    <dgm:layoutNode name="text2" styleLbl="fgAcc2">
+                      <dgm:varLst>
+                        <dgm:chPref val="3"/>
+                      </dgm:varLst>
+                      <dgm:alg type="tx"/>
+                      <dgm:shape xmlns:r="http://schemas.openxmlformats.org/officeDocument/2006/relationships" type="roundRect" r:blip="">
+                        <dgm:adjLst>
+                          <dgm:adj idx="1" val="0.1"/>
+                        </dgm:adjLst>
+                      </dgm:shape>
+                      <dgm:presOf axis="self"/>
+                      <dgm:constrLst>
+                        <dgm:constr type="tMarg" refType="primFontSz" fact="0.3"/>
+                        <dgm:constr type="bMarg" refType="primFontSz" fact="0.3"/>
+                        <dgm:constr type="lMarg" refType="primFontSz" fact="0.3"/>
+                        <dgm:constr type="rMarg" refType="primFontSz" fact="0.3"/>
+                      </dgm:constrLst>
+                      <dgm:ruleLst>
+                        <dgm:rule type="primFontSz" val="5" fact="NaN" max="NaN"/>
+                      </dgm:ruleLst>
+                    </dgm:layoutNode>
+                  </dgm:layoutNode>
+                  <dgm:layoutNode name="hierChild3">
+                    <dgm:choose name="Name12">
+                      <dgm:if name="Name13" func="var" arg="dir" op="equ" val="norm">
+                        <dgm:alg type="hierChild">
+                          <dgm:param type="linDir" val="fromL"/>
+                        </dgm:alg>
+                      </dgm:if>
+                      <dgm:else name="Name14">
+                        <dgm:alg type="hierChild">
+                          <dgm:param type="linDir" val="fromR"/>
+                        </dgm:alg>
+                      </dgm:else>
+                    </dgm:choose>
+                    <dgm:shape xmlns:r="http://schemas.openxmlformats.org/officeDocument/2006/relationships" r:blip="">
+                      <dgm:adjLst/>
+                    </dgm:shape>
+                    <dgm:presOf/>
+                    <dgm:constrLst/>
+                    <dgm:ruleLst/>
+                    <dgm:forEach name="Name15" axis="ch">
+                      <dgm:forEach name="Name16" axis="self" ptType="parTrans" cnt="1">
+                        <dgm:layoutNode name="Name17">
+                          <dgm:alg type="conn">
+                            <dgm:param type="dim" val="1D"/>
+                            <dgm:param type="endSty" val="noArr"/>
+                            <dgm:param type="connRout" val="bend"/>
+                            <dgm:param type="bendPt" val="end"/>
+                            <dgm:param type="begPts" val="bCtr"/>
+                            <dgm:param type="endPts" val="tCtr"/>
+                            <dgm:param type="srcNode" val="background2"/>
+                            <dgm:param type="dstNode" val="background3"/>
+                          </dgm:alg>
+                          <dgm:shape xmlns:r="http://schemas.openxmlformats.org/officeDocument/2006/relationships" type="conn" r:blip="" zOrderOff="-999">
+                            <dgm:adjLst/>
+                          </dgm:shape>
+                          <dgm:presOf axis="self"/>
+                          <dgm:constrLst>
+                            <dgm:constr type="begPad"/>
+                            <dgm:constr type="endPad"/>
+                          </dgm:constrLst>
+                          <dgm:ruleLst/>
+                        </dgm:layoutNode>
+                      </dgm:forEach>
+                      <dgm:forEach name="Name18" axis="self" ptType="node">
+                        <dgm:layoutNode name="hierRoot3">
+                          <dgm:alg type="hierRoot"/>
+                          <dgm:shape xmlns:r="http://schemas.openxmlformats.org/officeDocument/2006/relationships" r:blip="">
+                            <dgm:adjLst/>
+                          </dgm:shape>
+                          <dgm:presOf/>
+                          <dgm:constrLst>
+                            <dgm:constr type="bendDist" for="des" ptType="parTrans" refType="sp" fact="0.5"/>
+                          </dgm:constrLst>
+                          <dgm:ruleLst/>
+                          <dgm:layoutNode name="composite3">
+                            <dgm:alg type="composite"/>
+                            <dgm:shape xmlns:r="http://schemas.openxmlformats.org/officeDocument/2006/relationships" r:blip="">
+                              <dgm:adjLst/>
+                            </dgm:shape>
+                            <dgm:presOf/>
+                            <dgm:constrLst>
+                              <dgm:constr type="w" for="ch" forName="background3" refType="w" fact="0.9"/>
+                              <dgm:constr type="h" for="ch" forName="background3" refType="w" refFor="ch" refForName="background3" fact="0.635"/>
+                              <dgm:constr type="t" for="ch" forName="background3"/>
+                              <dgm:constr type="l" for="ch" forName="background3"/>
+                              <dgm:constr type="w" for="ch" forName="text3" refType="w" fact="0.9"/>
+                              <dgm:constr type="h" for="ch" forName="text3" refType="w" refFor="ch" refForName="text3" fact="0.635"/>
+                              <dgm:constr type="t" for="ch" forName="text3" refType="w" fact="0.095"/>
+                              <dgm:constr type="l" for="ch" forName="text3" refType="w" fact="0.1"/>
+                            </dgm:constrLst>
+                            <dgm:ruleLst/>
+                            <dgm:layoutNode name="background3" moveWith="text3">
+                              <dgm:alg type="sp"/>
+                              <dgm:shape xmlns:r="http://schemas.openxmlformats.org/officeDocument/2006/relationships" type="roundRect" r:blip="">
+                                <dgm:adjLst>
+                                  <dgm:adj idx="1" val="0.1"/>
+                                </dgm:adjLst>
+                              </dgm:shape>
+                              <dgm:presOf/>
+                              <dgm:constrLst/>
+                              <dgm:ruleLst/>
+                            </dgm:layoutNode>
+                            <dgm:layoutNode name="text3" styleLbl="fgAcc3">
+                              <dgm:varLst>
+                                <dgm:chPref val="3"/>
+                              </dgm:varLst>
+                              <dgm:alg type="tx"/>
+                              <dgm:shape xmlns:r="http://schemas.openxmlformats.org/officeDocument/2006/relationships" type="roundRect" r:blip="">
+                                <dgm:adjLst>
+                                  <dgm:adj idx="1" val="0.1"/>
+                                </dgm:adjLst>
+                              </dgm:shape>
+                              <dgm:presOf axis="self"/>
+                              <dgm:constrLst>
+                                <dgm:constr type="tMarg" refType="primFontSz" fact="0.3"/>
+                                <dgm:constr type="bMarg" refType="primFontSz" fact="0.3"/>
+                                <dgm:constr type="lMarg" refType="primFontSz" fact="0.3"/>
+                                <dgm:constr type="rMarg" refType="primFontSz" fact="0.3"/>
+                              </dgm:constrLst>
+                              <dgm:ruleLst>
+                                <dgm:rule type="primFontSz" val="5" fact="NaN" max="NaN"/>
+                              </dgm:ruleLst>
+                            </dgm:layoutNode>
+                          </dgm:layoutNode>
+                          <dgm:layoutNode name="hierChild4">
+                            <dgm:choose name="Name19">
+                              <dgm:if name="Name20" func="var" arg="dir" op="equ" val="norm">
+                                <dgm:alg type="hierChild">
+                                  <dgm:param type="linDir" val="fromL"/>
+                                </dgm:alg>
+                              </dgm:if>
+                              <dgm:else name="Name21">
+                                <dgm:alg type="hierChild">
+                                  <dgm:param type="linDir" val="fromR"/>
+                                </dgm:alg>
+                              </dgm:else>
+                            </dgm:choose>
+                            <dgm:shape xmlns:r="http://schemas.openxmlformats.org/officeDocument/2006/relationships" r:blip="">
+                              <dgm:adjLst/>
+                            </dgm:shape>
+                            <dgm:presOf/>
+                            <dgm:constrLst/>
+                            <dgm:ruleLst/>
+                            <dgm:forEach name="repeat" axis="ch">
+                              <dgm:forEach name="Name22" axis="self" ptType="parTrans" cnt="1">
+                                <dgm:layoutNode name="Name23">
+                                  <dgm:choose name="Name24">
+                                    <dgm:if name="Name25" axis="self" func="depth" op="lte" val="4">
+                                      <dgm:alg type="conn">
+                                        <dgm:param type="dim" val="1D"/>
+                                        <dgm:param type="endSty" val="noArr"/>
+                                        <dgm:param type="connRout" val="bend"/>
+                                        <dgm:param type="bendPt" val="end"/>
+                                        <dgm:param type="begPts" val="bCtr"/>
+                                        <dgm:param type="endPts" val="tCtr"/>
+                                        <dgm:param type="srcNode" val="background3"/>
+                                        <dgm:param type="dstNode" val="background4"/>
+                                      </dgm:alg>
+                                    </dgm:if>
+                                    <dgm:else name="Name26">
+                                      <dgm:alg type="conn">
+                                        <dgm:param type="dim" val="1D"/>
+                                        <dgm:param type="endSty" val="noArr"/>
+                                        <dgm:param type="connRout" val="bend"/>
+                                        <dgm:param type="bendPt" val="end"/>
+                                        <dgm:param type="begPts" val="bCtr"/>
+                                        <dgm:param type="endPts" val="tCtr"/>
+                                        <dgm:param type="srcNode" val="background4"/>
+                                        <dgm:param type="dstNode" val="background4"/>
+                                      </dgm:alg>
+                                    </dgm:else>
+                                  </dgm:choose>
+                                  <dgm:shape xmlns:r="http://schemas.openxmlformats.org/officeDocument/2006/relationships" type="conn" r:blip="" zOrderOff="-999">
+                                    <dgm:adjLst/>
+                                  </dgm:shape>
+                                  <dgm:presOf axis="self"/>
+                                  <dgm:constrLst>
+                                    <dgm:constr type="begPad"/>
+                                    <dgm:constr type="endPad"/>
+                                  </dgm:constrLst>
+                                  <dgm:ruleLst/>
+                                </dgm:layoutNode>
+                              </dgm:forEach>
+                              <dgm:forEach name="Name27" axis="self" ptType="node">
+                                <dgm:layoutNode name="hierRoot4">
+                                  <dgm:alg type="hierRoot"/>
+                                  <dgm:shape xmlns:r="http://schemas.openxmlformats.org/officeDocument/2006/relationships" r:blip="">
+                                    <dgm:adjLst/>
+                                  </dgm:shape>
+                                  <dgm:presOf/>
+                                  <dgm:constrLst>
+                                    <dgm:constr type="bendDist" for="des" ptType="parTrans" refType="sp" fact="0.5"/>
+                                  </dgm:constrLst>
+                                  <dgm:ruleLst/>
+                                  <dgm:layoutNode name="composite4">
+                                    <dgm:alg type="composite"/>
+                                    <dgm:shape xmlns:r="http://schemas.openxmlformats.org/officeDocument/2006/relationships" r:blip="">
+                                      <dgm:adjLst/>
+                                    </dgm:shape>
+                                    <dgm:presOf/>
+                                    <dgm:constrLst>
+                                      <dgm:constr type="w" for="ch" forName="background4" refType="w" fact="0.9"/>
+                                      <dgm:constr type="h" for="ch" forName="background4" refType="w" refFor="ch" refForName="background4" fact="0.635"/>
+                                      <dgm:constr type="t" for="ch" forName="background4"/>
+                                      <dgm:constr type="l" for="ch" forName="background4"/>
+                                      <dgm:constr type="w" for="ch" forName="text4" refType="w" fact="0.9"/>
+                                      <dgm:constr type="h" for="ch" forName="text4" refType="w" refFor="ch" refForName="text4" fact="0.635"/>
+                                      <dgm:constr type="t" for="ch" forName="text4" refType="w" fact="0.095"/>
+                                      <dgm:constr type="l" for="ch" forName="text4" refType="w" fact="0.1"/>
+                                    </dgm:constrLst>
+                                    <dgm:ruleLst/>
+                                    <dgm:layoutNode name="background4" moveWith="text4">
+                                      <dgm:alg type="sp"/>
+                                      <dgm:shape xmlns:r="http://schemas.openxmlformats.org/officeDocument/2006/relationships" type="roundRect" r:blip="">
+                                        <dgm:adjLst>
+                                          <dgm:adj idx="1" val="0.1"/>
+                                        </dgm:adjLst>
+                                      </dgm:shape>
+                                      <dgm:presOf/>
+                                      <dgm:constrLst/>
+                                      <dgm:ruleLst/>
+                                    </dgm:layoutNode>
+                                    <dgm:layoutNode name="text4" styleLbl="fgAcc4">
+                                      <dgm:varLst>
+                                        <dgm:chPref val="3"/>
+                                      </dgm:varLst>
+                                      <dgm:alg type="tx"/>
+                                      <dgm:shape xmlns:r="http://schemas.openxmlformats.org/officeDocument/2006/relationships" type="roundRect" r:blip="">
+                                        <dgm:adjLst>
+                                          <dgm:adj idx="1" val="0.1"/>
+                                        </dgm:adjLst>
+                                      </dgm:shape>
+                                      <dgm:presOf axis="self"/>
+                                      <dgm:constrLst>
+                                        <dgm:constr type="tMarg" refType="primFontSz" fact="0.3"/>
+                                        <dgm:constr type="bMarg" refType="primFontSz" fact="0.3"/>
+                                        <dgm:constr type="lMarg" refType="primFontSz" fact="0.3"/>
+                                        <dgm:constr type="rMarg" refType="primFontSz" fact="0.3"/>
+                                      </dgm:constrLst>
+                                      <dgm:ruleLst>
+                                        <dgm:rule type="primFontSz" val="5" fact="NaN" max="NaN"/>
+                                      </dgm:ruleLst>
+                                    </dgm:layoutNode>
+                                  </dgm:layoutNode>
+                                  <dgm:layoutNode name="hierChild5">
+                                    <dgm:choose name="Name28">
+                                      <dgm:if name="Name29" func="var" arg="dir" op="equ" val="norm">
+                                        <dgm:alg type="hierChild">
+                                          <dgm:param type="linDir" val="fromL"/>
+                                        </dgm:alg>
+                                      </dgm:if>
+                                      <dgm:else name="Name30">
+                                        <dgm:alg type="hierChild">
+                                          <dgm:param type="linDir" val="fromR"/>
+                                        </dgm:alg>
+                                      </dgm:else>
+                                    </dgm:choose>
+                                    <dgm:shape xmlns:r="http://schemas.openxmlformats.org/officeDocument/2006/relationships" r:blip="">
+                                      <dgm:adjLst/>
+                                    </dgm:shape>
+                                    <dgm:presOf/>
+                                    <dgm:constrLst/>
+                                    <dgm:ruleLst/>
+                                    <dgm:forEach name="Name31" ref="repeat"/>
+                                  </dgm:layoutNode>
+                                </dgm:layoutNode>
+                              </dgm:forEach>
+                            </dgm:forEach>
+                          </dgm:layoutNode>
+                        </dgm:layoutNode>
+                      </dgm:forEach>
+                    </dgm:forEach>
+                  </dgm:layoutNode>
+                </dgm:layoutNode>
+              </dgm:forEach>
+            </dgm:forEach>
+          </dgm:layoutNode>
+        </dgm:layoutNode>
+      </dgm:forEach>
+    </dgm:forEach>
+  </dgm:layoutNode>
+</dgm:layoutDef>
+</file>
+
+<file path=ppt/diagrams/quickStyle1.xml><?xml version="1.0" encoding="utf-8"?>
+<dgm:styleDef xmlns:dgm="http://schemas.openxmlformats.org/drawingml/2006/diagram" xmlns:a="http://schemas.openxmlformats.org/drawingml/2006/main" uniqueId="urn:microsoft.com/office/officeart/2005/8/quickstyle/simple1">
+  <dgm:title val=""/>
+  <dgm:desc val=""/>
+  <dgm:catLst>
+    <dgm:cat type="simple" pri="10100"/>
+  </dgm:catLst>
+  <dgm:scene3d>
+    <a:camera prst="orthographicFront"/>
+    <a:lightRig rig="threePt" dir="t"/>
+  </dgm:scene3d>
+  <dgm:styleLbl name="node0">
+    <dgm:scene3d>
+      <a:camera prst="orthographicFront"/>
+      <a:lightRig rig="threePt" dir="t"/>
+    </dgm:scene3d>
+    <dgm:sp3d/>
+    <dgm:txPr/>
+    <dgm:style>
+      <a:lnRef idx="2">
+        <a:scrgbClr r="0" g="0" b="0"/>
+      </a:lnRef>
+      <a:fillRef idx="1">
+        <a:scrgbClr r="0" g="0" b="0"/>
+      </a:fillRef>
+      <a:effectRef idx="0">
+        <a:scrgbClr r="0" g="0" b="0"/>
+      </a:effectRef>
+      <a:fontRef idx="minor">
+        <a:schemeClr val="lt1"/>
+      </a:fontRef>
+    </dgm:style>
+  </dgm:styleLbl>
+  <dgm:styleLbl name="lnNode1">
+    <dgm:scene3d>
+      <a:camera prst="orthographicFront"/>
+      <a:lightRig rig="threePt" dir="t"/>
+    </dgm:scene3d>
+    <dgm:sp3d/>
+    <dgm:txPr/>
+    <dgm:style>
+      <a:lnRef idx="2">
+        <a:scrgbClr r="0" g="0" b="0"/>
+      </a:lnRef>
+      <a:fillRef idx="1">
+        <a:scrgbClr r="0" g="0" b="0"/>
+      </a:fillRef>
+      <a:effectRef idx="0">
+        <a:scrgbClr r="0" g="0" b="0"/>
+      </a:effectRef>
+      <a:fontRef idx="minor">
+        <a:schemeClr val="lt1"/>
+      </a:fontRef>
+    </dgm:style>
+  </dgm:styleLbl>
+  <dgm:styleLbl name="vennNode1">
+    <dgm:scene3d>
+      <a:camera prst="orthographicFront"/>
+      <a:lightRig rig="threePt" dir="t"/>
+    </dgm:scene3d>
+    <dgm:sp3d/>
+    <dgm:txPr/>
+    <dgm:style>
+      <a:lnRef idx="2">
+        <a:scrgbClr r="0" g="0" b="0"/>
+      </a:lnRef>
+      <a:fillRef idx="1">
+        <a:scrgbClr r="0" g="0" b="0"/>
+      </a:fillRef>
+      <a:effectRef idx="0">
+        <a:scrgbClr r="0" g="0" b="0"/>
+      </a:effectRef>
+      <a:fontRef idx="minor">
+        <a:schemeClr val="tx1"/>
+      </a:fontRef>
+    </dgm:style>
+  </dgm:styleLbl>
+  <dgm:styleLbl name="alignNode1">
+    <dgm:scene3d>
+      <a:camera prst="orthographicFront"/>
+      <a:lightRig rig="threePt" dir="t"/>
+    </dgm:scene3d>
+    <dgm:sp3d/>
+    <dgm:txPr/>
+    <dgm:style>
+      <a:lnRef idx="2">
+        <a:scrgbClr r="0" g="0" b="0"/>
+      </a:lnRef>
+      <a:fillRef idx="1">
+        <a:scrgbClr r="0" g="0" b="0"/>
+      </a:fillRef>
+      <a:effectRef idx="0">
+        <a:scrgbClr r="0" g="0" b="0"/>
+      </a:effectRef>
+      <a:fontRef idx="minor">
+        <a:schemeClr val="lt1"/>
+      </a:fontRef>
+    </dgm:style>
+  </dgm:styleLbl>
+  <dgm:styleLbl name="node1">
+    <dgm:scene3d>
+      <a:camera prst="orthographicFront"/>
+      <a:lightRig rig="threePt" dir="t"/>
+    </dgm:scene3d>
+    <dgm:sp3d/>
+    <dgm:txPr/>
+    <dgm:style>
+      <a:lnRef idx="2">
+        <a:scrgbClr r="0" g="0" b="0"/>
+      </a:lnRef>
+      <a:fillRef idx="1">
+        <a:scrgbClr r="0" g="0" b="0"/>
+      </a:fillRef>
+      <a:effectRef idx="0">
+        <a:scrgbClr r="0" g="0" b="0"/>
+      </a:effectRef>
+      <a:fontRef idx="minor">
+        <a:schemeClr val="lt1"/>
+      </a:fontRef>
+    </dgm:style>
+  </dgm:styleLbl>
+  <dgm:styleLbl name="node2">
+    <dgm:scene3d>
+      <a:camera prst="orthographicFront"/>
+      <a:lightRig rig="threePt" dir="t"/>
+    </dgm:scene3d>
+    <dgm:sp3d/>
+    <dgm:txPr/>
+    <dgm:style>
+      <a:lnRef idx="2">
+        <a:scrgbClr r="0" g="0" b="0"/>
+      </a:lnRef>
+      <a:fillRef idx="1">
+        <a:scrgbClr r="0" g="0" b="0"/>
+      </a:fillRef>
+      <a:effectRef idx="0">
+        <a:scrgbClr r="0" g="0" b="0"/>
+      </a:effectRef>
+      <a:fontRef idx="minor">
+        <a:schemeClr val="lt1"/>
+      </a:fontRef>
+    </dgm:style>
+  </dgm:styleLbl>
+  <dgm:styleLbl name="node3">
+    <dgm:scene3d>
+      <a:camera prst="orthographicFront"/>
+      <a:lightRig rig="threePt" dir="t"/>
+    </dgm:scene3d>
+    <dgm:sp3d/>
+    <dgm:txPr/>
+    <dgm:style>
+      <a:lnRef idx="2">
+        <a:scrgbClr r="0" g="0" b="0"/>
+      </a:lnRef>
+      <a:fillRef idx="1">
+        <a:scrgbClr r="0" g="0" b="0"/>
+      </a:fillRef>
+      <a:effectRef idx="0">
+        <a:scrgbClr r="0" g="0" b="0"/>
+      </a:effectRef>
+      <a:fontRef idx="minor">
+        <a:schemeClr val="lt1"/>
+      </a:fontRef>
+    </dgm:style>
+  </dgm:styleLbl>
+  <dgm:styleLbl name="node4">
+    <dgm:scene3d>
+      <a:camera prst="orthographicFront"/>
+      <a:lightRig rig="threePt" dir="t"/>
+    </dgm:scene3d>
+    <dgm:sp3d/>
+    <dgm:txPr/>
+    <dgm:style>
+      <a:lnRef idx="2">
+        <a:scrgbClr r="0" g="0" b="0"/>
+      </a:lnRef>
+      <a:fillRef idx="1">
+        <a:scrgbClr r="0" g="0" b="0"/>
+      </a:fillRef>
+      <a:effectRef idx="0">
+        <a:scrgbClr r="0" g="0" b="0"/>
+      </a:effectRef>
+      <a:fontRef idx="minor">
+        <a:schemeClr val="lt1"/>
+      </a:fontRef>
+    </dgm:style>
+  </dgm:styleLbl>
+  <dgm:styleLbl name="fgImgPlace1">
+    <dgm:scene3d>
+      <a:camera prst="orthographicFront"/>
+      <a:lightRig rig="threePt" dir="t"/>
+    </dgm:scene3d>
+    <dgm:sp3d/>
+    <dgm:txPr/>
+    <dgm:style>
+      <a:lnRef idx="2">
+        <a:scrgbClr r="0" g="0" b="0"/>
+      </a:lnRef>
+      <a:fillRef idx="1">
+        <a:scrgbClr r="0" g="0" b="0"/>
+      </a:fillRef>
+      <a:effectRef idx="0">
+        <a:scrgbClr r="0" g="0" b="0"/>
+      </a:effectRef>
+      <a:fontRef idx="minor"/>
+    </dgm:style>
+  </dgm:styleLbl>
+  <dgm:styleLbl name="alignImgPlace1">
+    <dgm:scene3d>
+      <a:camera prst="orthographicFront"/>
+      <a:lightRig rig="threePt" dir="t"/>
+    </dgm:scene3d>
+    <dgm:sp3d/>
+    <dgm:txPr/>
+    <dgm:style>
+      <a:lnRef idx="2">
+        <a:scrgbClr r="0" g="0" b="0"/>
+      </a:lnRef>
+      <a:fillRef idx="1">
+        <a:scrgbClr r="0" g="0" b="0"/>
+      </a:fillRef>
+      <a:effectRef idx="0">
+        <a:scrgbClr r="0" g="0" b="0"/>
+      </a:effectRef>
+      <a:fontRef idx="minor"/>
+    </dgm:style>
+  </dgm:styleLbl>
+  <dgm:styleLbl name="bgImgPlace1">
+    <dgm:scene3d>
+      <a:camera prst="orthographicFront"/>
+      <a:lightRig rig="threePt" dir="t"/>
+    </dgm:scene3d>
+    <dgm:sp3d/>
+    <dgm:txPr/>
+    <dgm:style>
+      <a:lnRef idx="2">
+        <a:scrgbClr r="0" g="0" b="0"/>
+      </a:lnRef>
+      <a:fillRef idx="1">
+        <a:scrgbClr r="0" g="0" b="0"/>
+      </a:fillRef>
+      <a:effectRef idx="0">
+        <a:scrgbClr r="0" g="0" b="0"/>
+      </a:effectRef>
+      <a:fontRef idx="minor"/>
+    </dgm:style>
+  </dgm:styleLbl>
+  <dgm:styleLbl name="sibTrans2D1">
+    <dgm:scene3d>
+      <a:camera prst="orthographicFront"/>
+      <a:lightRig rig="threePt" dir="t"/>
+    </dgm:scene3d>
+    <dgm:sp3d/>
+    <dgm:txPr/>
+    <dgm:style>
+      <a:lnRef idx="0">
+        <a:scrgbClr r="0" g="0" b="0"/>
+      </a:lnRef>
+      <a:fillRef idx="1">
+        <a:scrgbClr r="0" g="0" b="0"/>
+      </a:fillRef>
+      <a:effectRef idx="0">
+        <a:scrgbClr r="0" g="0" b="0"/>
+      </a:effectRef>
+      <a:fontRef idx="minor">
+        <a:schemeClr val="lt1"/>
+      </a:fontRef>
+    </dgm:style>
+  </dgm:styleLbl>
+  <dgm:styleLbl name="fgSibTrans2D1">
+    <dgm:scene3d>
+      <a:camera prst="orthographicFront"/>
+      <a:lightRig rig="threePt" dir="t"/>
+    </dgm:scene3d>
+    <dgm:sp3d/>
+    <dgm:txPr/>
+    <dgm:style>
+      <a:lnRef idx="0">
+        <a:scrgbClr r="0" g="0" b="0"/>
+      </a:lnRef>
+      <a:fillRef idx="1">
+        <a:scrgbClr r="0" g="0" b="0"/>
+      </a:fillRef>
+      <a:effectRef idx="0">
+        <a:scrgbClr r="0" g="0" b="0"/>
+      </a:effectRef>
+      <a:fontRef idx="minor">
+        <a:schemeClr val="lt1"/>
+      </a:fontRef>
+    </dgm:style>
+  </dgm:styleLbl>
+  <dgm:styleLbl name="bgSibTrans2D1">
+    <dgm:scene3d>
+      <a:camera prst="orthographicFront"/>
+      <a:lightRig rig="threePt" dir="t"/>
+    </dgm:scene3d>
+    <dgm:sp3d/>
+    <dgm:txPr/>
+    <dgm:style>
+      <a:lnRef idx="0">
+        <a:scrgbClr r="0" g="0" b="0"/>
+      </a:lnRef>
+      <a:fillRef idx="1">
+        <a:scrgbClr r="0" g="0" b="0"/>
+      </a:fillRef>
+      <a:effectRef idx="0">
+        <a:scrgbClr r="0" g="0" b="0"/>
+      </a:effectRef>
+      <a:fontRef idx="minor">
+        <a:schemeClr val="lt1"/>
+      </a:fontRef>
+    </dgm:style>
+  </dgm:styleLbl>
+  <dgm:styleLbl name="sibTrans1D1">
+    <dgm:scene3d>
+      <a:camera prst="orthographicFront"/>
+      <a:lightRig rig="threePt" dir="t"/>
+    </dgm:scene3d>
+    <dgm:sp3d/>
+    <dgm:txPr/>
+    <dgm:style>
+      <a:lnRef idx="1">
+        <a:scrgbClr r="0" g="0" b="0"/>
+      </a:lnRef>
+      <a:fillRef idx="0">
+        <a:scrgbClr r="0" g="0" b="0"/>
+      </a:fillRef>
+      <a:effectRef idx="0">
+        <a:scrgbClr r="0" g="0" b="0"/>
+      </a:effectRef>
+      <a:fontRef idx="minor"/>
+    </dgm:style>
+  </dgm:styleLbl>
+  <dgm:styleLbl name="callout">
+    <dgm:scene3d>
+      <a:camera prst="orthographicFront"/>
+      <a:lightRig rig="threePt" dir="t"/>
+    </dgm:scene3d>
+    <dgm:sp3d/>
+    <dgm:txPr/>
+    <dgm:style>
+      <a:lnRef idx="2">
+        <a:scrgbClr r="0" g="0" b="0"/>
+      </a:lnRef>
+      <a:fillRef idx="1">
+        <a:scrgbClr r="0" g="0" b="0"/>
+      </a:fillRef>
+      <a:effectRef idx="0">
+        <a:scrgbClr r="0" g="0" b="0"/>
+      </a:effectRef>
+      <a:fontRef idx="minor"/>
+    </dgm:style>
+  </dgm:styleLbl>
+  <dgm:styleLbl name="asst0">
+    <dgm:scene3d>
+      <a:camera prst="orthographicFront"/>
+      <a:lightRig rig="threePt" dir="t"/>
+    </dgm:scene3d>
+    <dgm:sp3d/>
+    <dgm:txPr/>
+    <dgm:style>
+      <a:lnRef idx="2">
+        <a:scrgbClr r="0" g="0" b="0"/>
+      </a:lnRef>
+      <a:fillRef idx="1">
+        <a:scrgbClr r="0" g="0" b="0"/>
+      </a:fillRef>
+      <a:effectRef idx="0">
+        <a:scrgbClr r="0" g="0" b="0"/>
+      </a:effectRef>
+      <a:fontRef idx="minor">
+        <a:schemeClr val="lt1"/>
+      </a:fontRef>
+    </dgm:style>
+  </dgm:styleLbl>
+  <dgm:styleLbl name="asst1">
+    <dgm:scene3d>
+      <a:camera prst="orthographicFront"/>
+      <a:lightRig rig="threePt" dir="t"/>
+    </dgm:scene3d>
+    <dgm:sp3d/>
+    <dgm:txPr/>
+    <dgm:style>
+      <a:lnRef idx="2">
+        <a:scrgbClr r="0" g="0" b="0"/>
+      </a:lnRef>
+      <a:fillRef idx="1">
+        <a:scrgbClr r="0" g="0" b="0"/>
+      </a:fillRef>
+      <a:effectRef idx="0">
+        <a:scrgbClr r="0" g="0" b="0"/>
+      </a:effectRef>
+      <a:fontRef idx="minor">
+        <a:schemeClr val="lt1"/>
+      </a:fontRef>
+    </dgm:style>
+  </dgm:styleLbl>
+  <dgm:styleLbl name="asst2">
+    <dgm:scene3d>
+      <a:camera prst="orthographicFront"/>
+      <a:lightRig rig="threePt" dir="t"/>
+    </dgm:scene3d>
+    <dgm:sp3d/>
+    <dgm:txPr/>
+    <dgm:style>
+      <a:lnRef idx="2">
+        <a:scrgbClr r="0" g="0" b="0"/>
+      </a:lnRef>
+      <a:fillRef idx="1">
+        <a:scrgbClr r="0" g="0" b="0"/>
+      </a:fillRef>
+      <a:effectRef idx="0">
+        <a:scrgbClr r="0" g="0" b="0"/>
+      </a:effectRef>
+      <a:fontRef idx="minor">
+        <a:schemeClr val="lt1"/>
+      </a:fontRef>
+    </dgm:style>
+  </dgm:styleLbl>
+  <dgm:styleLbl name="asst3">
+    <dgm:scene3d>
+      <a:camera prst="orthographicFront"/>
+      <a:lightRig rig="threePt" dir="t"/>
+    </dgm:scene3d>
+    <dgm:sp3d/>
+    <dgm:txPr/>
+    <dgm:style>
+      <a:lnRef idx="2">
+        <a:scrgbClr r="0" g="0" b="0"/>
+      </a:lnRef>
+      <a:fillRef idx="1">
+        <a:scrgbClr r="0" g="0" b="0"/>
+      </a:fillRef>
+      <a:effectRef idx="0">
+        <a:scrgbClr r="0" g="0" b="0"/>
+      </a:effectRef>
+      <a:fontRef idx="minor">
+        <a:schemeClr val="lt1"/>
+      </a:fontRef>
+    </dgm:style>
+  </dgm:styleLbl>
+  <dgm:styleLbl name="asst4">
+    <dgm:scene3d>
+      <a:camera prst="orthographicFront"/>
+      <a:lightRig rig="threePt" dir="t"/>
+    </dgm:scene3d>
+    <dgm:sp3d/>
+    <dgm:txPr/>
+    <dgm:style>
+      <a:lnRef idx="2">
+        <a:scrgbClr r="0" g="0" b="0"/>
+      </a:lnRef>
+      <a:fillRef idx="1">
+        <a:scrgbClr r="0" g="0" b="0"/>
+      </a:fillRef>
+      <a:effectRef idx="0">
+        <a:scrgbClr r="0" g="0" b="0"/>
+      </a:effectRef>
+      <a:fontRef idx="minor">
+        <a:schemeClr val="lt1"/>
+      </a:fontRef>
+    </dgm:style>
+  </dgm:styleLbl>
+  <dgm:styleLbl name="parChTrans2D1">
+    <dgm:scene3d>
+      <a:camera prst="orthographicFront"/>
+      <a:lightRig rig="threePt" dir="t"/>
+    </dgm:scene3d>
+    <dgm:sp3d/>
+    <dgm:txPr/>
+    <dgm:style>
+      <a:lnRef idx="2">
+        <a:scrgbClr r="0" g="0" b="0"/>
+      </a:lnRef>
+      <a:fillRef idx="1">
+        <a:scrgbClr r="0" g="0" b="0"/>
+      </a:fillRef>
+      <a:effectRef idx="0">
+        <a:scrgbClr r="0" g="0" b="0"/>
+      </a:effectRef>
+      <a:fontRef idx="minor">
+        <a:schemeClr val="lt1"/>
+      </a:fontRef>
+    </dgm:style>
+  </dgm:styleLbl>
+  <dgm:styleLbl name="parChTrans2D2">
+    <dgm:scene3d>
+      <a:camera prst="orthographicFront"/>
+      <a:lightRig rig="threePt" dir="t"/>
+    </dgm:scene3d>
+    <dgm:sp3d/>
+    <dgm:txPr/>
+    <dgm:style>
+      <a:lnRef idx="2">
+        <a:scrgbClr r="0" g="0" b="0"/>
+      </a:lnRef>
+      <a:fillRef idx="1">
+        <a:scrgbClr r="0" g="0" b="0"/>
+      </a:fillRef>
+      <a:effectRef idx="0">
+        <a:scrgbClr r="0" g="0" b="0"/>
+      </a:effectRef>
+      <a:fontRef idx="minor">
+        <a:schemeClr val="lt1"/>
+      </a:fontRef>
+    </dgm:style>
+  </dgm:styleLbl>
+  <dgm:styleLbl name="parChTrans2D3">
+    <dgm:scene3d>
+      <a:camera prst="orthographicFront"/>
+      <a:lightRig rig="threePt" dir="t"/>
+    </dgm:scene3d>
+    <dgm:sp3d/>
+    <dgm:txPr/>
+    <dgm:style>
+      <a:lnRef idx="2">
+        <a:scrgbClr r="0" g="0" b="0"/>
+      </a:lnRef>
+      <a:fillRef idx="1">
+        <a:scrgbClr r="0" g="0" b="0"/>
+      </a:fillRef>
+      <a:effectRef idx="0">
+        <a:scrgbClr r="0" g="0" b="0"/>
+      </a:effectRef>
+      <a:fontRef idx="minor">
+        <a:schemeClr val="lt1"/>
+      </a:fontRef>
+    </dgm:style>
+  </dgm:styleLbl>
+  <dgm:styleLbl name="parChTrans2D4">
+    <dgm:scene3d>
+      <a:camera prst="orthographicFront"/>
+      <a:lightRig rig="threePt" dir="t"/>
+    </dgm:scene3d>
+    <dgm:sp3d/>
+    <dgm:txPr/>
+    <dgm:style>
+      <a:lnRef idx="2">
+        <a:scrgbClr r="0" g="0" b="0"/>
+      </a:lnRef>
+      <a:fillRef idx="1">
+        <a:scrgbClr r="0" g="0" b="0"/>
+      </a:fillRef>
+      <a:effectRef idx="0">
+        <a:scrgbClr r="0" g="0" b="0"/>
+      </a:effectRef>
+      <a:fontRef idx="minor">
+        <a:schemeClr val="lt1"/>
+      </a:fontRef>
+    </dgm:style>
+  </dgm:styleLbl>
+  <dgm:styleLbl name="parChTrans1D1">
+    <dgm:scene3d>
+      <a:camera prst="orthographicFront"/>
+      <a:lightRig rig="threePt" dir="t"/>
+    </dgm:scene3d>
+    <dgm:sp3d/>
+    <dgm:txPr/>
+    <dgm:style>
+      <a:lnRef idx="2">
+        <a:scrgbClr r="0" g="0" b="0"/>
+      </a:lnRef>
+      <a:fillRef idx="0">
+        <a:scrgbClr r="0" g="0" b="0"/>
+      </a:fillRef>
+      <a:effectRef idx="0">
+        <a:scrgbClr r="0" g="0" b="0"/>
+      </a:effectRef>
+      <a:fontRef idx="minor"/>
+    </dgm:style>
+  </dgm:styleLbl>
+  <dgm:styleLbl name="parChTrans1D2">
+    <dgm:scene3d>
+      <a:camera prst="orthographicFront"/>
+      <a:lightRig rig="threePt" dir="t"/>
+    </dgm:scene3d>
+    <dgm:sp3d/>
+    <dgm:txPr/>
+    <dgm:style>
+      <a:lnRef idx="2">
+        <a:scrgbClr r="0" g="0" b="0"/>
+      </a:lnRef>
+      <a:fillRef idx="0">
+        <a:scrgbClr r="0" g="0" b="0"/>
+      </a:fillRef>
+      <a:effectRef idx="0">
+        <a:scrgbClr r="0" g="0" b="0"/>
+      </a:effectRef>
+      <a:fontRef idx="minor"/>
+    </dgm:style>
+  </dgm:styleLbl>
+  <dgm:styleLbl name="parChTrans1D3">
+    <dgm:scene3d>
+      <a:camera prst="orthographicFront"/>
+      <a:lightRig rig="threePt" dir="t"/>
+    </dgm:scene3d>
+    <dgm:sp3d/>
+    <dgm:txPr/>
+    <dgm:style>
+      <a:lnRef idx="2">
+        <a:scrgbClr r="0" g="0" b="0"/>
+      </a:lnRef>
+      <a:fillRef idx="0">
+        <a:scrgbClr r="0" g="0" b="0"/>
+      </a:fillRef>
+      <a:effectRef idx="0">
+        <a:scrgbClr r="0" g="0" b="0"/>
+      </a:effectRef>
+      <a:fontRef idx="minor"/>
+    </dgm:style>
+  </dgm:styleLbl>
+  <dgm:styleLbl name="parChTrans1D4">
+    <dgm:scene3d>
+      <a:camera prst="orthographicFront"/>
+      <a:lightRig rig="threePt" dir="t"/>
+    </dgm:scene3d>
+    <dgm:sp3d/>
+    <dgm:txPr/>
+    <dgm:style>
+      <a:lnRef idx="2">
+        <a:scrgbClr r="0" g="0" b="0"/>
+      </a:lnRef>
+      <a:fillRef idx="0">
+        <a:scrgbClr r="0" g="0" b="0"/>
+      </a:fillRef>
+      <a:effectRef idx="0">
+        <a:scrgbClr r="0" g="0" b="0"/>
+      </a:effectRef>
+      <a:fontRef idx="minor"/>
+    </dgm:style>
+  </dgm:styleLbl>
+  <dgm:styleLbl name="fgAcc1">
+    <dgm:scene3d>
+      <a:camera prst="orthographicFront"/>
+      <a:lightRig rig="threePt" dir="t"/>
+    </dgm:scene3d>
+    <dgm:sp3d/>
+    <dgm:txPr/>
+    <dgm:style>
+      <a:lnRef idx="2">
+        <a:scrgbClr r="0" g="0" b="0"/>
+      </a:lnRef>
+      <a:fillRef idx="1">
+        <a:scrgbClr r="0" g="0" b="0"/>
+      </a:fillRef>
+      <a:effectRef idx="0">
+        <a:scrgbClr r="0" g="0" b="0"/>
+      </a:effectRef>
+      <a:fontRef idx="minor"/>
+    </dgm:style>
+  </dgm:styleLbl>
+  <dgm:styleLbl name="conFgAcc1">
+    <dgm:scene3d>
+      <a:camera prst="orthographicFront"/>
+      <a:lightRig rig="threePt" dir="t"/>
+    </dgm:scene3d>
+    <dgm:sp3d/>
+    <dgm:txPr/>
+    <dgm:style>
+      <a:lnRef idx="2">
+        <a:scrgbClr r="0" g="0" b="0"/>
+      </a:lnRef>
+      <a:fillRef idx="1">
+        <a:scrgbClr r="0" g="0" b="0"/>
+      </a:fillRef>
+      <a:effectRef idx="0">
+        <a:scrgbClr r="0" g="0" b="0"/>
+      </a:effectRef>
+      <a:fontRef idx="minor"/>
+    </dgm:style>
+  </dgm:styleLbl>
+  <dgm:styleLbl name="alignAcc1">
+    <dgm:scene3d>
+      <a:camera prst="orthographicFront"/>
+      <a:lightRig rig="threePt" dir="t"/>
+    </dgm:scene3d>
+    <dgm:sp3d/>
+    <dgm:txPr/>
+    <dgm:style>
+      <a:lnRef idx="2">
+        <a:scrgbClr r="0" g="0" b="0"/>
+      </a:lnRef>
+      <a:fillRef idx="1">
+        <a:scrgbClr r="0" g="0" b="0"/>
+      </a:fillRef>
+      <a:effectRef idx="0">
+        <a:scrgbClr r="0" g="0" b="0"/>
+      </a:effectRef>
+      <a:fontRef idx="minor"/>
+    </dgm:style>
+  </dgm:styleLbl>
+  <dgm:styleLbl name="trAlignAcc1">
+    <dgm:scene3d>
+      <a:camera prst="orthographicFront"/>
+      <a:lightRig rig="threePt" dir="t"/>
+    </dgm:scene3d>
+    <dgm:sp3d/>
+    <dgm:txPr/>
+    <dgm:style>
+      <a:lnRef idx="1">
+        <a:scrgbClr r="0" g="0" b="0"/>
+      </a:lnRef>
+      <a:fillRef idx="1">
+        <a:scrgbClr r="0" g="0" b="0"/>
+      </a:fillRef>
+      <a:effectRef idx="0">
+        <a:scrgbClr r="0" g="0" b="0"/>
+      </a:effectRef>
+      <a:fontRef idx="minor"/>
+    </dgm:style>
+  </dgm:styleLbl>
+  <dgm:styleLbl name="bgAcc1">
+    <dgm:scene3d>
+      <a:camera prst="orthographicFront"/>
+      <a:lightRig rig="threePt" dir="t"/>
+    </dgm:scene3d>
+    <dgm:sp3d/>
+    <dgm:txPr/>
+    <dgm:style>
+      <a:lnRef idx="2">
+        <a:scrgbClr r="0" g="0" b="0"/>
+      </a:lnRef>
+      <a:fillRef idx="1">
+        <a:scrgbClr r="0" g="0" b="0"/>
+      </a:fillRef>
+      <a:effectRef idx="0">
+        <a:scrgbClr r="0" g="0" b="0"/>
+      </a:effectRef>
+      <a:fontRef idx="minor"/>
+    </dgm:style>
+  </dgm:styleLbl>
+  <dgm:styleLbl name="solidFgAcc1">
+    <dgm:scene3d>
+      <a:camera prst="orthographicFront"/>
+      <a:lightRig rig="threePt" dir="t"/>
+    </dgm:scene3d>
+    <dgm:sp3d/>
+    <dgm:txPr/>
+    <dgm:style>
+      <a:lnRef idx="2">
+        <a:scrgbClr r="0" g="0" b="0"/>
+      </a:lnRef>
+      <a:fillRef idx="1">
+        <a:scrgbClr r="0" g="0" b="0"/>
+      </a:fillRef>
+      <a:effectRef idx="0">
+        <a:scrgbClr r="0" g="0" b="0"/>
+      </a:effectRef>
+      <a:fontRef idx="minor"/>
+    </dgm:style>
+  </dgm:styleLbl>
+  <dgm:styleLbl name="solidAlignAcc1">
+    <dgm:scene3d>
+      <a:camera prst="orthographicFront"/>
+      <a:lightRig rig="threePt" dir="t"/>
+    </dgm:scene3d>
+    <dgm:sp3d/>
+    <dgm:txPr/>
+    <dgm:style>
+      <a:lnRef idx="2">
+        <a:scrgbClr r="0" g="0" b="0"/>
+      </a:lnRef>
+      <a:fillRef idx="1">
+        <a:scrgbClr r="0" g="0" b="0"/>
+      </a:fillRef>
+      <a:effectRef idx="0">
+        <a:scrgbClr r="0" g="0" b="0"/>
+      </a:effectRef>
+      <a:fontRef idx="minor"/>
+    </dgm:style>
+  </dgm:styleLbl>
+  <dgm:styleLbl name="solidBgAcc1">
+    <dgm:scene3d>
+      <a:camera prst="orthographicFront"/>
+      <a:lightRig rig="threePt" dir="t"/>
+    </dgm:scene3d>
+    <dgm:sp3d/>
+    <dgm:txPr/>
+    <dgm:style>
+      <a:lnRef idx="2">
+        <a:scrgbClr r="0" g="0" b="0"/>
+      </a:lnRef>
+      <a:fillRef idx="1">
+        <a:scrgbClr r="0" g="0" b="0"/>
+      </a:fillRef>
+      <a:effectRef idx="0">
+        <a:scrgbClr r="0" g="0" b="0"/>
+      </a:effectRef>
+      <a:fontRef idx="minor"/>
+    </dgm:style>
+  </dgm:styleLbl>
+  <dgm:styleLbl name="fgAccFollowNode1">
+    <dgm:scene3d>
+      <a:camera prst="orthographicFront"/>
+      <a:lightRig rig="threePt" dir="t"/>
+    </dgm:scene3d>
+    <dgm:sp3d/>
+    <dgm:txPr/>
+    <dgm:style>
+      <a:lnRef idx="2">
+        <a:scrgbClr r="0" g="0" b="0"/>
+      </a:lnRef>
+      <a:fillRef idx="1">
+        <a:scrgbClr r="0" g="0" b="0"/>
+      </a:fillRef>
+      <a:effectRef idx="0">
+        <a:scrgbClr r="0" g="0" b="0"/>
+      </a:effectRef>
+      <a:fontRef idx="minor"/>
+    </dgm:style>
+  </dgm:styleLbl>
+  <dgm:styleLbl name="alignAccFollowNode1">
+    <dgm:scene3d>
+      <a:camera prst="orthographicFront"/>
+      <a:lightRig rig="threePt" dir="t"/>
+    </dgm:scene3d>
+    <dgm:sp3d/>
+    <dgm:txPr/>
+    <dgm:style>
+      <a:lnRef idx="2">
+        <a:scrgbClr r="0" g="0" b="0"/>
+      </a:lnRef>
+      <a:fillRef idx="1">
+        <a:scrgbClr r="0" g="0" b="0"/>
+      </a:fillRef>
+      <a:effectRef idx="0">
+        <a:scrgbClr r="0" g="0" b="0"/>
+      </a:effectRef>
+      <a:fontRef idx="minor"/>
+    </dgm:style>
+  </dgm:styleLbl>
+  <dgm:styleLbl name="bgAccFollowNode1">
+    <dgm:scene3d>
+      <a:camera prst="orthographicFront"/>
+      <a:lightRig rig="threePt" dir="t"/>
+    </dgm:scene3d>
+    <dgm:sp3d/>
+    <dgm:txPr/>
+    <dgm:style>
+      <a:lnRef idx="2">
+        <a:scrgbClr r="0" g="0" b="0"/>
+      </a:lnRef>
+      <a:fillRef idx="1">
+        <a:scrgbClr r="0" g="0" b="0"/>
+      </a:fillRef>
+      <a:effectRef idx="0">
+        <a:scrgbClr r="0" g="0" b="0"/>
+      </a:effectRef>
+      <a:fontRef idx="minor"/>
+    </dgm:style>
+  </dgm:styleLbl>
+  <dgm:styleLbl name="fgAcc0">
+    <dgm:scene3d>
+      <a:camera prst="orthographicFront"/>
+      <a:lightRig rig="threePt" dir="t"/>
+    </dgm:scene3d>
+    <dgm:sp3d/>
+    <dgm:txPr/>
+    <dgm:style>
+      <a:lnRef idx="2">
+        <a:scrgbClr r="0" g="0" b="0"/>
+      </a:lnRef>
+      <a:fillRef idx="1">
+        <a:scrgbClr r="0" g="0" b="0"/>
+      </a:fillRef>
+      <a:effectRef idx="0">
+        <a:scrgbClr r="0" g="0" b="0"/>
+      </a:effectRef>
+      <a:fontRef idx="minor"/>
+    </dgm:style>
+  </dgm:styleLbl>
+  <dgm:styleLbl name="fgAcc2">
+    <dgm:scene3d>
+      <a:camera prst="orthographicFront"/>
+      <a:lightRig rig="threePt" dir="t"/>
+    </dgm:scene3d>
+    <dgm:sp3d/>
+    <dgm:txPr/>
+    <dgm:style>
+      <a:lnRef idx="2">
+        <a:scrgbClr r="0" g="0" b="0"/>
+      </a:lnRef>
+      <a:fillRef idx="1">
+        <a:scrgbClr r="0" g="0" b="0"/>
+      </a:fillRef>
+      <a:effectRef idx="0">
+        <a:scrgbClr r="0" g="0" b="0"/>
+      </a:effectRef>
+      <a:fontRef idx="minor"/>
+    </dgm:style>
+  </dgm:styleLbl>
+  <dgm:styleLbl name="fgAcc3">
+    <dgm:scene3d>
+      <a:camera prst="orthographicFront"/>
+      <a:lightRig rig="threePt" dir="t"/>
+    </dgm:scene3d>
+    <dgm:sp3d/>
+    <dgm:txPr/>
+    <dgm:style>
+      <a:lnRef idx="2">
+        <a:scrgbClr r="0" g="0" b="0"/>
+      </a:lnRef>
+      <a:fillRef idx="1">
+        <a:scrgbClr r="0" g="0" b="0"/>
+      </a:fillRef>
+      <a:effectRef idx="0">
+        <a:scrgbClr r="0" g="0" b="0"/>
+      </a:effectRef>
+      <a:fontRef idx="minor"/>
+    </dgm:style>
+  </dgm:styleLbl>
+  <dgm:styleLbl name="fgAcc4">
+    <dgm:scene3d>
+      <a:camera prst="orthographicFront"/>
+      <a:lightRig rig="threePt" dir="t"/>
+    </dgm:scene3d>
+    <dgm:sp3d/>
+    <dgm:txPr/>
+    <dgm:style>
+      <a:lnRef idx="2">
+        <a:scrgbClr r="0" g="0" b="0"/>
+      </a:lnRef>
+      <a:fillRef idx="1">
+        <a:scrgbClr r="0" g="0" b="0"/>
+      </a:fillRef>
+      <a:effectRef idx="0">
+        <a:scrgbClr r="0" g="0" b="0"/>
+      </a:effectRef>
+      <a:fontRef idx="minor"/>
+    </dgm:style>
+  </dgm:styleLbl>
+  <dgm:styleLbl name="bgShp">
+    <dgm:scene3d>
+      <a:camera prst="orthographicFront"/>
+      <a:lightRig rig="threePt" dir="t"/>
+    </dgm:scene3d>
+    <dgm:sp3d/>
+    <dgm:txPr/>
+    <dgm:style>
+      <a:lnRef idx="0">
+        <a:scrgbClr r="0" g="0" b="0"/>
+      </a:lnRef>
+      <a:fillRef idx="1">
+        <a:scrgbClr r="0" g="0" b="0"/>
+      </a:fillRef>
+      <a:effectRef idx="0">
+        <a:scrgbClr r="0" g="0" b="0"/>
+      </a:effectRef>
+      <a:fontRef idx="minor"/>
+    </dgm:style>
+  </dgm:styleLbl>
+  <dgm:styleLbl name="dkBgShp">
+    <dgm:scene3d>
+      <a:camera prst="orthographicFront"/>
+      <a:lightRig rig="threePt" dir="t"/>
+    </dgm:scene3d>
+    <dgm:sp3d/>
+    <dgm:txPr/>
+    <dgm:style>
+      <a:lnRef idx="0">
+        <a:scrgbClr r="0" g="0" b="0"/>
+      </a:lnRef>
+      <a:fillRef idx="1">
+        <a:scrgbClr r="0" g="0" b="0"/>
+      </a:fillRef>
+      <a:effectRef idx="0">
+        <a:scrgbClr r="0" g="0" b="0"/>
+      </a:effectRef>
+      <a:fontRef idx="minor"/>
+    </dgm:style>
+  </dgm:styleLbl>
+  <dgm:styleLbl name="trBgShp">
+    <dgm:scene3d>
+      <a:camera prst="orthographicFront"/>
+      <a:lightRig rig="threePt" dir="t"/>
+    </dgm:scene3d>
+    <dgm:sp3d/>
+    <dgm:txPr/>
+    <dgm:style>
+      <a:lnRef idx="0">
+        <a:scrgbClr r="0" g="0" b="0"/>
+      </a:lnRef>
+      <a:fillRef idx="1">
+        <a:scrgbClr r="0" g="0" b="0"/>
+      </a:fillRef>
+      <a:effectRef idx="0">
+        <a:scrgbClr r="0" g="0" b="0"/>
+      </a:effectRef>
+      <a:fontRef idx="minor"/>
+    </dgm:style>
+  </dgm:styleLbl>
+  <dgm:styleLbl name="fgShp">
+    <dgm:scene3d>
+      <a:camera prst="orthographicFront"/>
+      <a:lightRig rig="threePt" dir="t"/>
+    </dgm:scene3d>
+    <dgm:sp3d/>
+    <dgm:txPr/>
+    <dgm:style>
+      <a:lnRef idx="2">
+        <a:scrgbClr r="0" g="0" b="0"/>
+      </a:lnRef>
+      <a:fillRef idx="1">
+        <a:scrgbClr r="0" g="0" b="0"/>
+      </a:fillRef>
+      <a:effectRef idx="0">
+        <a:scrgbClr r="0" g="0" b="0"/>
+      </a:effectRef>
+      <a:fontRef idx="minor"/>
+    </dgm:style>
+  </dgm:styleLbl>
+  <dgm:styleLbl name="revTx">
+    <dgm:scene3d>
+      <a:camera prst="orthographicFront"/>
+      <a:lightRig rig="threePt" dir="t"/>
+    </dgm:scene3d>
+    <dgm:sp3d/>
+    <dgm:txPr/>
+    <dgm:style>
+      <a:lnRef idx="0">
+        <a:scrgbClr r="0" g="0" b="0"/>
+      </a:lnRef>
+      <a:fillRef idx="0">
+        <a:scrgbClr r="0" g="0" b="0"/>
+      </a:fillRef>
+      <a:effectRef idx="0">
+        <a:scrgbClr r="0" g="0" b="0"/>
+      </a:effectRef>
+      <a:fontRef idx="minor"/>
+    </dgm:style>
+  </dgm:styleLbl>
+</dgm:styleDef>
 </file>
 
 <file path=ppt/slideLayouts/slideLayout1.xml><?xml version="1.0" encoding="utf-8"?>
@@ -294,7 +5452,7 @@
           <a:p>
             <a:fld id="{95480975-B113-4B0E-B873-4D1A9BD88002}" type="datetimeFigureOut">
               <a:rPr lang="zh-TW" altLang="en-US" smtClean="0"/>
-              <a:t>2016/4/18</a:t>
+              <a:t>2016/4/19</a:t>
             </a:fld>
             <a:endParaRPr lang="zh-TW" altLang="en-US"/>
           </a:p>
@@ -464,7 +5622,7 @@
           <a:p>
             <a:fld id="{95480975-B113-4B0E-B873-4D1A9BD88002}" type="datetimeFigureOut">
               <a:rPr lang="zh-TW" altLang="en-US" smtClean="0"/>
-              <a:t>2016/4/18</a:t>
+              <a:t>2016/4/19</a:t>
             </a:fld>
             <a:endParaRPr lang="zh-TW" altLang="en-US"/>
           </a:p>
@@ -644,7 +5802,7 @@
           <a:p>
             <a:fld id="{95480975-B113-4B0E-B873-4D1A9BD88002}" type="datetimeFigureOut">
               <a:rPr lang="zh-TW" altLang="en-US" smtClean="0"/>
-              <a:t>2016/4/18</a:t>
+              <a:t>2016/4/19</a:t>
             </a:fld>
             <a:endParaRPr lang="zh-TW" altLang="en-US"/>
           </a:p>
@@ -814,7 +5972,7 @@
           <a:p>
             <a:fld id="{95480975-B113-4B0E-B873-4D1A9BD88002}" type="datetimeFigureOut">
               <a:rPr lang="zh-TW" altLang="en-US" smtClean="0"/>
-              <a:t>2016/4/18</a:t>
+              <a:t>2016/4/19</a:t>
             </a:fld>
             <a:endParaRPr lang="zh-TW" altLang="en-US"/>
           </a:p>
@@ -1060,7 +6218,7 @@
           <a:p>
             <a:fld id="{95480975-B113-4B0E-B873-4D1A9BD88002}" type="datetimeFigureOut">
               <a:rPr lang="zh-TW" altLang="en-US" smtClean="0"/>
-              <a:t>2016/4/18</a:t>
+              <a:t>2016/4/19</a:t>
             </a:fld>
             <a:endParaRPr lang="zh-TW" altLang="en-US"/>
           </a:p>
@@ -1348,7 +6506,7 @@
           <a:p>
             <a:fld id="{95480975-B113-4B0E-B873-4D1A9BD88002}" type="datetimeFigureOut">
               <a:rPr lang="zh-TW" altLang="en-US" smtClean="0"/>
-              <a:t>2016/4/18</a:t>
+              <a:t>2016/4/19</a:t>
             </a:fld>
             <a:endParaRPr lang="zh-TW" altLang="en-US"/>
           </a:p>
@@ -1770,7 +6928,7 @@
           <a:p>
             <a:fld id="{95480975-B113-4B0E-B873-4D1A9BD88002}" type="datetimeFigureOut">
               <a:rPr lang="zh-TW" altLang="en-US" smtClean="0"/>
-              <a:t>2016/4/18</a:t>
+              <a:t>2016/4/19</a:t>
             </a:fld>
             <a:endParaRPr lang="zh-TW" altLang="en-US"/>
           </a:p>
@@ -1888,7 +7046,7 @@
           <a:p>
             <a:fld id="{95480975-B113-4B0E-B873-4D1A9BD88002}" type="datetimeFigureOut">
               <a:rPr lang="zh-TW" altLang="en-US" smtClean="0"/>
-              <a:t>2016/4/18</a:t>
+              <a:t>2016/4/19</a:t>
             </a:fld>
             <a:endParaRPr lang="zh-TW" altLang="en-US"/>
           </a:p>
@@ -1983,7 +7141,7 @@
           <a:p>
             <a:fld id="{95480975-B113-4B0E-B873-4D1A9BD88002}" type="datetimeFigureOut">
               <a:rPr lang="zh-TW" altLang="en-US" smtClean="0"/>
-              <a:t>2016/4/18</a:t>
+              <a:t>2016/4/19</a:t>
             </a:fld>
             <a:endParaRPr lang="zh-TW" altLang="en-US"/>
           </a:p>
@@ -2260,7 +7418,7 @@
           <a:p>
             <a:fld id="{95480975-B113-4B0E-B873-4D1A9BD88002}" type="datetimeFigureOut">
               <a:rPr lang="zh-TW" altLang="en-US" smtClean="0"/>
-              <a:t>2016/4/18</a:t>
+              <a:t>2016/4/19</a:t>
             </a:fld>
             <a:endParaRPr lang="zh-TW" altLang="en-US"/>
           </a:p>
@@ -2513,7 +7671,7 @@
           <a:p>
             <a:fld id="{95480975-B113-4B0E-B873-4D1A9BD88002}" type="datetimeFigureOut">
               <a:rPr lang="zh-TW" altLang="en-US" smtClean="0"/>
-              <a:t>2016/4/18</a:t>
+              <a:t>2016/4/19</a:t>
             </a:fld>
             <a:endParaRPr lang="zh-TW" altLang="en-US"/>
           </a:p>
@@ -2741,7 +7899,7 @@
           <a:p>
             <a:fld id="{95480975-B113-4B0E-B873-4D1A9BD88002}" type="datetimeFigureOut">
               <a:rPr lang="zh-TW" altLang="en-US" smtClean="0"/>
-              <a:t>2016/4/18</a:t>
+              <a:t>2016/4/19</a:t>
             </a:fld>
             <a:endParaRPr lang="zh-TW" altLang="en-US"/>
           </a:p>
@@ -3633,16 +8791,311 @@
           <a:chExt cx="0" cy="0"/>
         </a:xfrm>
       </p:grpSpPr>
+      <p:sp>
+        <p:nvSpPr>
+          <p:cNvPr id="7" name="標題 1"/>
+          <p:cNvSpPr txBox="1">
+            <a:spLocks/>
+          </p:cNvSpPr>
+          <p:nvPr/>
+        </p:nvSpPr>
+        <p:spPr>
+          <a:xfrm>
+            <a:off x="457200" y="274638"/>
+            <a:ext cx="8229600" cy="1143000"/>
+          </a:xfrm>
+          <a:prstGeom prst="rect">
+            <a:avLst/>
+          </a:prstGeom>
+        </p:spPr>
+        <p:txBody>
+          <a:bodyPr vert="horz" lIns="91440" tIns="45720" rIns="91440" bIns="45720" rtlCol="0" anchor="ctr">
+            <a:normAutofit/>
+          </a:bodyPr>
+          <a:lstStyle>
+            <a:lvl1pPr algn="ctr" defTabSz="914400" rtl="0" eaLnBrk="1" latinLnBrk="0" hangingPunct="1">
+              <a:spcBef>
+                <a:spcPct val="0"/>
+              </a:spcBef>
+              <a:buNone/>
+              <a:defRPr sz="4400" kern="1200">
+                <a:solidFill>
+                  <a:schemeClr val="tx1"/>
+                </a:solidFill>
+                <a:latin typeface="+mj-lt"/>
+                <a:ea typeface="+mj-ea"/>
+                <a:cs typeface="+mj-cs"/>
+              </a:defRPr>
+            </a:lvl1pPr>
+          </a:lstStyle>
+          <a:p>
+            <a:r>
+              <a:rPr lang="zh-TW" altLang="en-US" dirty="0" smtClean="0">
+                <a:solidFill>
+                  <a:srgbClr val="FD8182"/>
+                </a:solidFill>
+                <a:latin typeface="微軟正黑體" pitchFamily="34" charset="-120"/>
+                <a:ea typeface="微軟正黑體" pitchFamily="34" charset="-120"/>
+              </a:rPr>
+              <a:t>為何要有北科小角落</a:t>
+            </a:r>
+            <a:endParaRPr lang="zh-TW" altLang="en-US" dirty="0">
+              <a:solidFill>
+                <a:srgbClr val="FD8182"/>
+              </a:solidFill>
+              <a:latin typeface="微軟正黑體" pitchFamily="34" charset="-120"/>
+              <a:ea typeface="微軟正黑體" pitchFamily="34" charset="-120"/>
+            </a:endParaRPr>
+          </a:p>
+        </p:txBody>
+      </p:sp>
       <p:pic>
         <p:nvPicPr>
-          <p:cNvPr id="2050" name="Picture 2" descr="C:\Users\Kevin\Desktop\meet2.png"/>
+          <p:cNvPr id="4098" name="Picture 2" descr="C:\Users\Kevin\Downloads\10867592824_f1df5c08f3_o.png"/>
           <p:cNvPicPr>
             <a:picLocks noChangeAspect="1" noChangeArrowheads="1"/>
           </p:cNvPicPr>
           <p:nvPr/>
         </p:nvPicPr>
         <p:blipFill>
-          <a:blip r:embed="rId2">
+          <a:blip r:embed="rId2" cstate="print">
+            <a:extLst>
+              <a:ext uri="{28A0092B-C50C-407E-A947-70E740481C1C}">
+                <a14:useLocalDpi xmlns:a14="http://schemas.microsoft.com/office/drawing/2010/main" val="0"/>
+              </a:ext>
+            </a:extLst>
+          </a:blip>
+          <a:srcRect/>
+          <a:stretch>
+            <a:fillRect/>
+          </a:stretch>
+        </p:blipFill>
+        <p:spPr bwMode="auto">
+          <a:xfrm>
+            <a:off x="5145472" y="3284984"/>
+            <a:ext cx="2885503" cy="1922955"/>
+          </a:xfrm>
+          <a:prstGeom prst="rect">
+            <a:avLst/>
+          </a:prstGeom>
+          <a:noFill/>
+          <a:extLst>
+            <a:ext uri="{909E8E84-426E-40DD-AFC4-6F175D3DCCD1}">
+              <a14:hiddenFill xmlns:a14="http://schemas.microsoft.com/office/drawing/2010/main">
+                <a:solidFill>
+                  <a:srgbClr val="FFFFFF"/>
+                </a:solidFill>
+              </a14:hiddenFill>
+            </a:ext>
+          </a:extLst>
+        </p:spPr>
+      </p:pic>
+      <p:grpSp>
+        <p:nvGrpSpPr>
+          <p:cNvPr id="10" name="群組 9"/>
+          <p:cNvGrpSpPr/>
+          <p:nvPr/>
+        </p:nvGrpSpPr>
+        <p:grpSpPr>
+          <a:xfrm>
+            <a:off x="-36512" y="1659256"/>
+            <a:ext cx="9180512" cy="4320480"/>
+            <a:chOff x="625020" y="1700808"/>
+            <a:chExt cx="3384376" cy="1584176"/>
+          </a:xfrm>
+        </p:grpSpPr>
+        <p:sp>
+          <p:nvSpPr>
+            <p:cNvPr id="9" name="矩形 8"/>
+            <p:cNvSpPr/>
+            <p:nvPr/>
+          </p:nvSpPr>
+          <p:spPr>
+            <a:xfrm>
+              <a:off x="625020" y="1700808"/>
+              <a:ext cx="3384376" cy="1584176"/>
+            </a:xfrm>
+            <a:prstGeom prst="rect">
+              <a:avLst/>
+            </a:prstGeom>
+            <a:solidFill>
+              <a:srgbClr val="FD8182"/>
+            </a:solidFill>
+            <a:ln>
+              <a:noFill/>
+            </a:ln>
+          </p:spPr>
+          <p:style>
+            <a:lnRef idx="2">
+              <a:schemeClr val="accent1">
+                <a:shade val="50000"/>
+              </a:schemeClr>
+            </a:lnRef>
+            <a:fillRef idx="1">
+              <a:schemeClr val="accent1"/>
+            </a:fillRef>
+            <a:effectRef idx="0">
+              <a:schemeClr val="accent1"/>
+            </a:effectRef>
+            <a:fontRef idx="minor">
+              <a:schemeClr val="lt1"/>
+            </a:fontRef>
+          </p:style>
+          <p:txBody>
+            <a:bodyPr rtlCol="0" anchor="ctr"/>
+            <a:lstStyle/>
+            <a:p>
+              <a:pPr algn="ctr"/>
+              <a:endParaRPr lang="zh-TW" altLang="en-US"/>
+            </a:p>
+          </p:txBody>
+        </p:sp>
+        <p:sp>
+          <p:nvSpPr>
+            <p:cNvPr id="4" name="文字方塊 3"/>
+            <p:cNvSpPr txBox="1"/>
+            <p:nvPr/>
+          </p:nvSpPr>
+          <p:spPr>
+            <a:xfrm>
+              <a:off x="971600" y="2187228"/>
+              <a:ext cx="2520280" cy="413113"/>
+            </a:xfrm>
+            <a:prstGeom prst="rect">
+              <a:avLst/>
+            </a:prstGeom>
+            <a:solidFill>
+              <a:srgbClr val="FD8182"/>
+            </a:solidFill>
+          </p:spPr>
+          <p:txBody>
+            <a:bodyPr wrap="square" rtlCol="0">
+              <a:spAutoFit/>
+            </a:bodyPr>
+            <a:lstStyle/>
+            <a:p>
+              <a:pPr algn="dist"/>
+              <a:r>
+                <a:rPr lang="zh-TW" altLang="en-US" sz="5000" dirty="0" smtClean="0">
+                  <a:solidFill>
+                    <a:schemeClr val="bg1"/>
+                  </a:solidFill>
+                  <a:latin typeface="微軟正黑體" panose="020B0604030504040204" pitchFamily="34" charset="-120"/>
+                  <a:ea typeface="微軟正黑體" panose="020B0604030504040204" pitchFamily="34" charset="-120"/>
+                </a:rPr>
+                <a:t>地方的北科生需要</a:t>
+              </a:r>
+              <a:endParaRPr lang="en-US" altLang="zh-TW" sz="5000" dirty="0" smtClean="0">
+                <a:solidFill>
+                  <a:schemeClr val="bg1"/>
+                </a:solidFill>
+                <a:latin typeface="微軟正黑體" panose="020B0604030504040204" pitchFamily="34" charset="-120"/>
+                <a:ea typeface="微軟正黑體" panose="020B0604030504040204" pitchFamily="34" charset="-120"/>
+              </a:endParaRPr>
+            </a:p>
+            <a:p>
+              <a:pPr algn="dist"/>
+              <a:r>
+                <a:rPr lang="zh-TW" altLang="en-US" sz="5000" dirty="0" smtClean="0">
+                  <a:solidFill>
+                    <a:schemeClr val="bg1"/>
+                  </a:solidFill>
+                  <a:latin typeface="微軟正黑體" panose="020B0604030504040204" pitchFamily="34" charset="-120"/>
+                  <a:ea typeface="微軟正黑體" panose="020B0604030504040204" pitchFamily="34" charset="-120"/>
+                </a:rPr>
+                <a:t>交</a:t>
+              </a:r>
+              <a:r>
+                <a:rPr lang="en-US" altLang="zh-TW" sz="5000" dirty="0" smtClean="0">
+                  <a:solidFill>
+                    <a:schemeClr val="bg1"/>
+                  </a:solidFill>
+                  <a:latin typeface="微軟正黑體" panose="020B0604030504040204" pitchFamily="34" charset="-120"/>
+                  <a:ea typeface="微軟正黑體" panose="020B0604030504040204" pitchFamily="34" charset="-120"/>
+                </a:rPr>
+                <a:t>(</a:t>
+              </a:r>
+              <a:r>
+                <a:rPr lang="zh-TW" altLang="en-US" sz="5000" dirty="0" smtClean="0">
+                  <a:solidFill>
+                    <a:schemeClr val="bg1"/>
+                  </a:solidFill>
+                  <a:latin typeface="微軟正黑體" panose="020B0604030504040204" pitchFamily="34" charset="-120"/>
+                  <a:ea typeface="微軟正黑體" panose="020B0604030504040204" pitchFamily="34" charset="-120"/>
+                </a:rPr>
+                <a:t>友</a:t>
+              </a:r>
+              <a:r>
+                <a:rPr lang="en-US" altLang="zh-TW" sz="5000" dirty="0" smtClean="0">
+                  <a:solidFill>
+                    <a:schemeClr val="bg1"/>
+                  </a:solidFill>
+                  <a:latin typeface="微軟正黑體" panose="020B0604030504040204" pitchFamily="34" charset="-120"/>
+                  <a:ea typeface="微軟正黑體" panose="020B0604030504040204" pitchFamily="34" charset="-120"/>
+                </a:rPr>
+                <a:t>)</a:t>
+              </a:r>
+              <a:r>
+                <a:rPr lang="zh-TW" altLang="en-US" sz="5000" dirty="0" smtClean="0">
+                  <a:solidFill>
+                    <a:schemeClr val="bg1"/>
+                  </a:solidFill>
+                  <a:latin typeface="微軟正黑體" panose="020B0604030504040204" pitchFamily="34" charset="-120"/>
+                  <a:ea typeface="微軟正黑體" panose="020B0604030504040204" pitchFamily="34" charset="-120"/>
+                </a:rPr>
+                <a:t>配</a:t>
+              </a:r>
+              <a:r>
+                <a:rPr lang="en-US" altLang="zh-TW" sz="5000" dirty="0" smtClean="0">
+                  <a:solidFill>
+                    <a:schemeClr val="bg1"/>
+                  </a:solidFill>
+                  <a:latin typeface="微軟正黑體" panose="020B0604030504040204" pitchFamily="34" charset="-120"/>
+                  <a:ea typeface="微軟正黑體" panose="020B0604030504040204" pitchFamily="34" charset="-120"/>
+                </a:rPr>
+                <a:t>(</a:t>
+              </a:r>
+              <a:r>
+                <a:rPr lang="zh-TW" altLang="en-US" sz="5000" dirty="0" smtClean="0">
+                  <a:solidFill>
+                    <a:schemeClr val="bg1"/>
+                  </a:solidFill>
+                  <a:latin typeface="微軟正黑體" panose="020B0604030504040204" pitchFamily="34" charset="-120"/>
+                  <a:ea typeface="微軟正黑體" panose="020B0604030504040204" pitchFamily="34" charset="-120"/>
+                </a:rPr>
+                <a:t>對</a:t>
+              </a:r>
+              <a:r>
+                <a:rPr lang="en-US" altLang="zh-TW" sz="5000" dirty="0" smtClean="0">
+                  <a:solidFill>
+                    <a:schemeClr val="bg1"/>
+                  </a:solidFill>
+                  <a:latin typeface="微軟正黑體" panose="020B0604030504040204" pitchFamily="34" charset="-120"/>
+                  <a:ea typeface="微軟正黑體" panose="020B0604030504040204" pitchFamily="34" charset="-120"/>
+                </a:rPr>
+                <a:t>)</a:t>
+              </a:r>
+              <a:endParaRPr lang="zh-TW" altLang="en-US" sz="5000" dirty="0">
+                <a:solidFill>
+                  <a:schemeClr val="bg1"/>
+                </a:solidFill>
+                <a:latin typeface="微軟正黑體" panose="020B0604030504040204" pitchFamily="34" charset="-120"/>
+                <a:ea typeface="微軟正黑體" panose="020B0604030504040204" pitchFamily="34" charset="-120"/>
+              </a:endParaRPr>
+            </a:p>
+          </p:txBody>
+        </p:sp>
+      </p:grpSp>
+      <p:pic>
+        <p:nvPicPr>
+          <p:cNvPr id="8" name="Picture 2" descr="C:\Users\Kevin\Desktop\meet2.png"/>
+          <p:cNvPicPr>
+            <a:picLocks noChangeAspect="1" noChangeArrowheads="1"/>
+          </p:cNvPicPr>
+          <p:nvPr/>
+        </p:nvPicPr>
+        <p:blipFill>
+          <a:blip r:embed="rId3">
             <a:extLst>
               <a:ext uri="{28A0092B-C50C-407E-A947-70E740481C1C}">
                 <a14:useLocalDpi xmlns:a14="http://schemas.microsoft.com/office/drawing/2010/main" val="0"/>
@@ -3674,123 +9127,10 @@
           </a:extLst>
         </p:spPr>
       </p:pic>
-      <p:sp>
-        <p:nvSpPr>
-          <p:cNvPr id="2" name="標題 1"/>
-          <p:cNvSpPr>
-            <a:spLocks noGrp="1"/>
-          </p:cNvSpPr>
-          <p:nvPr>
-            <p:ph type="title"/>
-          </p:nvPr>
-        </p:nvSpPr>
-        <p:spPr/>
-        <p:txBody>
-          <a:bodyPr/>
-          <a:lstStyle/>
-          <a:p>
-            <a:r>
-              <a:rPr lang="zh-TW" altLang="en-US" dirty="0" smtClean="0">
-                <a:solidFill>
-                  <a:srgbClr val="FD8182"/>
-                </a:solidFill>
-                <a:latin typeface="微軟正黑體" pitchFamily="34" charset="-120"/>
-                <a:ea typeface="微軟正黑體" pitchFamily="34" charset="-120"/>
-              </a:rPr>
-              <a:t>為何要有北</a:t>
-            </a:r>
-            <a:r>
-              <a:rPr lang="zh-TW" altLang="en-US" dirty="0">
-                <a:solidFill>
-                  <a:srgbClr val="FD8182"/>
-                </a:solidFill>
-                <a:latin typeface="微軟正黑體" pitchFamily="34" charset="-120"/>
-                <a:ea typeface="微軟正黑體" pitchFamily="34" charset="-120"/>
-              </a:rPr>
-              <a:t>科小角落</a:t>
-            </a:r>
-          </a:p>
-        </p:txBody>
-      </p:sp>
-      <p:pic>
-        <p:nvPicPr>
-          <p:cNvPr id="2052" name="Picture 4" descr="https://niduan.files.wordpress.com/2014/02/relationship03.jpg"/>
-          <p:cNvPicPr>
-            <a:picLocks noChangeAspect="1" noChangeArrowheads="1"/>
-          </p:cNvPicPr>
-          <p:nvPr/>
-        </p:nvPicPr>
-        <p:blipFill>
-          <a:blip r:embed="rId3">
-            <a:extLst>
-              <a:ext uri="{28A0092B-C50C-407E-A947-70E740481C1C}">
-                <a14:useLocalDpi xmlns:a14="http://schemas.microsoft.com/office/drawing/2010/main" val="0"/>
-              </a:ext>
-            </a:extLst>
-          </a:blip>
-          <a:srcRect/>
-          <a:stretch>
-            <a:fillRect/>
-          </a:stretch>
-        </p:blipFill>
-        <p:spPr bwMode="auto">
-          <a:xfrm>
-            <a:off x="467544" y="1844824"/>
-            <a:ext cx="3810000" cy="2857500"/>
-          </a:xfrm>
-          <a:prstGeom prst="rect">
-            <a:avLst/>
-          </a:prstGeom>
-          <a:noFill/>
-          <a:extLst>
-            <a:ext uri="{909E8E84-426E-40DD-AFC4-6F175D3DCCD1}">
-              <a14:hiddenFill xmlns:a14="http://schemas.microsoft.com/office/drawing/2010/main">
-                <a:solidFill>
-                  <a:srgbClr val="FFFFFF"/>
-                </a:solidFill>
-              </a14:hiddenFill>
-            </a:ext>
-          </a:extLst>
-        </p:spPr>
-      </p:pic>
-      <p:sp>
-        <p:nvSpPr>
-          <p:cNvPr id="4" name="文字方塊 3"/>
-          <p:cNvSpPr txBox="1"/>
-          <p:nvPr/>
-        </p:nvSpPr>
-        <p:spPr>
-          <a:xfrm>
-            <a:off x="5004048" y="1844824"/>
-            <a:ext cx="3168352" cy="369332"/>
-          </a:xfrm>
-          <a:prstGeom prst="rect">
-            <a:avLst/>
-          </a:prstGeom>
-          <a:noFill/>
-        </p:spPr>
-        <p:txBody>
-          <a:bodyPr wrap="square" rtlCol="0">
-            <a:spAutoFit/>
-          </a:bodyPr>
-          <a:lstStyle/>
-          <a:p>
-            <a:r>
-              <a:rPr lang="zh-TW" altLang="en-US" dirty="0"/>
-              <a:t>我這個不知道要怎麼說明捏</a:t>
-            </a:r>
-            <a:r>
-              <a:rPr lang="en-US" altLang="zh-TW" dirty="0" err="1"/>
-              <a:t>xD</a:t>
-            </a:r>
-            <a:endParaRPr lang="zh-TW" altLang="en-US" dirty="0"/>
-          </a:p>
-        </p:txBody>
-      </p:sp>
     </p:spTree>
     <p:extLst>
       <p:ext uri="{BB962C8B-B14F-4D97-AF65-F5344CB8AC3E}">
-        <p14:creationId xmlns:p14="http://schemas.microsoft.com/office/powerpoint/2010/main" val="3544753845"/>
+        <p14:creationId xmlns:p14="http://schemas.microsoft.com/office/powerpoint/2010/main" val="3279773728"/>
       </p:ext>
     </p:extLst>
   </p:cSld>
@@ -3894,22 +9234,251 @@
           </a:p>
         </p:txBody>
       </p:sp>
+      <p:pic>
+        <p:nvPicPr>
+          <p:cNvPr id="4" name="Picture 2" descr="http://twimg.edgesuite.net/images/ReNews/20150714/640_84f035cb67e171f3ab3e0045a58f4ceb.jpg"/>
+          <p:cNvPicPr>
+            <a:picLocks noChangeAspect="1" noChangeArrowheads="1"/>
+          </p:cNvPicPr>
+          <p:nvPr/>
+        </p:nvPicPr>
+        <p:blipFill>
+          <a:blip r:embed="rId3">
+            <a:extLst>
+              <a:ext uri="{28A0092B-C50C-407E-A947-70E740481C1C}">
+                <a14:useLocalDpi xmlns:a14="http://schemas.microsoft.com/office/drawing/2010/main" val="0"/>
+              </a:ext>
+            </a:extLst>
+          </a:blip>
+          <a:srcRect/>
+          <a:stretch>
+            <a:fillRect/>
+          </a:stretch>
+        </p:blipFill>
+        <p:spPr bwMode="auto">
+          <a:xfrm>
+            <a:off x="323528" y="2348880"/>
+            <a:ext cx="4180855" cy="2789415"/>
+          </a:xfrm>
+          <a:prstGeom prst="rect">
+            <a:avLst/>
+          </a:prstGeom>
+          <a:noFill/>
+          <a:extLst>
+            <a:ext uri="{909E8E84-426E-40DD-AFC4-6F175D3DCCD1}">
+              <a14:hiddenFill xmlns:a14="http://schemas.microsoft.com/office/drawing/2010/main">
+                <a:solidFill>
+                  <a:srgbClr val="FFFFFF"/>
+                </a:solidFill>
+              </a14:hiddenFill>
+            </a:ext>
+          </a:extLst>
+        </p:spPr>
+      </p:pic>
       <p:sp>
         <p:nvSpPr>
-          <p:cNvPr id="3" name="內容版面配置區 2"/>
-          <p:cNvSpPr>
-            <a:spLocks noGrp="1"/>
-          </p:cNvSpPr>
-          <p:nvPr>
-            <p:ph idx="1"/>
-          </p:nvPr>
+          <p:cNvPr id="5" name="文字方塊 4"/>
+          <p:cNvSpPr txBox="1"/>
+          <p:nvPr/>
         </p:nvSpPr>
-        <p:spPr/>
+        <p:spPr>
+          <a:xfrm>
+            <a:off x="1009799" y="1578858"/>
+            <a:ext cx="2808312" cy="553998"/>
+          </a:xfrm>
+          <a:prstGeom prst="rect">
+            <a:avLst/>
+          </a:prstGeom>
+          <a:noFill/>
+        </p:spPr>
         <p:txBody>
-          <a:bodyPr/>
+          <a:bodyPr wrap="square" rtlCol="0">
+            <a:spAutoFit/>
+          </a:bodyPr>
           <a:lstStyle/>
           <a:p>
-            <a:endParaRPr lang="zh-TW" altLang="en-US" dirty="0"/>
+            <a:pPr algn="ctr"/>
+            <a:r>
+              <a:rPr lang="zh-TW" altLang="en-US" sz="3000" dirty="0" smtClean="0">
+                <a:solidFill>
+                  <a:srgbClr val="FD8182"/>
+                </a:solidFill>
+                <a:latin typeface="微軟正黑體" panose="020B0604030504040204" pitchFamily="34" charset="-120"/>
+                <a:ea typeface="微軟正黑體" panose="020B0604030504040204" pitchFamily="34" charset="-120"/>
+              </a:rPr>
+              <a:t>匿名發文</a:t>
+            </a:r>
+            <a:endParaRPr lang="zh-TW" altLang="en-US" sz="3000" dirty="0">
+              <a:solidFill>
+                <a:srgbClr val="FD8182"/>
+              </a:solidFill>
+              <a:latin typeface="微軟正黑體" panose="020B0604030504040204" pitchFamily="34" charset="-120"/>
+              <a:ea typeface="微軟正黑體" panose="020B0604030504040204" pitchFamily="34" charset="-120"/>
+            </a:endParaRPr>
+          </a:p>
+        </p:txBody>
+      </p:sp>
+      <p:sp>
+        <p:nvSpPr>
+          <p:cNvPr id="6" name="矩形 5"/>
+          <p:cNvSpPr/>
+          <p:nvPr/>
+        </p:nvSpPr>
+        <p:spPr>
+          <a:xfrm>
+            <a:off x="6038776" y="4251843"/>
+            <a:ext cx="2232248" cy="1049365"/>
+          </a:xfrm>
+          <a:prstGeom prst="rect">
+            <a:avLst/>
+          </a:prstGeom>
+          <a:solidFill>
+            <a:srgbClr val="0084E8"/>
+          </a:solidFill>
+          <a:ln>
+            <a:noFill/>
+          </a:ln>
+        </p:spPr>
+        <p:style>
+          <a:lnRef idx="2">
+            <a:schemeClr val="accent1">
+              <a:shade val="50000"/>
+            </a:schemeClr>
+          </a:lnRef>
+          <a:fillRef idx="1">
+            <a:schemeClr val="accent1"/>
+          </a:fillRef>
+          <a:effectRef idx="0">
+            <a:schemeClr val="accent1"/>
+          </a:effectRef>
+          <a:fontRef idx="minor">
+            <a:schemeClr val="lt1"/>
+          </a:fontRef>
+        </p:style>
+        <p:txBody>
+          <a:bodyPr rtlCol="0" anchor="ctr"/>
+          <a:lstStyle/>
+          <a:p>
+            <a:pPr algn="ctr"/>
+            <a:endParaRPr lang="zh-TW" altLang="en-US"/>
+          </a:p>
+        </p:txBody>
+      </p:sp>
+      <p:pic>
+        <p:nvPicPr>
+          <p:cNvPr id="3076" name="Picture 4" descr="讀取失敗"/>
+          <p:cNvPicPr>
+            <a:picLocks noChangeAspect="1" noChangeArrowheads="1"/>
+          </p:cNvPicPr>
+          <p:nvPr/>
+        </p:nvPicPr>
+        <p:blipFill>
+          <a:blip r:embed="rId4">
+            <a:extLst>
+              <a:ext uri="{28A0092B-C50C-407E-A947-70E740481C1C}">
+                <a14:useLocalDpi xmlns:a14="http://schemas.microsoft.com/office/drawing/2010/main" val="0"/>
+              </a:ext>
+            </a:extLst>
+          </a:blip>
+          <a:srcRect/>
+          <a:stretch>
+            <a:fillRect/>
+          </a:stretch>
+        </p:blipFill>
+        <p:spPr bwMode="auto">
+          <a:xfrm>
+            <a:off x="6182792" y="4378321"/>
+            <a:ext cx="2000250" cy="809626"/>
+          </a:xfrm>
+          <a:prstGeom prst="rect">
+            <a:avLst/>
+          </a:prstGeom>
+          <a:noFill/>
+          <a:extLst>
+            <a:ext uri="{909E8E84-426E-40DD-AFC4-6F175D3DCCD1}">
+              <a14:hiddenFill xmlns:a14="http://schemas.microsoft.com/office/drawing/2010/main">
+                <a:solidFill>
+                  <a:srgbClr val="FFFFFF"/>
+                </a:solidFill>
+              </a14:hiddenFill>
+            </a:ext>
+          </a:extLst>
+        </p:spPr>
+      </p:pic>
+      <p:pic>
+        <p:nvPicPr>
+          <p:cNvPr id="3078" name="Picture 6" descr="..."/>
+          <p:cNvPicPr>
+            <a:picLocks noChangeAspect="1" noChangeArrowheads="1"/>
+          </p:cNvPicPr>
+          <p:nvPr/>
+        </p:nvPicPr>
+        <p:blipFill>
+          <a:blip r:embed="rId5">
+            <a:extLst>
+              <a:ext uri="{28A0092B-C50C-407E-A947-70E740481C1C}">
+                <a14:useLocalDpi xmlns:a14="http://schemas.microsoft.com/office/drawing/2010/main" val="0"/>
+              </a:ext>
+            </a:extLst>
+          </a:blip>
+          <a:srcRect/>
+          <a:stretch>
+            <a:fillRect/>
+          </a:stretch>
+        </p:blipFill>
+        <p:spPr bwMode="auto">
+          <a:xfrm>
+            <a:off x="4886647" y="2141728"/>
+            <a:ext cx="3933825" cy="2857500"/>
+          </a:xfrm>
+          <a:prstGeom prst="rect">
+            <a:avLst/>
+          </a:prstGeom>
+          <a:noFill/>
+          <a:extLst>
+            <a:ext uri="{909E8E84-426E-40DD-AFC4-6F175D3DCCD1}">
+              <a14:hiddenFill xmlns:a14="http://schemas.microsoft.com/office/drawing/2010/main">
+                <a:solidFill>
+                  <a:srgbClr val="FFFFFF"/>
+                </a:solidFill>
+              </a14:hiddenFill>
+            </a:ext>
+          </a:extLst>
+        </p:spPr>
+      </p:pic>
+      <p:sp>
+        <p:nvSpPr>
+          <p:cNvPr id="10" name="文字方塊 9"/>
+          <p:cNvSpPr txBox="1"/>
+          <p:nvPr/>
+        </p:nvSpPr>
+        <p:spPr>
+          <a:xfrm>
+            <a:off x="5292080" y="1628800"/>
+            <a:ext cx="2808312" cy="553998"/>
+          </a:xfrm>
+          <a:prstGeom prst="rect">
+            <a:avLst/>
+          </a:prstGeom>
+          <a:noFill/>
+        </p:spPr>
+        <p:txBody>
+          <a:bodyPr wrap="square" rtlCol="0">
+            <a:spAutoFit/>
+          </a:bodyPr>
+          <a:lstStyle/>
+          <a:p>
+            <a:pPr algn="ctr"/>
+            <a:r>
+              <a:rPr lang="zh-TW" altLang="en-US" sz="3000" dirty="0">
+                <a:solidFill>
+                  <a:srgbClr val="FD8182"/>
+                </a:solidFill>
+                <a:latin typeface="微軟正黑體" panose="020B0604030504040204" pitchFamily="34" charset="-120"/>
+                <a:ea typeface="微軟正黑體" panose="020B0604030504040204" pitchFamily="34" charset="-120"/>
+              </a:rPr>
+              <a:t>合作廠商資訊</a:t>
+            </a:r>
           </a:p>
         </p:txBody>
       </p:sp>
@@ -4006,33 +9575,52 @@
           <a:bodyPr/>
           <a:lstStyle/>
           <a:p>
-            <a:endParaRPr lang="zh-TW" altLang="en-US"/>
+            <a:r>
+              <a:rPr lang="zh-TW" altLang="en-US" dirty="0">
+                <a:solidFill>
+                  <a:srgbClr val="FD8182"/>
+                </a:solidFill>
+                <a:latin typeface="微軟正黑體" pitchFamily="34" charset="-120"/>
+                <a:ea typeface="微軟正黑體" pitchFamily="34" charset="-120"/>
+              </a:rPr>
+              <a:t>網站地圖</a:t>
+            </a:r>
+            <a:endParaRPr lang="zh-TW" altLang="en-US" dirty="0">
+              <a:solidFill>
+                <a:srgbClr val="FD8182"/>
+              </a:solidFill>
+              <a:latin typeface="微軟正黑體" pitchFamily="34" charset="-120"/>
+              <a:ea typeface="微軟正黑體" pitchFamily="34" charset="-120"/>
+            </a:endParaRPr>
           </a:p>
         </p:txBody>
       </p:sp>
-      <p:sp>
-        <p:nvSpPr>
-          <p:cNvPr id="3" name="內容版面配置區 2"/>
-          <p:cNvSpPr>
-            <a:spLocks noGrp="1"/>
-          </p:cNvSpPr>
+      <p:graphicFrame>
+        <p:nvGraphicFramePr>
+          <p:cNvPr id="5" name="資料庫圖表 4"/>
+          <p:cNvGraphicFramePr/>
           <p:nvPr>
-            <p:ph idx="1"/>
+            <p:extLst>
+              <p:ext uri="{D42A27DB-BD31-4B8C-83A1-F6EECF244321}">
+                <p14:modId xmlns:p14="http://schemas.microsoft.com/office/powerpoint/2010/main" val="3811023071"/>
+              </p:ext>
+            </p:extLst>
           </p:nvPr>
-        </p:nvSpPr>
-        <p:spPr/>
-        <p:txBody>
-          <a:bodyPr/>
-          <a:lstStyle/>
-          <a:p>
-            <a:endParaRPr lang="zh-TW" altLang="en-US"/>
-          </a:p>
-        </p:txBody>
-      </p:sp>
+        </p:nvGraphicFramePr>
+        <p:xfrm>
+          <a:off x="515634" y="1397000"/>
+          <a:ext cx="8112732" cy="4064000"/>
+        </p:xfrm>
+        <a:graphic>
+          <a:graphicData uri="http://schemas.openxmlformats.org/drawingml/2006/diagram">
+            <dgm:relIds xmlns:dgm="http://schemas.openxmlformats.org/drawingml/2006/diagram" xmlns:r="http://schemas.openxmlformats.org/officeDocument/2006/relationships" r:dm="rId3" r:lo="rId4" r:qs="rId5" r:cs="rId6"/>
+          </a:graphicData>
+        </a:graphic>
+      </p:graphicFrame>
     </p:spTree>
     <p:extLst>
       <p:ext uri="{BB962C8B-B14F-4D97-AF65-F5344CB8AC3E}">
-        <p14:creationId xmlns:p14="http://schemas.microsoft.com/office/powerpoint/2010/main" val="1885223319"/>
+        <p14:creationId xmlns:p14="http://schemas.microsoft.com/office/powerpoint/2010/main" val="3544753845"/>
       </p:ext>
     </p:extLst>
   </p:cSld>
@@ -4066,6 +9654,54 @@
           <a:chExt cx="0" cy="0"/>
         </a:xfrm>
       </p:grpSpPr>
+      <p:sp>
+        <p:nvSpPr>
+          <p:cNvPr id="10" name="矩形 9"/>
+          <p:cNvSpPr/>
+          <p:nvPr/>
+        </p:nvSpPr>
+        <p:spPr>
+          <a:xfrm>
+            <a:off x="0" y="1323392"/>
+            <a:ext cx="9180512" cy="4392488"/>
+          </a:xfrm>
+          <a:prstGeom prst="rect">
+            <a:avLst/>
+          </a:prstGeom>
+          <a:solidFill>
+            <a:srgbClr val="FD8182">
+              <a:alpha val="30000"/>
+            </a:srgbClr>
+          </a:solidFill>
+          <a:ln>
+            <a:noFill/>
+          </a:ln>
+        </p:spPr>
+        <p:style>
+          <a:lnRef idx="2">
+            <a:schemeClr val="accent1">
+              <a:shade val="50000"/>
+            </a:schemeClr>
+          </a:lnRef>
+          <a:fillRef idx="1">
+            <a:schemeClr val="accent1"/>
+          </a:fillRef>
+          <a:effectRef idx="0">
+            <a:schemeClr val="accent1"/>
+          </a:effectRef>
+          <a:fontRef idx="minor">
+            <a:schemeClr val="lt1"/>
+          </a:fontRef>
+        </p:style>
+        <p:txBody>
+          <a:bodyPr rtlCol="0" anchor="ctr"/>
+          <a:lstStyle/>
+          <a:p>
+            <a:pPr algn="ctr"/>
+            <a:endParaRPr lang="zh-TW" altLang="en-US"/>
+          </a:p>
+        </p:txBody>
+      </p:sp>
       <p:pic>
         <p:nvPicPr>
           <p:cNvPr id="3074" name="Picture 2" descr="C:\Users\Kevin\Desktop\meet3.png"/>
@@ -4122,33 +9758,482 @@
           <a:bodyPr/>
           <a:lstStyle/>
           <a:p>
-            <a:endParaRPr lang="zh-TW" altLang="en-US"/>
+            <a:r>
+              <a:rPr lang="zh-TW" altLang="en-US" dirty="0" smtClean="0">
+                <a:solidFill>
+                  <a:srgbClr val="FD8182"/>
+                </a:solidFill>
+                <a:latin typeface="微軟正黑體" panose="020B0604030504040204" pitchFamily="34" charset="-120"/>
+                <a:ea typeface="微軟正黑體" panose="020B0604030504040204" pitchFamily="34" charset="-120"/>
+              </a:rPr>
+              <a:t>前端技術</a:t>
+            </a:r>
+            <a:endParaRPr lang="zh-TW" altLang="en-US" dirty="0">
+              <a:solidFill>
+                <a:srgbClr val="FD8182"/>
+              </a:solidFill>
+              <a:latin typeface="微軟正黑體" panose="020B0604030504040204" pitchFamily="34" charset="-120"/>
+              <a:ea typeface="微軟正黑體" panose="020B0604030504040204" pitchFamily="34" charset="-120"/>
+            </a:endParaRPr>
           </a:p>
         </p:txBody>
       </p:sp>
       <p:sp>
         <p:nvSpPr>
-          <p:cNvPr id="3" name="內容版面配置區 2"/>
-          <p:cNvSpPr>
-            <a:spLocks noGrp="1"/>
-          </p:cNvSpPr>
-          <p:nvPr>
-            <p:ph idx="1"/>
-          </p:nvPr>
+          <p:cNvPr id="8" name="文字方塊 7"/>
+          <p:cNvSpPr txBox="1"/>
+          <p:nvPr/>
         </p:nvSpPr>
-        <p:spPr/>
+        <p:spPr>
+          <a:xfrm>
+            <a:off x="3491880" y="1556792"/>
+            <a:ext cx="2088232" cy="707886"/>
+          </a:xfrm>
+          <a:prstGeom prst="rect">
+            <a:avLst/>
+          </a:prstGeom>
+          <a:noFill/>
+        </p:spPr>
         <p:txBody>
-          <a:bodyPr/>
+          <a:bodyPr wrap="square" rtlCol="0">
+            <a:spAutoFit/>
+          </a:bodyPr>
           <a:lstStyle/>
           <a:p>
-            <a:endParaRPr lang="zh-TW" altLang="en-US"/>
+            <a:pPr algn="ctr"/>
+            <a:r>
+              <a:rPr lang="en-US" altLang="zh-TW" sz="4000" dirty="0" smtClean="0">
+                <a:solidFill>
+                  <a:schemeClr val="bg1"/>
+                </a:solidFill>
+              </a:rPr>
+              <a:t>UI/UX</a:t>
+            </a:r>
+            <a:endParaRPr lang="zh-TW" altLang="en-US" sz="4000" dirty="0">
+              <a:solidFill>
+                <a:schemeClr val="bg1"/>
+              </a:solidFill>
+            </a:endParaRPr>
+          </a:p>
+        </p:txBody>
+      </p:sp>
+      <p:sp>
+        <p:nvSpPr>
+          <p:cNvPr id="9" name="文字方塊 8"/>
+          <p:cNvSpPr txBox="1"/>
+          <p:nvPr/>
+        </p:nvSpPr>
+        <p:spPr>
+          <a:xfrm>
+            <a:off x="899592" y="2704028"/>
+            <a:ext cx="3528392" cy="1508105"/>
+          </a:xfrm>
+          <a:prstGeom prst="rect">
+            <a:avLst/>
+          </a:prstGeom>
+          <a:noFill/>
+        </p:spPr>
+        <p:txBody>
+          <a:bodyPr wrap="square" rtlCol="0">
+            <a:spAutoFit/>
+          </a:bodyPr>
+          <a:lstStyle/>
+          <a:p>
+            <a:pPr algn="ctr"/>
+            <a:r>
+              <a:rPr lang="en-US" altLang="zh-TW" sz="2300" dirty="0">
+                <a:solidFill>
+                  <a:schemeClr val="tx1">
+                    <a:lumMod val="65000"/>
+                    <a:lumOff val="35000"/>
+                  </a:schemeClr>
+                </a:solidFill>
+                <a:latin typeface="微軟正黑體" panose="020B0604030504040204" pitchFamily="34" charset="-120"/>
+                <a:ea typeface="微軟正黑體" panose="020B0604030504040204" pitchFamily="34" charset="-120"/>
+              </a:rPr>
+              <a:t>A</a:t>
+            </a:r>
+            <a:r>
+              <a:rPr lang="en-US" altLang="zh-TW" sz="2300" dirty="0" smtClean="0">
+                <a:solidFill>
+                  <a:schemeClr val="tx1">
+                    <a:lumMod val="65000"/>
+                    <a:lumOff val="35000"/>
+                  </a:schemeClr>
+                </a:solidFill>
+                <a:latin typeface="微軟正黑體" panose="020B0604030504040204" pitchFamily="34" charset="-120"/>
+                <a:ea typeface="微軟正黑體" panose="020B0604030504040204" pitchFamily="34" charset="-120"/>
+              </a:rPr>
+              <a:t>jax</a:t>
+            </a:r>
+          </a:p>
+          <a:p>
+            <a:pPr algn="ctr"/>
+            <a:r>
+              <a:rPr lang="en-US" altLang="zh-TW" sz="2300" dirty="0">
+                <a:solidFill>
+                  <a:schemeClr val="tx1">
+                    <a:lumMod val="65000"/>
+                    <a:lumOff val="35000"/>
+                  </a:schemeClr>
+                </a:solidFill>
+                <a:latin typeface="微軟正黑體" panose="020B0604030504040204" pitchFamily="34" charset="-120"/>
+                <a:ea typeface="微軟正黑體" panose="020B0604030504040204" pitchFamily="34" charset="-120"/>
+              </a:rPr>
+              <a:t>M</a:t>
+            </a:r>
+            <a:r>
+              <a:rPr lang="en-US" altLang="zh-TW" sz="2300" dirty="0" smtClean="0">
+                <a:solidFill>
+                  <a:schemeClr val="tx1">
+                    <a:lumMod val="65000"/>
+                    <a:lumOff val="35000"/>
+                  </a:schemeClr>
+                </a:solidFill>
+                <a:latin typeface="微軟正黑體" panose="020B0604030504040204" pitchFamily="34" charset="-120"/>
+                <a:ea typeface="微軟正黑體" panose="020B0604030504040204" pitchFamily="34" charset="-120"/>
+              </a:rPr>
+              <a:t>asonry</a:t>
+            </a:r>
+            <a:r>
+              <a:rPr lang="zh-TW" altLang="en-US" sz="2300" dirty="0">
+                <a:solidFill>
+                  <a:schemeClr val="tx1">
+                    <a:lumMod val="65000"/>
+                    <a:lumOff val="35000"/>
+                  </a:schemeClr>
+                </a:solidFill>
+                <a:latin typeface="微軟正黑體" panose="020B0604030504040204" pitchFamily="34" charset="-120"/>
+                <a:ea typeface="微軟正黑體" panose="020B0604030504040204" pitchFamily="34" charset="-120"/>
+              </a:rPr>
+              <a:t>瀑布</a:t>
+            </a:r>
+            <a:r>
+              <a:rPr lang="zh-TW" altLang="en-US" sz="2300" dirty="0" smtClean="0">
+                <a:solidFill>
+                  <a:schemeClr val="tx1">
+                    <a:lumMod val="65000"/>
+                    <a:lumOff val="35000"/>
+                  </a:schemeClr>
+                </a:solidFill>
+                <a:latin typeface="微軟正黑體" panose="020B0604030504040204" pitchFamily="34" charset="-120"/>
+                <a:ea typeface="微軟正黑體" panose="020B0604030504040204" pitchFamily="34" charset="-120"/>
+              </a:rPr>
+              <a:t>流</a:t>
+            </a:r>
+            <a:endParaRPr lang="en-US" altLang="zh-TW" sz="2300" dirty="0" smtClean="0">
+              <a:solidFill>
+                <a:schemeClr val="tx1">
+                  <a:lumMod val="65000"/>
+                  <a:lumOff val="35000"/>
+                </a:schemeClr>
+              </a:solidFill>
+              <a:latin typeface="微軟正黑體" panose="020B0604030504040204" pitchFamily="34" charset="-120"/>
+              <a:ea typeface="微軟正黑體" panose="020B0604030504040204" pitchFamily="34" charset="-120"/>
+            </a:endParaRPr>
+          </a:p>
+          <a:p>
+            <a:pPr algn="ctr"/>
+            <a:r>
+              <a:rPr lang="en-US" altLang="zh-TW" sz="2300" dirty="0" smtClean="0">
+                <a:solidFill>
+                  <a:schemeClr val="tx1">
+                    <a:lumMod val="65000"/>
+                    <a:lumOff val="35000"/>
+                  </a:schemeClr>
+                </a:solidFill>
+                <a:latin typeface="微軟正黑體" panose="020B0604030504040204" pitchFamily="34" charset="-120"/>
+                <a:ea typeface="微軟正黑體" panose="020B0604030504040204" pitchFamily="34" charset="-120"/>
+              </a:rPr>
+              <a:t>Material Design</a:t>
+            </a:r>
+            <a:r>
+              <a:rPr lang="zh-TW" altLang="en-US" sz="2300" dirty="0">
+                <a:solidFill>
+                  <a:schemeClr val="tx1">
+                    <a:lumMod val="65000"/>
+                    <a:lumOff val="35000"/>
+                  </a:schemeClr>
+                </a:solidFill>
+                <a:latin typeface="微軟正黑體" panose="020B0604030504040204" pitchFamily="34" charset="-120"/>
+                <a:ea typeface="微軟正黑體" panose="020B0604030504040204" pitchFamily="34" charset="-120"/>
+              </a:rPr>
+              <a:t>風格</a:t>
+            </a:r>
+            <a:r>
+              <a:rPr lang="zh-TW" altLang="en-US" sz="2300" dirty="0" smtClean="0">
+                <a:solidFill>
+                  <a:schemeClr val="tx1">
+                    <a:lumMod val="65000"/>
+                    <a:lumOff val="35000"/>
+                  </a:schemeClr>
+                </a:solidFill>
+                <a:latin typeface="微軟正黑體" panose="020B0604030504040204" pitchFamily="34" charset="-120"/>
+                <a:ea typeface="微軟正黑體" panose="020B0604030504040204" pitchFamily="34" charset="-120"/>
+              </a:rPr>
+              <a:t>按鈕</a:t>
+            </a:r>
+            <a:endParaRPr lang="en-US" altLang="zh-TW" sz="2300" dirty="0" smtClean="0">
+              <a:solidFill>
+                <a:schemeClr val="tx1">
+                  <a:lumMod val="65000"/>
+                  <a:lumOff val="35000"/>
+                </a:schemeClr>
+              </a:solidFill>
+              <a:latin typeface="微軟正黑體" panose="020B0604030504040204" pitchFamily="34" charset="-120"/>
+              <a:ea typeface="微軟正黑體" panose="020B0604030504040204" pitchFamily="34" charset="-120"/>
+            </a:endParaRPr>
+          </a:p>
+          <a:p>
+            <a:pPr algn="ctr"/>
+            <a:r>
+              <a:rPr lang="zh-TW" altLang="en-US" sz="2300" dirty="0" smtClean="0">
+                <a:solidFill>
+                  <a:schemeClr val="tx1">
+                    <a:lumMod val="65000"/>
+                    <a:lumOff val="35000"/>
+                  </a:schemeClr>
+                </a:solidFill>
+                <a:latin typeface="微軟正黑體" panose="020B0604030504040204" pitchFamily="34" charset="-120"/>
+                <a:ea typeface="微軟正黑體" panose="020B0604030504040204" pitchFamily="34" charset="-120"/>
+              </a:rPr>
+              <a:t>滑動模糊、飛入</a:t>
+            </a:r>
+            <a:endParaRPr lang="en-US" altLang="zh-TW" sz="2300" dirty="0" smtClean="0">
+              <a:solidFill>
+                <a:schemeClr val="tx1">
+                  <a:lumMod val="65000"/>
+                  <a:lumOff val="35000"/>
+                </a:schemeClr>
+              </a:solidFill>
+              <a:latin typeface="微軟正黑體" panose="020B0604030504040204" pitchFamily="34" charset="-120"/>
+              <a:ea typeface="微軟正黑體" panose="020B0604030504040204" pitchFamily="34" charset="-120"/>
+            </a:endParaRPr>
+          </a:p>
+        </p:txBody>
+      </p:sp>
+      <p:sp>
+        <p:nvSpPr>
+          <p:cNvPr id="11" name="文字方塊 10"/>
+          <p:cNvSpPr txBox="1"/>
+          <p:nvPr/>
+        </p:nvSpPr>
+        <p:spPr>
+          <a:xfrm>
+            <a:off x="4499992" y="2704028"/>
+            <a:ext cx="3528392" cy="1508105"/>
+          </a:xfrm>
+          <a:prstGeom prst="rect">
+            <a:avLst/>
+          </a:prstGeom>
+          <a:noFill/>
+        </p:spPr>
+        <p:txBody>
+          <a:bodyPr wrap="square" rtlCol="0">
+            <a:spAutoFit/>
+          </a:bodyPr>
+          <a:lstStyle/>
+          <a:p>
+            <a:pPr algn="ctr"/>
+            <a:r>
+              <a:rPr lang="zh-TW" altLang="en-US" sz="2300" dirty="0" smtClean="0">
+                <a:solidFill>
+                  <a:schemeClr val="tx1">
+                    <a:lumMod val="65000"/>
+                    <a:lumOff val="35000"/>
+                  </a:schemeClr>
+                </a:solidFill>
+                <a:latin typeface="微軟正黑體" panose="020B0604030504040204" pitchFamily="34" charset="-120"/>
+                <a:ea typeface="微軟正黑體" panose="020B0604030504040204" pitchFamily="34" charset="-120"/>
+              </a:rPr>
+              <a:t>換</a:t>
+            </a:r>
+            <a:r>
+              <a:rPr lang="zh-TW" altLang="en-US" sz="2300" dirty="0">
+                <a:solidFill>
+                  <a:schemeClr val="tx1">
+                    <a:lumMod val="65000"/>
+                    <a:lumOff val="35000"/>
+                  </a:schemeClr>
+                </a:solidFill>
+                <a:latin typeface="微軟正黑體" panose="020B0604030504040204" pitchFamily="34" charset="-120"/>
+                <a:ea typeface="微軟正黑體" panose="020B0604030504040204" pitchFamily="34" charset="-120"/>
+              </a:rPr>
+              <a:t>頁</a:t>
+            </a:r>
+            <a:r>
+              <a:rPr lang="zh-TW" altLang="en-US" sz="2300" dirty="0" smtClean="0">
+                <a:solidFill>
+                  <a:schemeClr val="tx1">
+                    <a:lumMod val="65000"/>
+                    <a:lumOff val="35000"/>
+                  </a:schemeClr>
+                </a:solidFill>
+                <a:latin typeface="微軟正黑體" panose="020B0604030504040204" pitchFamily="34" charset="-120"/>
+                <a:ea typeface="微軟正黑體" panose="020B0604030504040204" pitchFamily="34" charset="-120"/>
+              </a:rPr>
+              <a:t>淡</a:t>
+            </a:r>
+            <a:r>
+              <a:rPr lang="zh-TW" altLang="en-US" sz="2300" dirty="0">
+                <a:solidFill>
+                  <a:schemeClr val="tx1">
+                    <a:lumMod val="65000"/>
+                    <a:lumOff val="35000"/>
+                  </a:schemeClr>
+                </a:solidFill>
+                <a:latin typeface="微軟正黑體" panose="020B0604030504040204" pitchFamily="34" charset="-120"/>
+                <a:ea typeface="微軟正黑體" panose="020B0604030504040204" pitchFamily="34" charset="-120"/>
+              </a:rPr>
+              <a:t>入淡出</a:t>
+            </a:r>
+            <a:endParaRPr lang="en-US" altLang="zh-TW" sz="2300" dirty="0" smtClean="0">
+              <a:solidFill>
+                <a:schemeClr val="tx1">
+                  <a:lumMod val="65000"/>
+                  <a:lumOff val="35000"/>
+                </a:schemeClr>
+              </a:solidFill>
+              <a:latin typeface="微軟正黑體" panose="020B0604030504040204" pitchFamily="34" charset="-120"/>
+              <a:ea typeface="微軟正黑體" panose="020B0604030504040204" pitchFamily="34" charset="-120"/>
+            </a:endParaRPr>
+          </a:p>
+          <a:p>
+            <a:pPr algn="ctr"/>
+            <a:r>
+              <a:rPr lang="zh-TW" altLang="en-US" sz="2300" dirty="0" smtClean="0">
+                <a:solidFill>
+                  <a:schemeClr val="tx1">
+                    <a:lumMod val="65000"/>
+                    <a:lumOff val="35000"/>
+                  </a:schemeClr>
+                </a:solidFill>
+                <a:latin typeface="微軟正黑體" panose="020B0604030504040204" pitchFamily="34" charset="-120"/>
+                <a:ea typeface="微軟正黑體" panose="020B0604030504040204" pitchFamily="34" charset="-120"/>
+              </a:rPr>
+              <a:t>按鈕特效</a:t>
+            </a:r>
+            <a:endParaRPr lang="en-US" altLang="zh-TW" sz="2300" dirty="0" smtClean="0">
+              <a:solidFill>
+                <a:schemeClr val="tx1">
+                  <a:lumMod val="65000"/>
+                  <a:lumOff val="35000"/>
+                </a:schemeClr>
+              </a:solidFill>
+              <a:latin typeface="微軟正黑體" panose="020B0604030504040204" pitchFamily="34" charset="-120"/>
+              <a:ea typeface="微軟正黑體" panose="020B0604030504040204" pitchFamily="34" charset="-120"/>
+            </a:endParaRPr>
+          </a:p>
+          <a:p>
+            <a:pPr algn="ctr"/>
+            <a:r>
+              <a:rPr lang="en-US" altLang="zh-TW" sz="2300" dirty="0">
+                <a:solidFill>
+                  <a:schemeClr val="tx1">
+                    <a:lumMod val="65000"/>
+                    <a:lumOff val="35000"/>
+                  </a:schemeClr>
+                </a:solidFill>
+                <a:latin typeface="微軟正黑體" panose="020B0604030504040204" pitchFamily="34" charset="-120"/>
+                <a:ea typeface="微軟正黑體" panose="020B0604030504040204" pitchFamily="34" charset="-120"/>
+              </a:rPr>
+              <a:t>L</a:t>
+            </a:r>
+            <a:r>
+              <a:rPr lang="en-US" altLang="zh-TW" sz="2300" dirty="0" smtClean="0">
+                <a:solidFill>
+                  <a:schemeClr val="tx1">
+                    <a:lumMod val="65000"/>
+                    <a:lumOff val="35000"/>
+                  </a:schemeClr>
+                </a:solidFill>
+                <a:latin typeface="微軟正黑體" panose="020B0604030504040204" pitchFamily="34" charset="-120"/>
+                <a:ea typeface="微軟正黑體" panose="020B0604030504040204" pitchFamily="34" charset="-120"/>
+              </a:rPr>
+              <a:t>oad</a:t>
+            </a:r>
+            <a:r>
+              <a:rPr lang="zh-TW" altLang="en-US" sz="2300" dirty="0" smtClean="0">
+                <a:solidFill>
+                  <a:schemeClr val="tx1">
+                    <a:lumMod val="65000"/>
+                    <a:lumOff val="35000"/>
+                  </a:schemeClr>
+                </a:solidFill>
+                <a:latin typeface="微軟正黑體" panose="020B0604030504040204" pitchFamily="34" charset="-120"/>
+                <a:ea typeface="微軟正黑體" panose="020B0604030504040204" pitchFamily="34" charset="-120"/>
+              </a:rPr>
+              <a:t>畫面</a:t>
+            </a:r>
+            <a:endParaRPr lang="en-US" altLang="zh-TW" sz="2300" dirty="0" smtClean="0">
+              <a:solidFill>
+                <a:schemeClr val="tx1">
+                  <a:lumMod val="65000"/>
+                  <a:lumOff val="35000"/>
+                </a:schemeClr>
+              </a:solidFill>
+              <a:latin typeface="微軟正黑體" panose="020B0604030504040204" pitchFamily="34" charset="-120"/>
+              <a:ea typeface="微軟正黑體" panose="020B0604030504040204" pitchFamily="34" charset="-120"/>
+            </a:endParaRPr>
+          </a:p>
+          <a:p>
+            <a:pPr algn="ctr"/>
+            <a:r>
+              <a:rPr lang="zh-TW" altLang="en-US" sz="2300" dirty="0" smtClean="0">
+                <a:solidFill>
+                  <a:schemeClr val="tx1">
+                    <a:lumMod val="65000"/>
+                    <a:lumOff val="35000"/>
+                  </a:schemeClr>
+                </a:solidFill>
+                <a:latin typeface="微軟正黑體" panose="020B0604030504040204" pitchFamily="34" charset="-120"/>
+                <a:ea typeface="微軟正黑體" panose="020B0604030504040204" pitchFamily="34" charset="-120"/>
+              </a:rPr>
+              <a:t>置</a:t>
+            </a:r>
+            <a:r>
+              <a:rPr lang="zh-TW" altLang="en-US" sz="2300" dirty="0">
+                <a:solidFill>
+                  <a:schemeClr val="tx1">
+                    <a:lumMod val="65000"/>
+                    <a:lumOff val="35000"/>
+                  </a:schemeClr>
+                </a:solidFill>
+                <a:latin typeface="微軟正黑體" panose="020B0604030504040204" pitchFamily="34" charset="-120"/>
+                <a:ea typeface="微軟正黑體" panose="020B0604030504040204" pitchFamily="34" charset="-120"/>
+              </a:rPr>
+              <a:t>頂</a:t>
+            </a:r>
+            <a:r>
+              <a:rPr lang="zh-TW" altLang="en-US" sz="2300" dirty="0" smtClean="0">
+                <a:solidFill>
+                  <a:schemeClr val="tx1">
+                    <a:lumMod val="65000"/>
+                    <a:lumOff val="35000"/>
+                  </a:schemeClr>
+                </a:solidFill>
+                <a:latin typeface="微軟正黑體" panose="020B0604030504040204" pitchFamily="34" charset="-120"/>
+                <a:ea typeface="微軟正黑體" panose="020B0604030504040204" pitchFamily="34" charset="-120"/>
+              </a:rPr>
+              <a:t>按鈕</a:t>
+            </a:r>
+            <a:endParaRPr lang="zh-TW" altLang="en-US" sz="2300" dirty="0">
+              <a:solidFill>
+                <a:schemeClr val="tx1">
+                  <a:lumMod val="65000"/>
+                  <a:lumOff val="35000"/>
+                </a:schemeClr>
+              </a:solidFill>
+              <a:latin typeface="微軟正黑體" panose="020B0604030504040204" pitchFamily="34" charset="-120"/>
+              <a:ea typeface="微軟正黑體" panose="020B0604030504040204" pitchFamily="34" charset="-120"/>
+            </a:endParaRPr>
           </a:p>
         </p:txBody>
       </p:sp>
     </p:spTree>
     <p:extLst>
       <p:ext uri="{BB962C8B-B14F-4D97-AF65-F5344CB8AC3E}">
-        <p14:creationId xmlns:p14="http://schemas.microsoft.com/office/powerpoint/2010/main" val="3495145387"/>
+        <p14:creationId xmlns:p14="http://schemas.microsoft.com/office/powerpoint/2010/main" val="3295068654"/>
       </p:ext>
     </p:extLst>
   </p:cSld>
@@ -4182,6 +10267,143 @@
           <a:chExt cx="0" cy="0"/>
         </a:xfrm>
       </p:grpSpPr>
+      <p:sp>
+        <p:nvSpPr>
+          <p:cNvPr id="2" name="標題 1"/>
+          <p:cNvSpPr>
+            <a:spLocks noGrp="1"/>
+          </p:cNvSpPr>
+          <p:nvPr>
+            <p:ph type="title"/>
+          </p:nvPr>
+        </p:nvSpPr>
+        <p:spPr/>
+        <p:txBody>
+          <a:bodyPr/>
+          <a:lstStyle/>
+          <a:p>
+            <a:r>
+              <a:rPr lang="en-US" altLang="zh-TW" dirty="0" smtClean="0">
+                <a:solidFill>
+                  <a:srgbClr val="FD8182"/>
+                </a:solidFill>
+              </a:rPr>
+              <a:t>RWD</a:t>
+            </a:r>
+            <a:endParaRPr lang="zh-TW" altLang="en-US" dirty="0">
+              <a:solidFill>
+                <a:srgbClr val="FD8182"/>
+              </a:solidFill>
+            </a:endParaRPr>
+          </a:p>
+        </p:txBody>
+      </p:sp>
+      <p:pic>
+        <p:nvPicPr>
+          <p:cNvPr id="1027" name="Picture 3"/>
+          <p:cNvPicPr>
+            <a:picLocks noChangeAspect="1" noChangeArrowheads="1"/>
+          </p:cNvPicPr>
+          <p:nvPr/>
+        </p:nvPicPr>
+        <p:blipFill rotWithShape="1">
+          <a:blip r:embed="rId2">
+            <a:extLst>
+              <a:ext uri="{28A0092B-C50C-407E-A947-70E740481C1C}">
+                <a14:useLocalDpi xmlns:a14="http://schemas.microsoft.com/office/drawing/2010/main" val="0"/>
+              </a:ext>
+            </a:extLst>
+          </a:blip>
+          <a:srcRect b="7930"/>
+          <a:stretch/>
+        </p:blipFill>
+        <p:spPr bwMode="auto">
+          <a:xfrm>
+            <a:off x="6033936" y="1710554"/>
+            <a:ext cx="2786536" cy="3677788"/>
+          </a:xfrm>
+          <a:prstGeom prst="rect">
+            <a:avLst/>
+          </a:prstGeom>
+          <a:noFill/>
+          <a:ln>
+            <a:noFill/>
+          </a:ln>
+          <a:extLst>
+            <a:ext uri="{909E8E84-426E-40DD-AFC4-6F175D3DCCD1}">
+              <a14:hiddenFill xmlns:a14="http://schemas.microsoft.com/office/drawing/2010/main">
+                <a:solidFill>
+                  <a:schemeClr val="accent1"/>
+                </a:solidFill>
+              </a14:hiddenFill>
+            </a:ext>
+            <a:ext uri="{91240B29-F687-4F45-9708-019B960494DF}">
+              <a14:hiddenLine xmlns:a14="http://schemas.microsoft.com/office/drawing/2010/main" w="9525">
+                <a:solidFill>
+                  <a:schemeClr val="tx1"/>
+                </a:solidFill>
+                <a:miter lim="800000"/>
+                <a:headEnd/>
+                <a:tailEnd/>
+              </a14:hiddenLine>
+            </a:ext>
+          </a:extLst>
+        </p:spPr>
+      </p:pic>
+      <p:pic>
+        <p:nvPicPr>
+          <p:cNvPr id="1029" name="Picture 5"/>
+          <p:cNvPicPr>
+            <a:picLocks noChangeAspect="1" noChangeArrowheads="1"/>
+          </p:cNvPicPr>
+          <p:nvPr/>
+        </p:nvPicPr>
+        <p:blipFill>
+          <a:blip r:embed="rId3">
+            <a:extLst>
+              <a:ext uri="{28A0092B-C50C-407E-A947-70E740481C1C}">
+                <a14:useLocalDpi xmlns:a14="http://schemas.microsoft.com/office/drawing/2010/main" val="0"/>
+              </a:ext>
+            </a:extLst>
+          </a:blip>
+          <a:srcRect/>
+          <a:stretch>
+            <a:fillRect/>
+          </a:stretch>
+        </p:blipFill>
+        <p:spPr bwMode="auto">
+          <a:xfrm>
+            <a:off x="323233" y="1710555"/>
+            <a:ext cx="5358055" cy="3677788"/>
+          </a:xfrm>
+          <a:prstGeom prst="rect">
+            <a:avLst/>
+          </a:prstGeom>
+          <a:noFill/>
+          <a:ln>
+            <a:noFill/>
+          </a:ln>
+          <a:extLst>
+            <a:ext uri="{909E8E84-426E-40DD-AFC4-6F175D3DCCD1}">
+              <a14:hiddenFill xmlns:a14="http://schemas.microsoft.com/office/drawing/2010/main">
+                <a:solidFill>
+                  <a:schemeClr val="accent1"/>
+                </a:solidFill>
+              </a14:hiddenFill>
+            </a:ext>
+            <a:ext uri="{91240B29-F687-4F45-9708-019B960494DF}">
+              <a14:hiddenLine xmlns:a14="http://schemas.microsoft.com/office/drawing/2010/main" w="9525">
+                <a:solidFill>
+                  <a:schemeClr val="tx1"/>
+                </a:solidFill>
+                <a:miter lim="800000"/>
+                <a:headEnd/>
+                <a:tailEnd/>
+              </a14:hiddenLine>
+            </a:ext>
+          </a:extLst>
+        </p:spPr>
+      </p:pic>
       <p:pic>
         <p:nvPicPr>
           <p:cNvPr id="2050" name="Picture 2" descr="C:\Users\Kevin\Desktop\meet2.png"/>
@@ -4191,7 +10413,7 @@
           <p:nvPr/>
         </p:nvPicPr>
         <p:blipFill>
-          <a:blip r:embed="rId2">
+          <a:blip r:embed="rId4">
             <a:extLst>
               <a:ext uri="{28A0092B-C50C-407E-A947-70E740481C1C}">
                 <a14:useLocalDpi xmlns:a14="http://schemas.microsoft.com/office/drawing/2010/main" val="0"/>
@@ -4223,48 +10445,10 @@
           </a:extLst>
         </p:spPr>
       </p:pic>
-      <p:sp>
-        <p:nvSpPr>
-          <p:cNvPr id="2" name="標題 1"/>
-          <p:cNvSpPr>
-            <a:spLocks noGrp="1"/>
-          </p:cNvSpPr>
-          <p:nvPr>
-            <p:ph type="title"/>
-          </p:nvPr>
-        </p:nvSpPr>
-        <p:spPr/>
-        <p:txBody>
-          <a:bodyPr/>
-          <a:lstStyle/>
-          <a:p>
-            <a:endParaRPr lang="zh-TW" altLang="en-US"/>
-          </a:p>
-        </p:txBody>
-      </p:sp>
-      <p:sp>
-        <p:nvSpPr>
-          <p:cNvPr id="3" name="內容版面配置區 2"/>
-          <p:cNvSpPr>
-            <a:spLocks noGrp="1"/>
-          </p:cNvSpPr>
-          <p:nvPr>
-            <p:ph idx="1"/>
-          </p:nvPr>
-        </p:nvSpPr>
-        <p:spPr/>
-        <p:txBody>
-          <a:bodyPr/>
-          <a:lstStyle/>
-          <a:p>
-            <a:endParaRPr lang="zh-TW" altLang="en-US"/>
-          </a:p>
-        </p:txBody>
-      </p:sp>
     </p:spTree>
     <p:extLst>
       <p:ext uri="{BB962C8B-B14F-4D97-AF65-F5344CB8AC3E}">
-        <p14:creationId xmlns:p14="http://schemas.microsoft.com/office/powerpoint/2010/main" val="2966649194"/>
+        <p14:creationId xmlns:p14="http://schemas.microsoft.com/office/powerpoint/2010/main" val="1885223319"/>
       </p:ext>
     </p:extLst>
   </p:cSld>
@@ -4354,33 +10538,71 @@
           <a:bodyPr/>
           <a:lstStyle/>
           <a:p>
-            <a:endParaRPr lang="zh-TW" altLang="en-US"/>
+            <a:r>
+              <a:rPr lang="zh-TW" altLang="en-US" b="1" dirty="0" smtClean="0">
+                <a:solidFill>
+                  <a:srgbClr val="FD8182"/>
+                </a:solidFill>
+                <a:latin typeface="微軟正黑體" panose="020B0604030504040204" pitchFamily="34" charset="-120"/>
+                <a:ea typeface="微軟正黑體" panose="020B0604030504040204" pitchFamily="34" charset="-120"/>
+              </a:rPr>
+              <a:t>後台</a:t>
+            </a:r>
+            <a:endParaRPr lang="zh-TW" altLang="en-US" b="1" dirty="0">
+              <a:solidFill>
+                <a:srgbClr val="FD8182"/>
+              </a:solidFill>
+              <a:latin typeface="微軟正黑體" panose="020B0604030504040204" pitchFamily="34" charset="-120"/>
+              <a:ea typeface="微軟正黑體" panose="020B0604030504040204" pitchFamily="34" charset="-120"/>
+            </a:endParaRPr>
           </a:p>
         </p:txBody>
       </p:sp>
-      <p:sp>
-        <p:nvSpPr>
-          <p:cNvPr id="3" name="內容版面配置區 2"/>
-          <p:cNvSpPr>
-            <a:spLocks noGrp="1"/>
-          </p:cNvSpPr>
-          <p:nvPr>
-            <p:ph idx="1"/>
-          </p:nvPr>
-        </p:nvSpPr>
-        <p:spPr/>
-        <p:txBody>
-          <a:bodyPr/>
-          <a:lstStyle/>
-          <a:p>
-            <a:endParaRPr lang="zh-TW" altLang="en-US" dirty="0"/>
-          </a:p>
-        </p:txBody>
-      </p:sp>
+      <p:pic>
+        <p:nvPicPr>
+          <p:cNvPr id="2050" name="Picture 2" descr="https://d2sis3lil8ndrq.cloudfront.net/screencasts/14287acc-b5cb-46db-b8b4-e3ffe652fc0d.png"/>
+          <p:cNvPicPr>
+            <a:picLocks noChangeAspect="1" noChangeArrowheads="1"/>
+          </p:cNvPicPr>
+          <p:nvPr/>
+        </p:nvPicPr>
+        <p:blipFill>
+          <a:blip r:embed="rId3" cstate="print">
+            <a:extLst>
+              <a:ext uri="{28A0092B-C50C-407E-A947-70E740481C1C}">
+                <a14:useLocalDpi xmlns:a14="http://schemas.microsoft.com/office/drawing/2010/main" val="0"/>
+              </a:ext>
+            </a:extLst>
+          </a:blip>
+          <a:srcRect/>
+          <a:stretch>
+            <a:fillRect/>
+          </a:stretch>
+        </p:blipFill>
+        <p:spPr bwMode="auto">
+          <a:xfrm>
+            <a:off x="2322343" y="2166991"/>
+            <a:ext cx="4535826" cy="2551402"/>
+          </a:xfrm>
+          <a:prstGeom prst="rect">
+            <a:avLst/>
+          </a:prstGeom>
+          <a:noFill/>
+          <a:extLst>
+            <a:ext uri="{909E8E84-426E-40DD-AFC4-6F175D3DCCD1}">
+              <a14:hiddenFill xmlns:a14="http://schemas.microsoft.com/office/drawing/2010/main">
+                <a:solidFill>
+                  <a:srgbClr val="FFFFFF"/>
+                </a:solidFill>
+              </a14:hiddenFill>
+            </a:ext>
+          </a:extLst>
+        </p:spPr>
+      </p:pic>
     </p:spTree>
     <p:extLst>
       <p:ext uri="{BB962C8B-B14F-4D97-AF65-F5344CB8AC3E}">
-        <p14:creationId xmlns:p14="http://schemas.microsoft.com/office/powerpoint/2010/main" val="2689361259"/>
+        <p14:creationId xmlns:p14="http://schemas.microsoft.com/office/powerpoint/2010/main" val="3495145387"/>
       </p:ext>
     </p:extLst>
   </p:cSld>
